--- a/PLPTH813Bioinformatis/2025/1_lecture/lecture16_Python.pptx
+++ b/PLPTH813Bioinformatis/2025/1_lecture/lecture16_Python.pptx
@@ -5,7 +5,7 @@
     <p:sldMasterId id="2147483648" r:id="rId1"/>
   </p:sldMasterIdLst>
   <p:notesMasterIdLst>
-    <p:notesMasterId r:id="rId24"/>
+    <p:notesMasterId r:id="rId25"/>
   </p:notesMasterIdLst>
   <p:sldIdLst>
     <p:sldId id="256" r:id="rId2"/>
@@ -13,23 +13,24 @@
     <p:sldId id="336" r:id="rId4"/>
     <p:sldId id="272" r:id="rId5"/>
     <p:sldId id="261" r:id="rId6"/>
-    <p:sldId id="334" r:id="rId7"/>
-    <p:sldId id="262" r:id="rId8"/>
-    <p:sldId id="264" r:id="rId9"/>
-    <p:sldId id="273" r:id="rId10"/>
+    <p:sldId id="262" r:id="rId7"/>
+    <p:sldId id="264" r:id="rId8"/>
+    <p:sldId id="273" r:id="rId9"/>
+    <p:sldId id="334" r:id="rId10"/>
     <p:sldId id="270" r:id="rId11"/>
-    <p:sldId id="271" r:id="rId12"/>
-    <p:sldId id="274" r:id="rId13"/>
-    <p:sldId id="276" r:id="rId14"/>
-    <p:sldId id="268" r:id="rId15"/>
-    <p:sldId id="275" r:id="rId16"/>
-    <p:sldId id="260" r:id="rId17"/>
-    <p:sldId id="257" r:id="rId18"/>
-    <p:sldId id="339" r:id="rId19"/>
-    <p:sldId id="338" r:id="rId20"/>
-    <p:sldId id="267" r:id="rId21"/>
-    <p:sldId id="337" r:id="rId22"/>
-    <p:sldId id="335" r:id="rId23"/>
+    <p:sldId id="340" r:id="rId12"/>
+    <p:sldId id="271" r:id="rId13"/>
+    <p:sldId id="274" r:id="rId14"/>
+    <p:sldId id="276" r:id="rId15"/>
+    <p:sldId id="268" r:id="rId16"/>
+    <p:sldId id="275" r:id="rId17"/>
+    <p:sldId id="260" r:id="rId18"/>
+    <p:sldId id="257" r:id="rId19"/>
+    <p:sldId id="339" r:id="rId20"/>
+    <p:sldId id="338" r:id="rId21"/>
+    <p:sldId id="267" r:id="rId22"/>
+    <p:sldId id="337" r:id="rId23"/>
+    <p:sldId id="335" r:id="rId24"/>
   </p:sldIdLst>
   <p:sldSz cx="12192000" cy="6858000"/>
   <p:notesSz cx="6858000" cy="9144000"/>
@@ -218,7 +219,7 @@
           <a:p>
             <a:fld id="{62C1716D-6DBE-2245-85DC-A0B7399F0CF5}" type="datetimeFigureOut">
               <a:rPr lang="en-US" smtClean="0"/>
-              <a:t>3/31/25</a:t>
+              <a:t>4/1/25</a:t>
             </a:fld>
             <a:endParaRPr lang="en-US"/>
           </a:p>
@@ -529,6 +530,32 @@
           <a:bodyPr/>
           <a:lstStyle/>
           <a:p>
+            <a:pPr marL="0" marR="0" lvl="0" indent="0" algn="l" defTabSz="914400" rtl="0" eaLnBrk="1" fontAlgn="auto" latinLnBrk="0" hangingPunct="1">
+              <a:lnSpc>
+                <a:spcPct val="100000"/>
+              </a:lnSpc>
+              <a:spcBef>
+                <a:spcPts val="0"/>
+              </a:spcBef>
+              <a:spcAft>
+                <a:spcPts val="0"/>
+              </a:spcAft>
+              <a:buClrTx/>
+              <a:buSzTx/>
+              <a:buFontTx/>
+              <a:buNone/>
+              <a:tabLst/>
+              <a:defRPr/>
+            </a:pPr>
+            <a:r>
+              <a:rPr lang="en-US" sz="1200" dirty="0">
+                <a:latin typeface="Courier New" panose="02070309020205020404" pitchFamily="49" charset="0"/>
+                <a:cs typeface="Courier New" panose="02070309020205020404" pitchFamily="49" charset="0"/>
+              </a:rPr>
+              <a:t>list(s) # ["s", "p", "a", "m"]</a:t>
+            </a:r>
+          </a:p>
+          <a:p>
             <a:endParaRPr lang="en-US" dirty="0"/>
           </a:p>
         </p:txBody>
@@ -550,7 +577,7 @@
           <a:p>
             <a:fld id="{31861624-2D8C-5A4F-ABF0-EE44CAD2CDF9}" type="slidenum">
               <a:rPr lang="en-US" smtClean="0"/>
-              <a:t>11</a:t>
+              <a:t>5</a:t>
             </a:fld>
             <a:endParaRPr lang="en-US"/>
           </a:p>
@@ -559,7 +586,7 @@
     </p:spTree>
     <p:extLst>
       <p:ext uri="{BB962C8B-B14F-4D97-AF65-F5344CB8AC3E}">
-        <p14:creationId xmlns:p14="http://schemas.microsoft.com/office/powerpoint/2010/main" val="2091616766"/>
+        <p14:creationId xmlns:p14="http://schemas.microsoft.com/office/powerpoint/2010/main" val="2314187546"/>
       </p:ext>
     </p:extLst>
   </p:cSld>
@@ -613,6 +640,90 @@
           <a:bodyPr/>
           <a:lstStyle/>
           <a:p>
+            <a:endParaRPr lang="en-US" dirty="0"/>
+          </a:p>
+        </p:txBody>
+      </p:sp>
+      <p:sp>
+        <p:nvSpPr>
+          <p:cNvPr id="4" name="Slide Number Placeholder 3"/>
+          <p:cNvSpPr>
+            <a:spLocks noGrp="1"/>
+          </p:cNvSpPr>
+          <p:nvPr>
+            <p:ph type="sldNum" sz="quarter" idx="5"/>
+          </p:nvPr>
+        </p:nvSpPr>
+        <p:spPr/>
+        <p:txBody>
+          <a:bodyPr/>
+          <a:lstStyle/>
+          <a:p>
+            <a:fld id="{31861624-2D8C-5A4F-ABF0-EE44CAD2CDF9}" type="slidenum">
+              <a:rPr lang="en-US" smtClean="0"/>
+              <a:t>12</a:t>
+            </a:fld>
+            <a:endParaRPr lang="en-US"/>
+          </a:p>
+        </p:txBody>
+      </p:sp>
+    </p:spTree>
+    <p:extLst>
+      <p:ext uri="{BB962C8B-B14F-4D97-AF65-F5344CB8AC3E}">
+        <p14:creationId xmlns:p14="http://schemas.microsoft.com/office/powerpoint/2010/main" val="2091616766"/>
+      </p:ext>
+    </p:extLst>
+  </p:cSld>
+  <p:clrMapOvr>
+    <a:masterClrMapping/>
+  </p:clrMapOvr>
+</p:notes>
+</file>
+
+<file path=ppt/notesSlides/notesSlide3.xml><?xml version="1.0" encoding="utf-8"?>
+<p:notes xmlns:a="http://schemas.openxmlformats.org/drawingml/2006/main" xmlns:r="http://schemas.openxmlformats.org/officeDocument/2006/relationships" xmlns:p="http://schemas.openxmlformats.org/presentationml/2006/main">
+  <p:cSld>
+    <p:spTree>
+      <p:nvGrpSpPr>
+        <p:cNvPr id="1" name=""/>
+        <p:cNvGrpSpPr/>
+        <p:nvPr/>
+      </p:nvGrpSpPr>
+      <p:grpSpPr>
+        <a:xfrm>
+          <a:off x="0" y="0"/>
+          <a:ext cx="0" cy="0"/>
+          <a:chOff x="0" y="0"/>
+          <a:chExt cx="0" cy="0"/>
+        </a:xfrm>
+      </p:grpSpPr>
+      <p:sp>
+        <p:nvSpPr>
+          <p:cNvPr id="2" name="Slide Image Placeholder 1"/>
+          <p:cNvSpPr>
+            <a:spLocks noGrp="1" noRot="1" noChangeAspect="1"/>
+          </p:cNvSpPr>
+          <p:nvPr>
+            <p:ph type="sldImg"/>
+          </p:nvPr>
+        </p:nvSpPr>
+        <p:spPr/>
+      </p:sp>
+      <p:sp>
+        <p:nvSpPr>
+          <p:cNvPr id="3" name="Notes Placeholder 2"/>
+          <p:cNvSpPr>
+            <a:spLocks noGrp="1"/>
+          </p:cNvSpPr>
+          <p:nvPr>
+            <p:ph type="body" idx="1"/>
+          </p:nvPr>
+        </p:nvSpPr>
+        <p:spPr/>
+        <p:txBody>
+          <a:bodyPr/>
+          <a:lstStyle/>
+          <a:p>
             <a:pPr marL="0" marR="0" lvl="0" indent="0" algn="l" defTabSz="914400" rtl="0" eaLnBrk="1" fontAlgn="auto" latinLnBrk="0" hangingPunct="1">
               <a:lnSpc>
                 <a:spcPct val="100000"/>
@@ -673,7 +784,7 @@
           <a:p>
             <a:fld id="{31861624-2D8C-5A4F-ABF0-EE44CAD2CDF9}" type="slidenum">
               <a:rPr lang="en-US" smtClean="0"/>
-              <a:t>20</a:t>
+              <a:t>21</a:t>
             </a:fld>
             <a:endParaRPr lang="en-US"/>
           </a:p>
@@ -839,7 +950,7 @@
           <a:p>
             <a:fld id="{5FA2F87E-77D9-BC41-97B1-7088E35EFBEF}" type="datetimeFigureOut">
               <a:rPr lang="en-US" smtClean="0"/>
-              <a:t>3/31/25</a:t>
+              <a:t>4/1/25</a:t>
             </a:fld>
             <a:endParaRPr lang="en-US"/>
           </a:p>
@@ -1037,7 +1148,7 @@
           <a:p>
             <a:fld id="{5FA2F87E-77D9-BC41-97B1-7088E35EFBEF}" type="datetimeFigureOut">
               <a:rPr lang="en-US" smtClean="0"/>
-              <a:t>3/31/25</a:t>
+              <a:t>4/1/25</a:t>
             </a:fld>
             <a:endParaRPr lang="en-US"/>
           </a:p>
@@ -1245,7 +1356,7 @@
           <a:p>
             <a:fld id="{5FA2F87E-77D9-BC41-97B1-7088E35EFBEF}" type="datetimeFigureOut">
               <a:rPr lang="en-US" smtClean="0"/>
-              <a:t>3/31/25</a:t>
+              <a:t>4/1/25</a:t>
             </a:fld>
             <a:endParaRPr lang="en-US"/>
           </a:p>
@@ -1443,7 +1554,7 @@
           <a:p>
             <a:fld id="{5FA2F87E-77D9-BC41-97B1-7088E35EFBEF}" type="datetimeFigureOut">
               <a:rPr lang="en-US" smtClean="0"/>
-              <a:t>3/31/25</a:t>
+              <a:t>4/1/25</a:t>
             </a:fld>
             <a:endParaRPr lang="en-US"/>
           </a:p>
@@ -1718,7 +1829,7 @@
           <a:p>
             <a:fld id="{5FA2F87E-77D9-BC41-97B1-7088E35EFBEF}" type="datetimeFigureOut">
               <a:rPr lang="en-US" smtClean="0"/>
-              <a:t>3/31/25</a:t>
+              <a:t>4/1/25</a:t>
             </a:fld>
             <a:endParaRPr lang="en-US"/>
           </a:p>
@@ -1983,7 +2094,7 @@
           <a:p>
             <a:fld id="{5FA2F87E-77D9-BC41-97B1-7088E35EFBEF}" type="datetimeFigureOut">
               <a:rPr lang="en-US" smtClean="0"/>
-              <a:t>3/31/25</a:t>
+              <a:t>4/1/25</a:t>
             </a:fld>
             <a:endParaRPr lang="en-US"/>
           </a:p>
@@ -2395,7 +2506,7 @@
           <a:p>
             <a:fld id="{5FA2F87E-77D9-BC41-97B1-7088E35EFBEF}" type="datetimeFigureOut">
               <a:rPr lang="en-US" smtClean="0"/>
-              <a:t>3/31/25</a:t>
+              <a:t>4/1/25</a:t>
             </a:fld>
             <a:endParaRPr lang="en-US"/>
           </a:p>
@@ -2536,7 +2647,7 @@
           <a:p>
             <a:fld id="{5FA2F87E-77D9-BC41-97B1-7088E35EFBEF}" type="datetimeFigureOut">
               <a:rPr lang="en-US" smtClean="0"/>
-              <a:t>3/31/25</a:t>
+              <a:t>4/1/25</a:t>
             </a:fld>
             <a:endParaRPr lang="en-US"/>
           </a:p>
@@ -2649,7 +2760,7 @@
           <a:p>
             <a:fld id="{5FA2F87E-77D9-BC41-97B1-7088E35EFBEF}" type="datetimeFigureOut">
               <a:rPr lang="en-US" smtClean="0"/>
-              <a:t>3/31/25</a:t>
+              <a:t>4/1/25</a:t>
             </a:fld>
             <a:endParaRPr lang="en-US"/>
           </a:p>
@@ -2960,7 +3071,7 @@
           <a:p>
             <a:fld id="{5FA2F87E-77D9-BC41-97B1-7088E35EFBEF}" type="datetimeFigureOut">
               <a:rPr lang="en-US" smtClean="0"/>
-              <a:t>3/31/25</a:t>
+              <a:t>4/1/25</a:t>
             </a:fld>
             <a:endParaRPr lang="en-US"/>
           </a:p>
@@ -3248,7 +3359,7 @@
           <a:p>
             <a:fld id="{5FA2F87E-77D9-BC41-97B1-7088E35EFBEF}" type="datetimeFigureOut">
               <a:rPr lang="en-US" smtClean="0"/>
-              <a:t>3/31/25</a:t>
+              <a:t>4/1/25</a:t>
             </a:fld>
             <a:endParaRPr lang="en-US"/>
           </a:p>
@@ -3489,7 +3600,7 @@
           <a:p>
             <a:fld id="{5FA2F87E-77D9-BC41-97B1-7088E35EFBEF}" type="datetimeFigureOut">
               <a:rPr lang="en-US" smtClean="0"/>
-              <a:t>3/31/25</a:t>
+              <a:t>4/1/25</a:t>
             </a:fld>
             <a:endParaRPr lang="en-US"/>
           </a:p>
@@ -4062,7 +4173,7 @@
           <a:p>
             <a:r>
               <a:rPr lang="en-US" sz="3200" dirty="0"/>
-              <a:t>Dictionary</a:t>
+              <a:t>Dictionary (I)</a:t>
             </a:r>
           </a:p>
         </p:txBody>
@@ -4085,13 +4196,13 @@
         </p:nvSpPr>
         <p:spPr>
           <a:xfrm>
-            <a:off x="838200" y="2103487"/>
-            <a:ext cx="10953205" cy="4297313"/>
+            <a:off x="838201" y="2408288"/>
+            <a:ext cx="10953205" cy="2847654"/>
           </a:xfrm>
         </p:spPr>
         <p:txBody>
           <a:bodyPr>
-            <a:normAutofit lnSpcReduction="10000"/>
+            <a:normAutofit/>
           </a:bodyPr>
           <a:lstStyle/>
           <a:p>
@@ -4103,7 +4214,7 @@
                 <a:latin typeface="Courier New" panose="02070309020205020404" pitchFamily="49" charset="0"/>
                 <a:cs typeface="Courier New" panose="02070309020205020404" pitchFamily="49" charset="0"/>
               </a:rPr>
-              <a:t>pwd</a:t>
+              <a:t>pdb</a:t>
             </a:r>
             <a:r>
               <a:rPr lang="en-US" sz="2400" dirty="0">
@@ -4122,7 +4233,7 @@
                 <a:latin typeface="Courier New" panose="02070309020205020404" pitchFamily="49" charset="0"/>
                 <a:cs typeface="Courier New" panose="02070309020205020404" pitchFamily="49" charset="0"/>
               </a:rPr>
-              <a:t>pwd</a:t>
+              <a:t>pdb</a:t>
             </a:r>
             <a:r>
               <a:rPr lang="en-US" sz="2400" dirty="0">
@@ -4143,7 +4254,7 @@
                 <a:latin typeface="Courier New" panose="02070309020205020404" pitchFamily="49" charset="0"/>
                 <a:cs typeface="Courier New" panose="02070309020205020404" pitchFamily="49" charset="0"/>
               </a:rPr>
-              <a:t>'] = 4127</a:t>
+              <a:t>'] = 4127  # add a new pair</a:t>
             </a:r>
           </a:p>
           <a:p>
@@ -4155,7 +4266,7 @@
                 <a:latin typeface="Courier New" panose="02070309020205020404" pitchFamily="49" charset="0"/>
                 <a:cs typeface="Courier New" panose="02070309020205020404" pitchFamily="49" charset="0"/>
               </a:rPr>
-              <a:t>pwd</a:t>
+              <a:t>pdb</a:t>
             </a:r>
             <a:r>
               <a:rPr lang="en-US" sz="2400" dirty="0">
@@ -4181,7 +4292,7 @@
                 <a:latin typeface="Courier New" panose="02070309020205020404" pitchFamily="49" charset="0"/>
                 <a:cs typeface="Courier New" panose="02070309020205020404" pitchFamily="49" charset="0"/>
               </a:rPr>
-              <a:t>pwd</a:t>
+              <a:t>pdb</a:t>
             </a:r>
             <a:r>
               <a:rPr lang="en-US" sz="2400" dirty="0">
@@ -4232,7 +4343,7 @@
                 <a:latin typeface="Courier New" panose="02070309020205020404" pitchFamily="49" charset="0"/>
                 <a:cs typeface="Courier New" panose="02070309020205020404" pitchFamily="49" charset="0"/>
               </a:rPr>
-              <a:t>pwd</a:t>
+              <a:t>pdb</a:t>
             </a:r>
             <a:r>
               <a:rPr lang="en-US" sz="2400" dirty="0">
@@ -4265,223 +4376,42 @@
                 <a:latin typeface="Courier New" panose="02070309020205020404" pitchFamily="49" charset="0"/>
                 <a:cs typeface="Courier New" panose="02070309020205020404" pitchFamily="49" charset="0"/>
               </a:rPr>
-              <a:t>pwd</a:t>
+              <a:t>pdb</a:t>
             </a:r>
             <a:r>
               <a:rPr lang="en-US" sz="2400" dirty="0">
                 <a:latin typeface="Courier New" panose="02070309020205020404" pitchFamily="49" charset="0"/>
                 <a:cs typeface="Courier New" panose="02070309020205020404" pitchFamily="49" charset="0"/>
               </a:rPr>
-              <a:t>               # </a:t>
-            </a:r>
-            <a:r>
-              <a:rPr lang="en-US" sz="2000" dirty="0">
-                <a:latin typeface="Courier New" panose="02070309020205020404" pitchFamily="49" charset="0"/>
-                <a:cs typeface="Courier New" panose="02070309020205020404" pitchFamily="49" charset="0"/>
-              </a:rPr>
-              <a:t>{'jack': 4098, '</a:t>
-            </a:r>
-            <a:r>
-              <a:rPr lang="en-US" sz="2000" dirty="0" err="1">
+              <a:t>  # {'jack': 4098, '</a:t>
+            </a:r>
+            <a:r>
+              <a:rPr lang="en-US" sz="2400" dirty="0" err="1">
                 <a:latin typeface="Courier New" panose="02070309020205020404" pitchFamily="49" charset="0"/>
                 <a:cs typeface="Courier New" panose="02070309020205020404" pitchFamily="49" charset="0"/>
               </a:rPr>
               <a:t>guido</a:t>
             </a:r>
             <a:r>
-              <a:rPr lang="en-US" sz="2000" dirty="0">
+              <a:rPr lang="en-US" sz="2400" dirty="0">
                 <a:latin typeface="Courier New" panose="02070309020205020404" pitchFamily="49" charset="0"/>
                 <a:cs typeface="Courier New" panose="02070309020205020404" pitchFamily="49" charset="0"/>
               </a:rPr>
               <a:t>': 4127, '</a:t>
             </a:r>
             <a:r>
-              <a:rPr lang="en-US" sz="2000" dirty="0" err="1">
+              <a:rPr lang="en-US" sz="2400" dirty="0" err="1">
                 <a:latin typeface="Courier New" panose="02070309020205020404" pitchFamily="49" charset="0"/>
                 <a:cs typeface="Courier New" panose="02070309020205020404" pitchFamily="49" charset="0"/>
               </a:rPr>
               <a:t>irv</a:t>
             </a:r>
             <a:r>
-              <a:rPr lang="en-US" sz="2000" dirty="0">
+              <a:rPr lang="en-US" sz="2400" dirty="0">
                 <a:latin typeface="Courier New" panose="02070309020205020404" pitchFamily="49" charset="0"/>
                 <a:cs typeface="Courier New" panose="02070309020205020404" pitchFamily="49" charset="0"/>
               </a:rPr>
               <a:t>': 4127}</a:t>
-            </a:r>
-          </a:p>
-          <a:p>
-            <a:pPr marL="0" indent="0">
-              <a:buNone/>
-            </a:pPr>
-            <a:r>
-              <a:rPr lang="en-US" sz="2400" dirty="0">
-                <a:latin typeface="Courier New" panose="02070309020205020404" pitchFamily="49" charset="0"/>
-                <a:cs typeface="Courier New" panose="02070309020205020404" pitchFamily="49" charset="0"/>
-              </a:rPr>
-              <a:t>list(</a:t>
-            </a:r>
-            <a:r>
-              <a:rPr lang="en-US" sz="2400" dirty="0" err="1">
-                <a:latin typeface="Courier New" panose="02070309020205020404" pitchFamily="49" charset="0"/>
-                <a:cs typeface="Courier New" panose="02070309020205020404" pitchFamily="49" charset="0"/>
-              </a:rPr>
-              <a:t>pwd</a:t>
-            </a:r>
-            <a:r>
-              <a:rPr lang="en-US" sz="2400" dirty="0">
-                <a:latin typeface="Courier New" panose="02070309020205020404" pitchFamily="49" charset="0"/>
-                <a:cs typeface="Courier New" panose="02070309020205020404" pitchFamily="49" charset="0"/>
-              </a:rPr>
-              <a:t>)         # ['jack', '</a:t>
-            </a:r>
-            <a:r>
-              <a:rPr lang="en-US" sz="2400" dirty="0" err="1">
-                <a:latin typeface="Courier New" panose="02070309020205020404" pitchFamily="49" charset="0"/>
-                <a:cs typeface="Courier New" panose="02070309020205020404" pitchFamily="49" charset="0"/>
-              </a:rPr>
-              <a:t>guido</a:t>
-            </a:r>
-            <a:r>
-              <a:rPr lang="en-US" sz="2400" dirty="0">
-                <a:latin typeface="Courier New" panose="02070309020205020404" pitchFamily="49" charset="0"/>
-                <a:cs typeface="Courier New" panose="02070309020205020404" pitchFamily="49" charset="0"/>
-              </a:rPr>
-              <a:t>', '</a:t>
-            </a:r>
-            <a:r>
-              <a:rPr lang="en-US" sz="2400" dirty="0" err="1">
-                <a:latin typeface="Courier New" panose="02070309020205020404" pitchFamily="49" charset="0"/>
-                <a:cs typeface="Courier New" panose="02070309020205020404" pitchFamily="49" charset="0"/>
-              </a:rPr>
-              <a:t>irv</a:t>
-            </a:r>
-            <a:r>
-              <a:rPr lang="en-US" sz="2400" dirty="0">
-                <a:latin typeface="Courier New" panose="02070309020205020404" pitchFamily="49" charset="0"/>
-                <a:cs typeface="Courier New" panose="02070309020205020404" pitchFamily="49" charset="0"/>
-              </a:rPr>
-              <a:t>']</a:t>
-            </a:r>
-          </a:p>
-          <a:p>
-            <a:pPr marL="0" indent="0">
-              <a:buNone/>
-            </a:pPr>
-            <a:r>
-              <a:rPr lang="en-US" sz="2400" dirty="0">
-                <a:latin typeface="Courier New" panose="02070309020205020404" pitchFamily="49" charset="0"/>
-                <a:cs typeface="Courier New" panose="02070309020205020404" pitchFamily="49" charset="0"/>
-              </a:rPr>
-              <a:t>sorted(</a:t>
-            </a:r>
-            <a:r>
-              <a:rPr lang="en-US" sz="2400" dirty="0" err="1">
-                <a:latin typeface="Courier New" panose="02070309020205020404" pitchFamily="49" charset="0"/>
-                <a:cs typeface="Courier New" panose="02070309020205020404" pitchFamily="49" charset="0"/>
-              </a:rPr>
-              <a:t>pwd</a:t>
-            </a:r>
-            <a:r>
-              <a:rPr lang="en-US" sz="2400" dirty="0">
-                <a:latin typeface="Courier New" panose="02070309020205020404" pitchFamily="49" charset="0"/>
-                <a:cs typeface="Courier New" panose="02070309020205020404" pitchFamily="49" charset="0"/>
-              </a:rPr>
-              <a:t>)       # ['</a:t>
-            </a:r>
-            <a:r>
-              <a:rPr lang="en-US" sz="2400" dirty="0" err="1">
-                <a:latin typeface="Courier New" panose="02070309020205020404" pitchFamily="49" charset="0"/>
-                <a:cs typeface="Courier New" panose="02070309020205020404" pitchFamily="49" charset="0"/>
-              </a:rPr>
-              <a:t>guido</a:t>
-            </a:r>
-            <a:r>
-              <a:rPr lang="en-US" sz="2400" dirty="0">
-                <a:latin typeface="Courier New" panose="02070309020205020404" pitchFamily="49" charset="0"/>
-                <a:cs typeface="Courier New" panose="02070309020205020404" pitchFamily="49" charset="0"/>
-              </a:rPr>
-              <a:t>', '</a:t>
-            </a:r>
-            <a:r>
-              <a:rPr lang="en-US" sz="2400" dirty="0" err="1">
-                <a:latin typeface="Courier New" panose="02070309020205020404" pitchFamily="49" charset="0"/>
-                <a:cs typeface="Courier New" panose="02070309020205020404" pitchFamily="49" charset="0"/>
-              </a:rPr>
-              <a:t>irv</a:t>
-            </a:r>
-            <a:r>
-              <a:rPr lang="en-US" sz="2400" dirty="0">
-                <a:latin typeface="Courier New" panose="02070309020205020404" pitchFamily="49" charset="0"/>
-                <a:cs typeface="Courier New" panose="02070309020205020404" pitchFamily="49" charset="0"/>
-              </a:rPr>
-              <a:t>', 'jack']</a:t>
-            </a:r>
-          </a:p>
-          <a:p>
-            <a:pPr marL="0" indent="0">
-              <a:buNone/>
-            </a:pPr>
-            <a:r>
-              <a:rPr lang="en-US" sz="2400" dirty="0">
-                <a:latin typeface="Courier New" panose="02070309020205020404" pitchFamily="49" charset="0"/>
-                <a:cs typeface="Courier New" panose="02070309020205020404" pitchFamily="49" charset="0"/>
-              </a:rPr>
-              <a:t>'</a:t>
-            </a:r>
-            <a:r>
-              <a:rPr lang="en-US" sz="2400" dirty="0" err="1">
-                <a:latin typeface="Courier New" panose="02070309020205020404" pitchFamily="49" charset="0"/>
-                <a:cs typeface="Courier New" panose="02070309020205020404" pitchFamily="49" charset="0"/>
-              </a:rPr>
-              <a:t>guido</a:t>
-            </a:r>
-            <a:r>
-              <a:rPr lang="en-US" sz="2400" dirty="0">
-                <a:latin typeface="Courier New" panose="02070309020205020404" pitchFamily="49" charset="0"/>
-                <a:cs typeface="Courier New" panose="02070309020205020404" pitchFamily="49" charset="0"/>
-              </a:rPr>
-              <a:t>' in </a:t>
-            </a:r>
-            <a:r>
-              <a:rPr lang="en-US" sz="2400" dirty="0" err="1">
-                <a:latin typeface="Courier New" panose="02070309020205020404" pitchFamily="49" charset="0"/>
-                <a:cs typeface="Courier New" panose="02070309020205020404" pitchFamily="49" charset="0"/>
-              </a:rPr>
-              <a:t>pwd</a:t>
-            </a:r>
-            <a:r>
-              <a:rPr lang="en-US" sz="2400" dirty="0">
-                <a:latin typeface="Courier New" panose="02070309020205020404" pitchFamily="49" charset="0"/>
-                <a:cs typeface="Courier New" panose="02070309020205020404" pitchFamily="49" charset="0"/>
-              </a:rPr>
-              <a:t>    # True</a:t>
-            </a:r>
-          </a:p>
-          <a:p>
-            <a:pPr marL="0" indent="0">
-              <a:buNone/>
-            </a:pPr>
-            <a:r>
-              <a:rPr lang="en-US" sz="2400" dirty="0">
-                <a:latin typeface="Courier New" panose="02070309020205020404" pitchFamily="49" charset="0"/>
-                <a:cs typeface="Courier New" panose="02070309020205020404" pitchFamily="49" charset="0"/>
-              </a:rPr>
-              <a:t>'jack' not in </a:t>
-            </a:r>
-            <a:r>
-              <a:rPr lang="en-US" sz="2400" dirty="0" err="1">
-                <a:latin typeface="Courier New" panose="02070309020205020404" pitchFamily="49" charset="0"/>
-                <a:cs typeface="Courier New" panose="02070309020205020404" pitchFamily="49" charset="0"/>
-              </a:rPr>
-              <a:t>pwd</a:t>
-            </a:r>
-            <a:r>
-              <a:rPr lang="en-US" sz="2400" dirty="0">
-                <a:latin typeface="Courier New" panose="02070309020205020404" pitchFamily="49" charset="0"/>
-                <a:cs typeface="Courier New" panose="02070309020205020404" pitchFamily="49" charset="0"/>
-              </a:rPr>
-              <a:t> # False</a:t>
             </a:r>
           </a:p>
         </p:txBody>
@@ -4500,7 +4430,7 @@
         </p:nvSpPr>
         <p:spPr>
           <a:xfrm>
-            <a:off x="838200" y="1002536"/>
+            <a:off x="838200" y="1091746"/>
             <a:ext cx="10953206" cy="830997"/>
           </a:xfrm>
           <a:prstGeom prst="rect">
@@ -4571,6 +4501,345 @@
 </file>
 
 <file path=ppt/slides/slide11.xml><?xml version="1.0" encoding="utf-8"?>
+<p:sld xmlns:a="http://schemas.openxmlformats.org/drawingml/2006/main" xmlns:r="http://schemas.openxmlformats.org/officeDocument/2006/relationships" xmlns:p="http://schemas.openxmlformats.org/presentationml/2006/main">
+  <p:cSld>
+    <p:spTree>
+      <p:nvGrpSpPr>
+        <p:cNvPr id="1" name="">
+          <a:extLst>
+            <a:ext uri="{FF2B5EF4-FFF2-40B4-BE49-F238E27FC236}">
+              <a16:creationId xmlns:a16="http://schemas.microsoft.com/office/drawing/2014/main" id="{C025D49E-7C59-659E-FA45-2AA3621C9963}"/>
+            </a:ext>
+          </a:extLst>
+        </p:cNvPr>
+        <p:cNvGrpSpPr/>
+        <p:nvPr/>
+      </p:nvGrpSpPr>
+      <p:grpSpPr>
+        <a:xfrm>
+          <a:off x="0" y="0"/>
+          <a:ext cx="0" cy="0"/>
+          <a:chOff x="0" y="0"/>
+          <a:chExt cx="0" cy="0"/>
+        </a:xfrm>
+      </p:grpSpPr>
+      <p:sp>
+        <p:nvSpPr>
+          <p:cNvPr id="2" name="Title 1">
+            <a:extLst>
+              <a:ext uri="{FF2B5EF4-FFF2-40B4-BE49-F238E27FC236}">
+                <a16:creationId xmlns:a16="http://schemas.microsoft.com/office/drawing/2014/main" id="{99358A48-CE53-DAF2-2C24-78A4E53D62F1}"/>
+              </a:ext>
+            </a:extLst>
+          </p:cNvPr>
+          <p:cNvSpPr>
+            <a:spLocks noGrp="1"/>
+          </p:cNvSpPr>
+          <p:nvPr>
+            <p:ph type="title"/>
+          </p:nvPr>
+        </p:nvSpPr>
+        <p:spPr>
+          <a:xfrm>
+            <a:off x="838200" y="365126"/>
+            <a:ext cx="10515600" cy="637410"/>
+          </a:xfrm>
+        </p:spPr>
+        <p:txBody>
+          <a:bodyPr>
+            <a:normAutofit/>
+          </a:bodyPr>
+          <a:lstStyle/>
+          <a:p>
+            <a:r>
+              <a:rPr lang="en-US" sz="3200" dirty="0"/>
+              <a:t>Dictionary (II)</a:t>
+            </a:r>
+          </a:p>
+        </p:txBody>
+      </p:sp>
+      <p:sp>
+        <p:nvSpPr>
+          <p:cNvPr id="3" name="Content Placeholder 2">
+            <a:extLst>
+              <a:ext uri="{FF2B5EF4-FFF2-40B4-BE49-F238E27FC236}">
+                <a16:creationId xmlns:a16="http://schemas.microsoft.com/office/drawing/2014/main" id="{C82A2728-4C44-1DE0-CA9D-CC9620FC400F}"/>
+              </a:ext>
+            </a:extLst>
+          </p:cNvPr>
+          <p:cNvSpPr>
+            <a:spLocks noGrp="1"/>
+          </p:cNvSpPr>
+          <p:nvPr>
+            <p:ph idx="1"/>
+          </p:nvPr>
+        </p:nvSpPr>
+        <p:spPr>
+          <a:xfrm>
+            <a:off x="838200" y="1657438"/>
+            <a:ext cx="9956179" cy="3434951"/>
+          </a:xfrm>
+        </p:spPr>
+        <p:txBody>
+          <a:bodyPr>
+            <a:normAutofit/>
+          </a:bodyPr>
+          <a:lstStyle/>
+          <a:p>
+            <a:pPr marL="0" indent="0">
+              <a:buNone/>
+            </a:pPr>
+            <a:r>
+              <a:rPr lang="en-US" sz="2400" dirty="0" err="1">
+                <a:latin typeface="Courier New" panose="02070309020205020404" pitchFamily="49" charset="0"/>
+                <a:cs typeface="Courier New" panose="02070309020205020404" pitchFamily="49" charset="0"/>
+              </a:rPr>
+              <a:t>pdb</a:t>
+            </a:r>
+            <a:r>
+              <a:rPr lang="en-US" sz="2400" dirty="0">
+                <a:latin typeface="Courier New" panose="02070309020205020404" pitchFamily="49" charset="0"/>
+                <a:cs typeface="Courier New" panose="02070309020205020404" pitchFamily="49" charset="0"/>
+              </a:rPr>
+              <a:t>  # {'jack': 4098, '</a:t>
+            </a:r>
+            <a:r>
+              <a:rPr lang="en-US" sz="2400" dirty="0" err="1">
+                <a:latin typeface="Courier New" panose="02070309020205020404" pitchFamily="49" charset="0"/>
+                <a:cs typeface="Courier New" panose="02070309020205020404" pitchFamily="49" charset="0"/>
+              </a:rPr>
+              <a:t>guido</a:t>
+            </a:r>
+            <a:r>
+              <a:rPr lang="en-US" sz="2400" dirty="0">
+                <a:latin typeface="Courier New" panose="02070309020205020404" pitchFamily="49" charset="0"/>
+                <a:cs typeface="Courier New" panose="02070309020205020404" pitchFamily="49" charset="0"/>
+              </a:rPr>
+              <a:t>': 4127, '</a:t>
+            </a:r>
+            <a:r>
+              <a:rPr lang="en-US" sz="2400" dirty="0" err="1">
+                <a:latin typeface="Courier New" panose="02070309020205020404" pitchFamily="49" charset="0"/>
+                <a:cs typeface="Courier New" panose="02070309020205020404" pitchFamily="49" charset="0"/>
+              </a:rPr>
+              <a:t>irv</a:t>
+            </a:r>
+            <a:r>
+              <a:rPr lang="en-US" sz="2400" dirty="0">
+                <a:latin typeface="Courier New" panose="02070309020205020404" pitchFamily="49" charset="0"/>
+                <a:cs typeface="Courier New" panose="02070309020205020404" pitchFamily="49" charset="0"/>
+              </a:rPr>
+              <a:t>': 4127}</a:t>
+            </a:r>
+          </a:p>
+          <a:p>
+            <a:pPr marL="0" indent="0">
+              <a:buNone/>
+            </a:pPr>
+            <a:endParaRPr lang="en-US" sz="2400" dirty="0">
+              <a:latin typeface="Courier New" panose="02070309020205020404" pitchFamily="49" charset="0"/>
+              <a:cs typeface="Courier New" panose="02070309020205020404" pitchFamily="49" charset="0"/>
+            </a:endParaRPr>
+          </a:p>
+          <a:p>
+            <a:pPr marL="0" indent="0">
+              <a:buNone/>
+            </a:pPr>
+            <a:r>
+              <a:rPr lang="en-US" sz="2400" dirty="0">
+                <a:latin typeface="Courier New" panose="02070309020205020404" pitchFamily="49" charset="0"/>
+                <a:cs typeface="Courier New" panose="02070309020205020404" pitchFamily="49" charset="0"/>
+              </a:rPr>
+              <a:t>list(</a:t>
+            </a:r>
+            <a:r>
+              <a:rPr lang="en-US" sz="2400" dirty="0" err="1">
+                <a:latin typeface="Courier New" panose="02070309020205020404" pitchFamily="49" charset="0"/>
+                <a:cs typeface="Courier New" panose="02070309020205020404" pitchFamily="49" charset="0"/>
+              </a:rPr>
+              <a:t>pdb</a:t>
+            </a:r>
+            <a:r>
+              <a:rPr lang="en-US" sz="2400" dirty="0">
+                <a:latin typeface="Courier New" panose="02070309020205020404" pitchFamily="49" charset="0"/>
+                <a:cs typeface="Courier New" panose="02070309020205020404" pitchFamily="49" charset="0"/>
+              </a:rPr>
+              <a:t>)         # ['jack', '</a:t>
+            </a:r>
+            <a:r>
+              <a:rPr lang="en-US" sz="2400" dirty="0" err="1">
+                <a:latin typeface="Courier New" panose="02070309020205020404" pitchFamily="49" charset="0"/>
+                <a:cs typeface="Courier New" panose="02070309020205020404" pitchFamily="49" charset="0"/>
+              </a:rPr>
+              <a:t>guido</a:t>
+            </a:r>
+            <a:r>
+              <a:rPr lang="en-US" sz="2400" dirty="0">
+                <a:latin typeface="Courier New" panose="02070309020205020404" pitchFamily="49" charset="0"/>
+                <a:cs typeface="Courier New" panose="02070309020205020404" pitchFamily="49" charset="0"/>
+              </a:rPr>
+              <a:t>', '</a:t>
+            </a:r>
+            <a:r>
+              <a:rPr lang="en-US" sz="2400" dirty="0" err="1">
+                <a:latin typeface="Courier New" panose="02070309020205020404" pitchFamily="49" charset="0"/>
+                <a:cs typeface="Courier New" panose="02070309020205020404" pitchFamily="49" charset="0"/>
+              </a:rPr>
+              <a:t>irv</a:t>
+            </a:r>
+            <a:r>
+              <a:rPr lang="en-US" sz="2400" dirty="0">
+                <a:latin typeface="Courier New" panose="02070309020205020404" pitchFamily="49" charset="0"/>
+                <a:cs typeface="Courier New" panose="02070309020205020404" pitchFamily="49" charset="0"/>
+              </a:rPr>
+              <a:t>']</a:t>
+            </a:r>
+          </a:p>
+          <a:p>
+            <a:pPr marL="0" indent="0">
+              <a:buNone/>
+            </a:pPr>
+            <a:r>
+              <a:rPr lang="en-US" sz="2400" dirty="0">
+                <a:latin typeface="Courier New" panose="02070309020205020404" pitchFamily="49" charset="0"/>
+                <a:cs typeface="Courier New" panose="02070309020205020404" pitchFamily="49" charset="0"/>
+              </a:rPr>
+              <a:t>sorted(</a:t>
+            </a:r>
+            <a:r>
+              <a:rPr lang="en-US" sz="2400" dirty="0" err="1">
+                <a:latin typeface="Courier New" panose="02070309020205020404" pitchFamily="49" charset="0"/>
+                <a:cs typeface="Courier New" panose="02070309020205020404" pitchFamily="49" charset="0"/>
+              </a:rPr>
+              <a:t>pdb</a:t>
+            </a:r>
+            <a:r>
+              <a:rPr lang="en-US" sz="2400" dirty="0">
+                <a:latin typeface="Courier New" panose="02070309020205020404" pitchFamily="49" charset="0"/>
+                <a:cs typeface="Courier New" panose="02070309020205020404" pitchFamily="49" charset="0"/>
+              </a:rPr>
+              <a:t>)       # ['</a:t>
+            </a:r>
+            <a:r>
+              <a:rPr lang="en-US" sz="2400" dirty="0" err="1">
+                <a:latin typeface="Courier New" panose="02070309020205020404" pitchFamily="49" charset="0"/>
+                <a:cs typeface="Courier New" panose="02070309020205020404" pitchFamily="49" charset="0"/>
+              </a:rPr>
+              <a:t>guido</a:t>
+            </a:r>
+            <a:r>
+              <a:rPr lang="en-US" sz="2400" dirty="0">
+                <a:latin typeface="Courier New" panose="02070309020205020404" pitchFamily="49" charset="0"/>
+                <a:cs typeface="Courier New" panose="02070309020205020404" pitchFamily="49" charset="0"/>
+              </a:rPr>
+              <a:t>', '</a:t>
+            </a:r>
+            <a:r>
+              <a:rPr lang="en-US" sz="2400" dirty="0" err="1">
+                <a:latin typeface="Courier New" panose="02070309020205020404" pitchFamily="49" charset="0"/>
+                <a:cs typeface="Courier New" panose="02070309020205020404" pitchFamily="49" charset="0"/>
+              </a:rPr>
+              <a:t>irv</a:t>
+            </a:r>
+            <a:r>
+              <a:rPr lang="en-US" sz="2400" dirty="0">
+                <a:latin typeface="Courier New" panose="02070309020205020404" pitchFamily="49" charset="0"/>
+                <a:cs typeface="Courier New" panose="02070309020205020404" pitchFamily="49" charset="0"/>
+              </a:rPr>
+              <a:t>', 'jack']</a:t>
+            </a:r>
+          </a:p>
+          <a:p>
+            <a:pPr marL="0" indent="0">
+              <a:buNone/>
+            </a:pPr>
+            <a:endParaRPr lang="en-US" sz="2400" dirty="0">
+              <a:latin typeface="Courier New" panose="02070309020205020404" pitchFamily="49" charset="0"/>
+              <a:cs typeface="Courier New" panose="02070309020205020404" pitchFamily="49" charset="0"/>
+            </a:endParaRPr>
+          </a:p>
+          <a:p>
+            <a:pPr marL="0" indent="0">
+              <a:buNone/>
+            </a:pPr>
+            <a:r>
+              <a:rPr lang="en-US" sz="2400" dirty="0">
+                <a:latin typeface="Courier New" panose="02070309020205020404" pitchFamily="49" charset="0"/>
+                <a:cs typeface="Courier New" panose="02070309020205020404" pitchFamily="49" charset="0"/>
+              </a:rPr>
+              <a:t>'</a:t>
+            </a:r>
+            <a:r>
+              <a:rPr lang="en-US" sz="2400" dirty="0" err="1">
+                <a:latin typeface="Courier New" panose="02070309020205020404" pitchFamily="49" charset="0"/>
+                <a:cs typeface="Courier New" panose="02070309020205020404" pitchFamily="49" charset="0"/>
+              </a:rPr>
+              <a:t>guido</a:t>
+            </a:r>
+            <a:r>
+              <a:rPr lang="en-US" sz="2400" dirty="0">
+                <a:latin typeface="Courier New" panose="02070309020205020404" pitchFamily="49" charset="0"/>
+                <a:cs typeface="Courier New" panose="02070309020205020404" pitchFamily="49" charset="0"/>
+              </a:rPr>
+              <a:t>' in </a:t>
+            </a:r>
+            <a:r>
+              <a:rPr lang="en-US" sz="2400" dirty="0" err="1">
+                <a:latin typeface="Courier New" panose="02070309020205020404" pitchFamily="49" charset="0"/>
+                <a:cs typeface="Courier New" panose="02070309020205020404" pitchFamily="49" charset="0"/>
+              </a:rPr>
+              <a:t>pdb</a:t>
+            </a:r>
+            <a:r>
+              <a:rPr lang="en-US" sz="2400" dirty="0">
+                <a:latin typeface="Courier New" panose="02070309020205020404" pitchFamily="49" charset="0"/>
+                <a:cs typeface="Courier New" panose="02070309020205020404" pitchFamily="49" charset="0"/>
+              </a:rPr>
+              <a:t>    # True</a:t>
+            </a:r>
+          </a:p>
+          <a:p>
+            <a:pPr marL="0" indent="0">
+              <a:buNone/>
+            </a:pPr>
+            <a:r>
+              <a:rPr lang="en-US" sz="2400" dirty="0">
+                <a:latin typeface="Courier New" panose="02070309020205020404" pitchFamily="49" charset="0"/>
+                <a:cs typeface="Courier New" panose="02070309020205020404" pitchFamily="49" charset="0"/>
+              </a:rPr>
+              <a:t>'jack' not in </a:t>
+            </a:r>
+            <a:r>
+              <a:rPr lang="en-US" sz="2400" dirty="0" err="1">
+                <a:latin typeface="Courier New" panose="02070309020205020404" pitchFamily="49" charset="0"/>
+                <a:cs typeface="Courier New" panose="02070309020205020404" pitchFamily="49" charset="0"/>
+              </a:rPr>
+              <a:t>pdb</a:t>
+            </a:r>
+            <a:r>
+              <a:rPr lang="en-US" sz="2400" dirty="0">
+                <a:latin typeface="Courier New" panose="02070309020205020404" pitchFamily="49" charset="0"/>
+                <a:cs typeface="Courier New" panose="02070309020205020404" pitchFamily="49" charset="0"/>
+              </a:rPr>
+              <a:t> # False</a:t>
+            </a:r>
+          </a:p>
+        </p:txBody>
+      </p:sp>
+    </p:spTree>
+    <p:extLst>
+      <p:ext uri="{BB962C8B-B14F-4D97-AF65-F5344CB8AC3E}">
+        <p14:creationId xmlns:p14="http://schemas.microsoft.com/office/powerpoint/2010/main" val="1210206841"/>
+      </p:ext>
+    </p:extLst>
+  </p:cSld>
+  <p:clrMapOvr>
+    <a:masterClrMapping/>
+  </p:clrMapOvr>
+</p:sld>
+</file>
+
+<file path=ppt/slides/slide12.xml><?xml version="1.0" encoding="utf-8"?>
 <p:sld xmlns:a="http://schemas.openxmlformats.org/drawingml/2006/main" xmlns:r="http://schemas.openxmlformats.org/officeDocument/2006/relationships" xmlns:p="http://schemas.openxmlformats.org/presentationml/2006/main">
   <p:cSld>
     <p:spTree>
@@ -4752,8 +5021,8 @@
         </p:nvSpPr>
         <p:spPr>
           <a:xfrm>
-            <a:off x="990600" y="1463406"/>
-            <a:ext cx="9751423" cy="3870593"/>
+            <a:off x="990599" y="1454745"/>
+            <a:ext cx="9751423" cy="2039306"/>
           </a:xfrm>
           <a:prstGeom prst="rect">
             <a:avLst/>
@@ -5020,90 +5289,93 @@
               <a:buFont typeface="Arial" panose="020B0604020202020204" pitchFamily="34" charset="0"/>
               <a:buNone/>
             </a:pPr>
-            <a:r>
-              <a:rPr lang="en-US" b="1" dirty="0">
-                <a:solidFill>
-                  <a:srgbClr val="008000"/>
-                </a:solidFill>
-                <a:latin typeface="Courier New" panose="02070309020205020404" pitchFamily="49" charset="0"/>
-                <a:cs typeface="Courier New" panose="02070309020205020404" pitchFamily="49" charset="0"/>
-              </a:rPr>
-              <a:t>for</a:t>
-            </a:r>
-            <a:r>
-              <a:rPr lang="en-US" dirty="0">
-                <a:latin typeface="Courier New" panose="02070309020205020404" pitchFamily="49" charset="0"/>
-                <a:cs typeface="Courier New" panose="02070309020205020404" pitchFamily="49" charset="0"/>
-              </a:rPr>
-              <a:t> w </a:t>
-            </a:r>
-            <a:r>
-              <a:rPr lang="en-US" b="1" dirty="0">
-                <a:solidFill>
-                  <a:srgbClr val="AA22FF"/>
-                </a:solidFill>
-                <a:latin typeface="Courier New" panose="02070309020205020404" pitchFamily="49" charset="0"/>
-                <a:cs typeface="Courier New" panose="02070309020205020404" pitchFamily="49" charset="0"/>
-              </a:rPr>
-              <a:t>in</a:t>
-            </a:r>
-            <a:r>
-              <a:rPr lang="en-US" dirty="0">
-                <a:latin typeface="Courier New" panose="02070309020205020404" pitchFamily="49" charset="0"/>
-                <a:cs typeface="Courier New" panose="02070309020205020404" pitchFamily="49" charset="0"/>
-              </a:rPr>
-              <a:t> words:</a:t>
-            </a:r>
-          </a:p>
-          <a:p>
-            <a:pPr marL="0" indent="0">
-              <a:buFont typeface="Arial" panose="020B0604020202020204" pitchFamily="34" charset="0"/>
-              <a:buNone/>
-            </a:pPr>
-            <a:r>
-              <a:rPr lang="en-US" dirty="0">
-                <a:solidFill>
-                  <a:srgbClr val="008000"/>
-                </a:solidFill>
-                <a:latin typeface="Courier New" panose="02070309020205020404" pitchFamily="49" charset="0"/>
-                <a:cs typeface="Courier New" panose="02070309020205020404" pitchFamily="49" charset="0"/>
-              </a:rPr>
-              <a:t>    print</a:t>
-            </a:r>
-            <a:r>
-              <a:rPr lang="en-US" dirty="0">
-                <a:latin typeface="Courier New" panose="02070309020205020404" pitchFamily="49" charset="0"/>
-                <a:cs typeface="Courier New" panose="02070309020205020404" pitchFamily="49" charset="0"/>
-              </a:rPr>
-              <a:t>(w, </a:t>
-            </a:r>
-            <a:r>
-              <a:rPr lang="en-US" dirty="0" err="1">
-                <a:solidFill>
-                  <a:srgbClr val="008000"/>
-                </a:solidFill>
-                <a:latin typeface="Courier New" panose="02070309020205020404" pitchFamily="49" charset="0"/>
-                <a:cs typeface="Courier New" panose="02070309020205020404" pitchFamily="49" charset="0"/>
-              </a:rPr>
-              <a:t>len</a:t>
-            </a:r>
-            <a:r>
-              <a:rPr lang="en-US" dirty="0">
-                <a:latin typeface="Courier New" panose="02070309020205020404" pitchFamily="49" charset="0"/>
-                <a:cs typeface="Courier New" panose="02070309020205020404" pitchFamily="49" charset="0"/>
-              </a:rPr>
-              <a:t>(w))</a:t>
-            </a:r>
-          </a:p>
-          <a:p>
-            <a:pPr marL="0" indent="0">
-              <a:buFont typeface="Arial" panose="020B0604020202020204" pitchFamily="34" charset="0"/>
-              <a:buNone/>
-            </a:pPr>
-            <a:endParaRPr lang="en-US" dirty="0">
+            <a:endParaRPr lang="en-US" b="1" dirty="0">
+              <a:solidFill>
+                <a:srgbClr val="008000"/>
+              </a:solidFill>
               <a:latin typeface="Courier New" panose="02070309020205020404" pitchFamily="49" charset="0"/>
               <a:cs typeface="Courier New" panose="02070309020205020404" pitchFamily="49" charset="0"/>
             </a:endParaRPr>
+          </a:p>
+          <a:p>
+            <a:pPr marL="0" indent="0">
+              <a:buFont typeface="Arial" panose="020B0604020202020204" pitchFamily="34" charset="0"/>
+              <a:buNone/>
+            </a:pPr>
+            <a:r>
+              <a:rPr lang="en-US" b="1" dirty="0">
+                <a:solidFill>
+                  <a:srgbClr val="008000"/>
+                </a:solidFill>
+                <a:latin typeface="Courier New" panose="02070309020205020404" pitchFamily="49" charset="0"/>
+                <a:cs typeface="Courier New" panose="02070309020205020404" pitchFamily="49" charset="0"/>
+              </a:rPr>
+              <a:t>for</a:t>
+            </a:r>
+            <a:r>
+              <a:rPr lang="en-US" dirty="0">
+                <a:latin typeface="Courier New" panose="02070309020205020404" pitchFamily="49" charset="0"/>
+                <a:cs typeface="Courier New" panose="02070309020205020404" pitchFamily="49" charset="0"/>
+              </a:rPr>
+              <a:t> w </a:t>
+            </a:r>
+            <a:r>
+              <a:rPr lang="en-US" b="1" dirty="0">
+                <a:solidFill>
+                  <a:srgbClr val="AA22FF"/>
+                </a:solidFill>
+                <a:latin typeface="Courier New" panose="02070309020205020404" pitchFamily="49" charset="0"/>
+                <a:cs typeface="Courier New" panose="02070309020205020404" pitchFamily="49" charset="0"/>
+              </a:rPr>
+              <a:t>in</a:t>
+            </a:r>
+            <a:r>
+              <a:rPr lang="en-US" dirty="0">
+                <a:latin typeface="Courier New" panose="02070309020205020404" pitchFamily="49" charset="0"/>
+                <a:cs typeface="Courier New" panose="02070309020205020404" pitchFamily="49" charset="0"/>
+              </a:rPr>
+              <a:t> words:</a:t>
+            </a:r>
+          </a:p>
+          <a:p>
+            <a:pPr marL="0" indent="0">
+              <a:buFont typeface="Arial" panose="020B0604020202020204" pitchFamily="34" charset="0"/>
+              <a:buNone/>
+            </a:pPr>
+            <a:r>
+              <a:rPr lang="en-US" dirty="0">
+                <a:solidFill>
+                  <a:srgbClr val="008000"/>
+                </a:solidFill>
+                <a:latin typeface="Courier New" panose="02070309020205020404" pitchFamily="49" charset="0"/>
+                <a:cs typeface="Courier New" panose="02070309020205020404" pitchFamily="49" charset="0"/>
+              </a:rPr>
+              <a:t>    print</a:t>
+            </a:r>
+            <a:r>
+              <a:rPr lang="en-US" dirty="0">
+                <a:latin typeface="Courier New" panose="02070309020205020404" pitchFamily="49" charset="0"/>
+                <a:cs typeface="Courier New" panose="02070309020205020404" pitchFamily="49" charset="0"/>
+              </a:rPr>
+              <a:t>(w, </a:t>
+            </a:r>
+            <a:r>
+              <a:rPr lang="en-US" dirty="0" err="1">
+                <a:solidFill>
+                  <a:srgbClr val="008000"/>
+                </a:solidFill>
+                <a:latin typeface="Courier New" panose="02070309020205020404" pitchFamily="49" charset="0"/>
+                <a:cs typeface="Courier New" panose="02070309020205020404" pitchFamily="49" charset="0"/>
+              </a:rPr>
+              <a:t>len</a:t>
+            </a:r>
+            <a:r>
+              <a:rPr lang="en-US" dirty="0">
+                <a:latin typeface="Courier New" panose="02070309020205020404" pitchFamily="49" charset="0"/>
+                <a:cs typeface="Courier New" panose="02070309020205020404" pitchFamily="49" charset="0"/>
+              </a:rPr>
+              <a:t>(w))</a:t>
+            </a:r>
           </a:p>
         </p:txBody>
       </p:sp>
@@ -5300,7 +5572,7 @@
 </p:sld>
 </file>
 
-<file path=ppt/slides/slide12.xml><?xml version="1.0" encoding="utf-8"?>
+<file path=ppt/slides/slide13.xml><?xml version="1.0" encoding="utf-8"?>
 <p:sld xmlns:a="http://schemas.openxmlformats.org/drawingml/2006/main" xmlns:r="http://schemas.openxmlformats.org/officeDocument/2006/relationships" xmlns:p="http://schemas.openxmlformats.org/presentationml/2006/main">
   <p:cSld>
     <p:spTree>
@@ -5550,6 +5822,47 @@
           </a:p>
         </p:txBody>
       </p:sp>
+      <p:sp>
+        <p:nvSpPr>
+          <p:cNvPr id="5" name="TextBox 4">
+            <a:extLst>
+              <a:ext uri="{FF2B5EF4-FFF2-40B4-BE49-F238E27FC236}">
+                <a16:creationId xmlns:a16="http://schemas.microsoft.com/office/drawing/2014/main" id="{970721F8-D21C-2D80-9A96-E35C260B9A63}"/>
+              </a:ext>
+            </a:extLst>
+          </p:cNvPr>
+          <p:cNvSpPr txBox="1"/>
+          <p:nvPr/>
+        </p:nvSpPr>
+        <p:spPr>
+          <a:xfrm>
+            <a:off x="4661209" y="1267306"/>
+            <a:ext cx="3480120" cy="523220"/>
+          </a:xfrm>
+          <a:prstGeom prst="rect">
+            <a:avLst/>
+          </a:prstGeom>
+          <a:noFill/>
+        </p:spPr>
+        <p:txBody>
+          <a:bodyPr wrap="none" rtlCol="0">
+            <a:spAutoFit/>
+          </a:bodyPr>
+          <a:lstStyle/>
+          <a:p>
+            <a:r>
+              <a:rPr lang="en-US" sz="2800" dirty="0">
+                <a:solidFill>
+                  <a:srgbClr val="FF0000"/>
+                </a:solidFill>
+                <a:latin typeface="Calibri" panose="020F0502020204030204" pitchFamily="34" charset="0"/>
+                <a:cs typeface="Calibri" panose="020F0502020204030204" pitchFamily="34" charset="0"/>
+              </a:rPr>
+              <a:t>How about "num=8"?</a:t>
+            </a:r>
+          </a:p>
+        </p:txBody>
+      </p:sp>
     </p:spTree>
     <p:extLst>
       <p:ext uri="{BB962C8B-B14F-4D97-AF65-F5344CB8AC3E}">
@@ -5560,10 +5873,88 @@
   <p:clrMapOvr>
     <a:masterClrMapping/>
   </p:clrMapOvr>
+  <p:timing>
+    <p:tnLst>
+      <p:par>
+        <p:cTn id="1" dur="indefinite" restart="never" nodeType="tmRoot">
+          <p:childTnLst>
+            <p:seq concurrent="1" nextAc="seek">
+              <p:cTn id="2" dur="indefinite" nodeType="mainSeq">
+                <p:childTnLst>
+                  <p:par>
+                    <p:cTn id="3" fill="hold">
+                      <p:stCondLst>
+                        <p:cond delay="indefinite"/>
+                      </p:stCondLst>
+                      <p:childTnLst>
+                        <p:par>
+                          <p:cTn id="4" fill="hold">
+                            <p:stCondLst>
+                              <p:cond delay="0"/>
+                            </p:stCondLst>
+                            <p:childTnLst>
+                              <p:par>
+                                <p:cTn id="5" presetID="1" presetClass="entr" presetSubtype="0" fill="hold" grpId="0" nodeType="clickEffect">
+                                  <p:stCondLst>
+                                    <p:cond delay="0"/>
+                                  </p:stCondLst>
+                                  <p:childTnLst>
+                                    <p:set>
+                                      <p:cBhvr>
+                                        <p:cTn id="6" dur="1" fill="hold">
+                                          <p:stCondLst>
+                                            <p:cond delay="0"/>
+                                          </p:stCondLst>
+                                        </p:cTn>
+                                        <p:tgtEl>
+                                          <p:spTgt spid="5"/>
+                                        </p:tgtEl>
+                                        <p:attrNameLst>
+                                          <p:attrName>style.visibility</p:attrName>
+                                        </p:attrNameLst>
+                                      </p:cBhvr>
+                                      <p:to>
+                                        <p:strVal val="visible"/>
+                                      </p:to>
+                                    </p:set>
+                                  </p:childTnLst>
+                                </p:cTn>
+                              </p:par>
+                            </p:childTnLst>
+                          </p:cTn>
+                        </p:par>
+                      </p:childTnLst>
+                    </p:cTn>
+                  </p:par>
+                </p:childTnLst>
+              </p:cTn>
+              <p:prevCondLst>
+                <p:cond evt="onPrev" delay="0">
+                  <p:tgtEl>
+                    <p:sldTgt/>
+                  </p:tgtEl>
+                </p:cond>
+              </p:prevCondLst>
+              <p:nextCondLst>
+                <p:cond evt="onNext" delay="0">
+                  <p:tgtEl>
+                    <p:sldTgt/>
+                  </p:tgtEl>
+                </p:cond>
+              </p:nextCondLst>
+            </p:seq>
+          </p:childTnLst>
+        </p:cTn>
+      </p:par>
+    </p:tnLst>
+    <p:bldLst>
+      <p:bldP spid="5" grpId="0"/>
+    </p:bldLst>
+  </p:timing>
 </p:sld>
 </file>
 
-<file path=ppt/slides/slide13.xml><?xml version="1.0" encoding="utf-8"?>
+<file path=ppt/slides/slide14.xml><?xml version="1.0" encoding="utf-8"?>
 <p:sld xmlns:a="http://schemas.openxmlformats.org/drawingml/2006/main" xmlns:r="http://schemas.openxmlformats.org/officeDocument/2006/relationships" xmlns:p="http://schemas.openxmlformats.org/presentationml/2006/main">
   <p:cSld>
     <p:spTree>
@@ -5640,7 +6031,7 @@
         <p:spPr>
           <a:xfrm>
             <a:off x="838200" y="1331788"/>
-            <a:ext cx="10783529" cy="4647342"/>
+            <a:ext cx="11205117" cy="4385071"/>
           </a:xfrm>
         </p:spPr>
         <p:txBody>
@@ -5665,7 +6056,7 @@
               <a:buNone/>
             </a:pPr>
             <a:r>
-              <a:rPr lang="en-US" sz="2400" dirty="0">
+              <a:rPr lang="en-US" dirty="0">
                 <a:latin typeface="Courier New" panose="02070309020205020404" pitchFamily="49" charset="0"/>
                 <a:cs typeface="Courier New" panose="02070309020205020404" pitchFamily="49" charset="0"/>
               </a:rPr>
@@ -5791,7 +6182,7 @@
 </p:sld>
 </file>
 
-<file path=ppt/slides/slide14.xml><?xml version="1.0" encoding="utf-8"?>
+<file path=ppt/slides/slide15.xml><?xml version="1.0" encoding="utf-8"?>
 <p:sld xmlns:a="http://schemas.openxmlformats.org/drawingml/2006/main" xmlns:r="http://schemas.openxmlformats.org/officeDocument/2006/relationships" xmlns:p="http://schemas.openxmlformats.org/presentationml/2006/main">
   <p:cSld>
     <p:spTree>
@@ -6022,7 +6413,7 @@
                 <a:latin typeface="Courier New" panose="02070309020205020404" pitchFamily="49" charset="0"/>
                 <a:cs typeface="Courier New" panose="02070309020205020404" pitchFamily="49" charset="0"/>
               </a:rPr>
-              <a:t>    print()</a:t>
+              <a:t>    print() # printed on a new line</a:t>
             </a:r>
           </a:p>
         </p:txBody>
@@ -6040,7 +6431,7 @@
 </p:sld>
 </file>
 
-<file path=ppt/slides/slide15.xml><?xml version="1.0" encoding="utf-8"?>
+<file path=ppt/slides/slide16.xml><?xml version="1.0" encoding="utf-8"?>
 <p:sld xmlns:a="http://schemas.openxmlformats.org/drawingml/2006/main" xmlns:r="http://schemas.openxmlformats.org/officeDocument/2006/relationships" xmlns:p="http://schemas.openxmlformats.org/presentationml/2006/main">
   <p:cSld>
     <p:spTree>
@@ -6187,32 +6578,6 @@
             <a:pPr marL="0" indent="0">
               <a:buNone/>
             </a:pPr>
-            <a:r>
-              <a:rPr lang="en-US" sz="2400" dirty="0">
-                <a:latin typeface="Courier New" panose="02070309020205020404" pitchFamily="49" charset="0"/>
-                <a:cs typeface="Courier New" panose="02070309020205020404" pitchFamily="49" charset="0"/>
-              </a:rPr>
-              <a:t>    lines = </a:t>
-            </a:r>
-            <a:r>
-              <a:rPr lang="en-US" sz="2400" dirty="0" err="1">
-                <a:latin typeface="Courier New" panose="02070309020205020404" pitchFamily="49" charset="0"/>
-                <a:cs typeface="Courier New" panose="02070309020205020404" pitchFamily="49" charset="0"/>
-              </a:rPr>
-              <a:t>f.readlines</a:t>
-            </a:r>
-            <a:r>
-              <a:rPr lang="en-US" sz="2400" dirty="0">
-                <a:latin typeface="Courier New" panose="02070309020205020404" pitchFamily="49" charset="0"/>
-                <a:cs typeface="Courier New" panose="02070309020205020404" pitchFamily="49" charset="0"/>
-              </a:rPr>
-              <a:t>()    # Read as list of lines</a:t>
-            </a:r>
-          </a:p>
-          <a:p>
-            <a:pPr marL="0" indent="0">
-              <a:buNone/>
-            </a:pPr>
             <a:endParaRPr lang="en-US" sz="2400" dirty="0">
               <a:latin typeface="Courier New" panose="02070309020205020404" pitchFamily="49" charset="0"/>
               <a:cs typeface="Courier New" panose="02070309020205020404" pitchFamily="49" charset="0"/>
@@ -6277,7 +6642,7 @@
                 <a:latin typeface="Courier New" panose="02070309020205020404" pitchFamily="49" charset="0"/>
                 <a:cs typeface="Courier New" panose="02070309020205020404" pitchFamily="49" charset="0"/>
               </a:rPr>
-              <a:t>        print(</a:t>
+              <a:t>        line = </a:t>
             </a:r>
             <a:r>
               <a:rPr lang="en-US" sz="2400" dirty="0" err="1">
@@ -6291,7 +6656,7 @@
                 <a:latin typeface="Courier New" panose="02070309020205020404" pitchFamily="49" charset="0"/>
                 <a:cs typeface="Courier New" panose="02070309020205020404" pitchFamily="49" charset="0"/>
               </a:rPr>
-              <a:t>())  # Remove newline characters</a:t>
+              <a:t>()  # Remove newline character</a:t>
             </a:r>
           </a:p>
         </p:txBody>
@@ -6309,7 +6674,7 @@
 </p:sld>
 </file>
 
-<file path=ppt/slides/slide16.xml><?xml version="1.0" encoding="utf-8"?>
+<file path=ppt/slides/slide17.xml><?xml version="1.0" encoding="utf-8"?>
 <p:sld xmlns:a="http://schemas.openxmlformats.org/drawingml/2006/main" xmlns:r="http://schemas.openxmlformats.org/officeDocument/2006/relationships" xmlns:p="http://schemas.openxmlformats.org/presentationml/2006/main">
   <p:cSld>
     <p:spTree>
@@ -6488,6 +6853,15 @@
             <a:pPr marL="0" indent="0">
               <a:buNone/>
             </a:pPr>
+            <a:endParaRPr lang="en-US" sz="2400" dirty="0">
+              <a:latin typeface="Courier New" panose="02070309020205020404" pitchFamily="49" charset="0"/>
+              <a:cs typeface="Courier New" panose="02070309020205020404" pitchFamily="49" charset="0"/>
+            </a:endParaRPr>
+          </a:p>
+          <a:p>
+            <a:pPr marL="0" indent="0">
+              <a:buNone/>
+            </a:pPr>
             <a:r>
               <a:rPr lang="en-US" sz="2400" dirty="0">
                 <a:latin typeface="Courier New" panose="02070309020205020404" pitchFamily="49" charset="0"/>
@@ -6589,7 +6963,7 @@
 </p:sld>
 </file>
 
-<file path=ppt/slides/slide17.xml><?xml version="1.0" encoding="utf-8"?>
+<file path=ppt/slides/slide18.xml><?xml version="1.0" encoding="utf-8"?>
 <p:sld xmlns:a="http://schemas.openxmlformats.org/drawingml/2006/main" xmlns:r="http://schemas.openxmlformats.org/officeDocument/2006/relationships" xmlns:p="http://schemas.openxmlformats.org/presentationml/2006/main">
   <p:cSld>
     <p:spTree>
@@ -6766,7 +7140,7 @@
 </p:sld>
 </file>
 
-<file path=ppt/slides/slide18.xml><?xml version="1.0" encoding="utf-8"?>
+<file path=ppt/slides/slide19.xml><?xml version="1.0" encoding="utf-8"?>
 <p:sld xmlns:a="http://schemas.openxmlformats.org/drawingml/2006/main" xmlns:r="http://schemas.openxmlformats.org/officeDocument/2006/relationships" xmlns:p="http://schemas.openxmlformats.org/presentationml/2006/main">
   <p:cSld>
     <p:spTree>
@@ -6955,7 +7329,7 @@
           <a:p>
             <a:fld id="{9DA039C4-C5F2-1743-BB7A-5D831266C61E}" type="slidenum">
               <a:rPr lang="en-US" smtClean="0"/>
-              <a:t>18</a:t>
+              <a:t>19</a:t>
             </a:fld>
             <a:endParaRPr lang="en-US"/>
           </a:p>
@@ -6965,440 +7339,6 @@
     <p:extLst>
       <p:ext uri="{BB962C8B-B14F-4D97-AF65-F5344CB8AC3E}">
         <p14:creationId xmlns:p14="http://schemas.microsoft.com/office/powerpoint/2010/main" val="2907915929"/>
-      </p:ext>
-    </p:extLst>
-  </p:cSld>
-  <p:clrMapOvr>
-    <a:masterClrMapping/>
-  </p:clrMapOvr>
-</p:sld>
-</file>
-
-<file path=ppt/slides/slide19.xml><?xml version="1.0" encoding="utf-8"?>
-<p:sld xmlns:a="http://schemas.openxmlformats.org/drawingml/2006/main" xmlns:r="http://schemas.openxmlformats.org/officeDocument/2006/relationships" xmlns:p="http://schemas.openxmlformats.org/presentationml/2006/main">
-  <p:cSld>
-    <p:spTree>
-      <p:nvGrpSpPr>
-        <p:cNvPr id="1" name="">
-          <a:extLst>
-            <a:ext uri="{FF2B5EF4-FFF2-40B4-BE49-F238E27FC236}">
-              <a16:creationId xmlns:a16="http://schemas.microsoft.com/office/drawing/2014/main" id="{4800C799-F2A8-28DA-7AC9-9E650A1A6255}"/>
-            </a:ext>
-          </a:extLst>
-        </p:cNvPr>
-        <p:cNvGrpSpPr/>
-        <p:nvPr/>
-      </p:nvGrpSpPr>
-      <p:grpSpPr>
-        <a:xfrm>
-          <a:off x="0" y="0"/>
-          <a:ext cx="0" cy="0"/>
-          <a:chOff x="0" y="0"/>
-          <a:chExt cx="0" cy="0"/>
-        </a:xfrm>
-      </p:grpSpPr>
-      <p:sp>
-        <p:nvSpPr>
-          <p:cNvPr id="2" name="Title 1">
-            <a:extLst>
-              <a:ext uri="{FF2B5EF4-FFF2-40B4-BE49-F238E27FC236}">
-                <a16:creationId xmlns:a16="http://schemas.microsoft.com/office/drawing/2014/main" id="{51B01427-6BB0-FB8B-DA80-5C191E363042}"/>
-              </a:ext>
-            </a:extLst>
-          </p:cNvPr>
-          <p:cNvSpPr>
-            <a:spLocks noGrp="1"/>
-          </p:cNvSpPr>
-          <p:nvPr>
-            <p:ph type="title"/>
-          </p:nvPr>
-        </p:nvSpPr>
-        <p:spPr>
-          <a:xfrm>
-            <a:off x="501444" y="377081"/>
-            <a:ext cx="10515600" cy="637410"/>
-          </a:xfrm>
-        </p:spPr>
-        <p:txBody>
-          <a:bodyPr>
-            <a:normAutofit/>
-          </a:bodyPr>
-          <a:lstStyle/>
-          <a:p>
-            <a:r>
-              <a:rPr lang="en-US" sz="3200" dirty="0"/>
-              <a:t>Exercise I - run these codes in </a:t>
-            </a:r>
-            <a:r>
-              <a:rPr lang="en-US" sz="3200" dirty="0" err="1"/>
-              <a:t>Jupyter</a:t>
-            </a:r>
-            <a:r>
-              <a:rPr lang="en-US" sz="3200" dirty="0"/>
-              <a:t> (</a:t>
-            </a:r>
-            <a:r>
-              <a:rPr lang="en-US" sz="3200" dirty="0" err="1"/>
-              <a:t>Beocat</a:t>
-            </a:r>
-            <a:r>
-              <a:rPr lang="en-US" sz="3200" dirty="0"/>
-              <a:t>)</a:t>
-            </a:r>
-          </a:p>
-        </p:txBody>
-      </p:sp>
-      <p:sp>
-        <p:nvSpPr>
-          <p:cNvPr id="3" name="Content Placeholder 2">
-            <a:extLst>
-              <a:ext uri="{FF2B5EF4-FFF2-40B4-BE49-F238E27FC236}">
-                <a16:creationId xmlns:a16="http://schemas.microsoft.com/office/drawing/2014/main" id="{8C31ECCA-545C-E2BB-65E7-3D4631EC6DED}"/>
-              </a:ext>
-            </a:extLst>
-          </p:cNvPr>
-          <p:cNvSpPr>
-            <a:spLocks noGrp="1"/>
-          </p:cNvSpPr>
-          <p:nvPr>
-            <p:ph idx="1"/>
-          </p:nvPr>
-        </p:nvSpPr>
-        <p:spPr>
-          <a:xfrm>
-            <a:off x="501444" y="1598200"/>
-            <a:ext cx="11526252" cy="1354393"/>
-          </a:xfrm>
-          <a:ln>
-            <a:solidFill>
-              <a:schemeClr val="tx2">
-                <a:lumMod val="50000"/>
-                <a:lumOff val="50000"/>
-              </a:schemeClr>
-            </a:solidFill>
-          </a:ln>
-        </p:spPr>
-        <p:txBody>
-          <a:bodyPr>
-            <a:normAutofit/>
-          </a:bodyPr>
-          <a:lstStyle/>
-          <a:p>
-            <a:pPr marL="0" indent="0">
-              <a:buNone/>
-            </a:pPr>
-            <a:r>
-              <a:rPr lang="en-US" sz="2400" dirty="0">
-                <a:latin typeface="Courier New" panose="02070309020205020404" pitchFamily="49" charset="0"/>
-                <a:cs typeface="Courier New" panose="02070309020205020404" pitchFamily="49" charset="0"/>
-              </a:rPr>
-              <a:t>width = 20</a:t>
-            </a:r>
-          </a:p>
-          <a:p>
-            <a:pPr marL="0" indent="0">
-              <a:buNone/>
-            </a:pPr>
-            <a:r>
-              <a:rPr lang="en-US" sz="2400" dirty="0">
-                <a:latin typeface="Courier New" panose="02070309020205020404" pitchFamily="49" charset="0"/>
-                <a:cs typeface="Courier New" panose="02070309020205020404" pitchFamily="49" charset="0"/>
-              </a:rPr>
-              <a:t>height = 5 * 9</a:t>
-            </a:r>
-          </a:p>
-          <a:p>
-            <a:pPr marL="0" indent="0">
-              <a:buNone/>
-            </a:pPr>
-            <a:r>
-              <a:rPr lang="en-US" sz="2400" dirty="0">
-                <a:latin typeface="Courier New" panose="02070309020205020404" pitchFamily="49" charset="0"/>
-                <a:cs typeface="Courier New" panose="02070309020205020404" pitchFamily="49" charset="0"/>
-              </a:rPr>
-              <a:t>width * height</a:t>
-            </a:r>
-          </a:p>
-        </p:txBody>
-      </p:sp>
-      <p:sp>
-        <p:nvSpPr>
-          <p:cNvPr id="4" name="Content Placeholder 2">
-            <a:extLst>
-              <a:ext uri="{FF2B5EF4-FFF2-40B4-BE49-F238E27FC236}">
-                <a16:creationId xmlns:a16="http://schemas.microsoft.com/office/drawing/2014/main" id="{36290D05-281C-DD9B-3B37-6E3030E37F76}"/>
-              </a:ext>
-            </a:extLst>
-          </p:cNvPr>
-          <p:cNvSpPr txBox="1">
-            <a:spLocks/>
-          </p:cNvSpPr>
-          <p:nvPr/>
-        </p:nvSpPr>
-        <p:spPr>
-          <a:xfrm>
-            <a:off x="501444" y="3694471"/>
-            <a:ext cx="11526252" cy="1852923"/>
-          </a:xfrm>
-          <a:prstGeom prst="rect">
-            <a:avLst/>
-          </a:prstGeom>
-          <a:ln>
-            <a:solidFill>
-              <a:schemeClr val="tx2">
-                <a:lumMod val="50000"/>
-                <a:lumOff val="50000"/>
-              </a:schemeClr>
-            </a:solidFill>
-          </a:ln>
-        </p:spPr>
-        <p:txBody>
-          <a:bodyPr vert="horz" lIns="91440" tIns="45720" rIns="91440" bIns="45720" rtlCol="0">
-            <a:normAutofit/>
-          </a:bodyPr>
-          <a:lstStyle>
-            <a:lvl1pPr marL="228600" indent="-228600" algn="l" defTabSz="914400" rtl="0" eaLnBrk="1" latinLnBrk="0" hangingPunct="1">
-              <a:lnSpc>
-                <a:spcPct val="90000"/>
-              </a:lnSpc>
-              <a:spcBef>
-                <a:spcPts val="1000"/>
-              </a:spcBef>
-              <a:buFont typeface="Arial" panose="020B0604020202020204" pitchFamily="34" charset="0"/>
-              <a:buChar char="•"/>
-              <a:defRPr sz="2800" kern="1200">
-                <a:solidFill>
-                  <a:schemeClr val="tx1"/>
-                </a:solidFill>
-                <a:latin typeface="+mn-lt"/>
-                <a:ea typeface="+mn-ea"/>
-                <a:cs typeface="+mn-cs"/>
-              </a:defRPr>
-            </a:lvl1pPr>
-            <a:lvl2pPr marL="685800" indent="-228600" algn="l" defTabSz="914400" rtl="0" eaLnBrk="1" latinLnBrk="0" hangingPunct="1">
-              <a:lnSpc>
-                <a:spcPct val="90000"/>
-              </a:lnSpc>
-              <a:spcBef>
-                <a:spcPts val="500"/>
-              </a:spcBef>
-              <a:buFont typeface="Arial" panose="020B0604020202020204" pitchFamily="34" charset="0"/>
-              <a:buChar char="•"/>
-              <a:defRPr sz="2400" kern="1200">
-                <a:solidFill>
-                  <a:schemeClr val="tx1"/>
-                </a:solidFill>
-                <a:latin typeface="+mn-lt"/>
-                <a:ea typeface="+mn-ea"/>
-                <a:cs typeface="+mn-cs"/>
-              </a:defRPr>
-            </a:lvl2pPr>
-            <a:lvl3pPr marL="1143000" indent="-228600" algn="l" defTabSz="914400" rtl="0" eaLnBrk="1" latinLnBrk="0" hangingPunct="1">
-              <a:lnSpc>
-                <a:spcPct val="90000"/>
-              </a:lnSpc>
-              <a:spcBef>
-                <a:spcPts val="500"/>
-              </a:spcBef>
-              <a:buFont typeface="Arial" panose="020B0604020202020204" pitchFamily="34" charset="0"/>
-              <a:buChar char="•"/>
-              <a:defRPr sz="2000" kern="1200">
-                <a:solidFill>
-                  <a:schemeClr val="tx1"/>
-                </a:solidFill>
-                <a:latin typeface="+mn-lt"/>
-                <a:ea typeface="+mn-ea"/>
-                <a:cs typeface="+mn-cs"/>
-              </a:defRPr>
-            </a:lvl3pPr>
-            <a:lvl4pPr marL="1600200" indent="-228600" algn="l" defTabSz="914400" rtl="0" eaLnBrk="1" latinLnBrk="0" hangingPunct="1">
-              <a:lnSpc>
-                <a:spcPct val="90000"/>
-              </a:lnSpc>
-              <a:spcBef>
-                <a:spcPts val="500"/>
-              </a:spcBef>
-              <a:buFont typeface="Arial" panose="020B0604020202020204" pitchFamily="34" charset="0"/>
-              <a:buChar char="•"/>
-              <a:defRPr sz="1800" kern="1200">
-                <a:solidFill>
-                  <a:schemeClr val="tx1"/>
-                </a:solidFill>
-                <a:latin typeface="+mn-lt"/>
-                <a:ea typeface="+mn-ea"/>
-                <a:cs typeface="+mn-cs"/>
-              </a:defRPr>
-            </a:lvl4pPr>
-            <a:lvl5pPr marL="2057400" indent="-228600" algn="l" defTabSz="914400" rtl="0" eaLnBrk="1" latinLnBrk="0" hangingPunct="1">
-              <a:lnSpc>
-                <a:spcPct val="90000"/>
-              </a:lnSpc>
-              <a:spcBef>
-                <a:spcPts val="500"/>
-              </a:spcBef>
-              <a:buFont typeface="Arial" panose="020B0604020202020204" pitchFamily="34" charset="0"/>
-              <a:buChar char="•"/>
-              <a:defRPr sz="1800" kern="1200">
-                <a:solidFill>
-                  <a:schemeClr val="tx1"/>
-                </a:solidFill>
-                <a:latin typeface="+mn-lt"/>
-                <a:ea typeface="+mn-ea"/>
-                <a:cs typeface="+mn-cs"/>
-              </a:defRPr>
-            </a:lvl5pPr>
-            <a:lvl6pPr marL="2514600" indent="-228600" algn="l" defTabSz="914400" rtl="0" eaLnBrk="1" latinLnBrk="0" hangingPunct="1">
-              <a:lnSpc>
-                <a:spcPct val="90000"/>
-              </a:lnSpc>
-              <a:spcBef>
-                <a:spcPts val="500"/>
-              </a:spcBef>
-              <a:buFont typeface="Arial" panose="020B0604020202020204" pitchFamily="34" charset="0"/>
-              <a:buChar char="•"/>
-              <a:defRPr sz="1800" kern="1200">
-                <a:solidFill>
-                  <a:schemeClr val="tx1"/>
-                </a:solidFill>
-                <a:latin typeface="+mn-lt"/>
-                <a:ea typeface="+mn-ea"/>
-                <a:cs typeface="+mn-cs"/>
-              </a:defRPr>
-            </a:lvl6pPr>
-            <a:lvl7pPr marL="2971800" indent="-228600" algn="l" defTabSz="914400" rtl="0" eaLnBrk="1" latinLnBrk="0" hangingPunct="1">
-              <a:lnSpc>
-                <a:spcPct val="90000"/>
-              </a:lnSpc>
-              <a:spcBef>
-                <a:spcPts val="500"/>
-              </a:spcBef>
-              <a:buFont typeface="Arial" panose="020B0604020202020204" pitchFamily="34" charset="0"/>
-              <a:buChar char="•"/>
-              <a:defRPr sz="1800" kern="1200">
-                <a:solidFill>
-                  <a:schemeClr val="tx1"/>
-                </a:solidFill>
-                <a:latin typeface="+mn-lt"/>
-                <a:ea typeface="+mn-ea"/>
-                <a:cs typeface="+mn-cs"/>
-              </a:defRPr>
-            </a:lvl7pPr>
-            <a:lvl8pPr marL="3429000" indent="-228600" algn="l" defTabSz="914400" rtl="0" eaLnBrk="1" latinLnBrk="0" hangingPunct="1">
-              <a:lnSpc>
-                <a:spcPct val="90000"/>
-              </a:lnSpc>
-              <a:spcBef>
-                <a:spcPts val="500"/>
-              </a:spcBef>
-              <a:buFont typeface="Arial" panose="020B0604020202020204" pitchFamily="34" charset="0"/>
-              <a:buChar char="•"/>
-              <a:defRPr sz="1800" kern="1200">
-                <a:solidFill>
-                  <a:schemeClr val="tx1"/>
-                </a:solidFill>
-                <a:latin typeface="+mn-lt"/>
-                <a:ea typeface="+mn-ea"/>
-                <a:cs typeface="+mn-cs"/>
-              </a:defRPr>
-            </a:lvl8pPr>
-            <a:lvl9pPr marL="3886200" indent="-228600" algn="l" defTabSz="914400" rtl="0" eaLnBrk="1" latinLnBrk="0" hangingPunct="1">
-              <a:lnSpc>
-                <a:spcPct val="90000"/>
-              </a:lnSpc>
-              <a:spcBef>
-                <a:spcPts val="500"/>
-              </a:spcBef>
-              <a:buFont typeface="Arial" panose="020B0604020202020204" pitchFamily="34" charset="0"/>
-              <a:buChar char="•"/>
-              <a:defRPr sz="1800" kern="1200">
-                <a:solidFill>
-                  <a:schemeClr val="tx1"/>
-                </a:solidFill>
-                <a:latin typeface="+mn-lt"/>
-                <a:ea typeface="+mn-ea"/>
-                <a:cs typeface="+mn-cs"/>
-              </a:defRPr>
-            </a:lvl9pPr>
-          </a:lstStyle>
-          <a:p>
-            <a:pPr marL="0" indent="0">
-              <a:buFont typeface="Arial" panose="020B0604020202020204" pitchFamily="34" charset="0"/>
-              <a:buNone/>
-            </a:pPr>
-            <a:r>
-              <a:rPr lang="en-US" sz="2400" dirty="0">
-                <a:latin typeface="Courier New" panose="02070309020205020404" pitchFamily="49" charset="0"/>
-                <a:cs typeface="Courier New" panose="02070309020205020404" pitchFamily="49" charset="0"/>
-              </a:rPr>
-              <a:t>import random</a:t>
-            </a:r>
-          </a:p>
-          <a:p>
-            <a:pPr marL="0" indent="0">
-              <a:buFont typeface="Arial" panose="020B0604020202020204" pitchFamily="34" charset="0"/>
-              <a:buNone/>
-            </a:pPr>
-            <a:r>
-              <a:rPr lang="en-US" sz="2400" dirty="0" err="1">
-                <a:latin typeface="Courier New" panose="02070309020205020404" pitchFamily="49" charset="0"/>
-                <a:cs typeface="Courier New" panose="02070309020205020404" pitchFamily="49" charset="0"/>
-              </a:rPr>
-              <a:t>random.random</a:t>
-            </a:r>
-            <a:r>
-              <a:rPr lang="en-US" sz="2400" dirty="0">
-                <a:latin typeface="Courier New" panose="02070309020205020404" pitchFamily="49" charset="0"/>
-                <a:cs typeface="Courier New" panose="02070309020205020404" pitchFamily="49" charset="0"/>
-              </a:rPr>
-              <a:t>() #generate a random number</a:t>
-            </a:r>
-          </a:p>
-          <a:p>
-            <a:pPr marL="0" indent="0">
-              <a:buFont typeface="Arial" panose="020B0604020202020204" pitchFamily="34" charset="0"/>
-              <a:buNone/>
-            </a:pPr>
-            <a:r>
-              <a:rPr lang="en-US" sz="2400" dirty="0" err="1">
-                <a:latin typeface="Courier New" panose="02070309020205020404" pitchFamily="49" charset="0"/>
-                <a:cs typeface="Courier New" panose="02070309020205020404" pitchFamily="49" charset="0"/>
-              </a:rPr>
-              <a:t>random.randint</a:t>
-            </a:r>
-            <a:r>
-              <a:rPr lang="en-US" sz="2400" dirty="0">
-                <a:latin typeface="Courier New" panose="02070309020205020404" pitchFamily="49" charset="0"/>
-                <a:cs typeface="Courier New" panose="02070309020205020404" pitchFamily="49" charset="0"/>
-              </a:rPr>
-              <a:t>(1, 10) # Random integer between 1-10</a:t>
-            </a:r>
-          </a:p>
-          <a:p>
-            <a:pPr marL="0" indent="0">
-              <a:buFont typeface="Arial" panose="020B0604020202020204" pitchFamily="34" charset="0"/>
-              <a:buNone/>
-            </a:pPr>
-            <a:r>
-              <a:rPr lang="en-US" sz="2400" dirty="0" err="1">
-                <a:latin typeface="Courier New" panose="02070309020205020404" pitchFamily="49" charset="0"/>
-                <a:cs typeface="Courier New" panose="02070309020205020404" pitchFamily="49" charset="0"/>
-              </a:rPr>
-              <a:t>random.choice</a:t>
-            </a:r>
-            <a:r>
-              <a:rPr lang="en-US" sz="2400" dirty="0">
-                <a:latin typeface="Courier New" panose="02070309020205020404" pitchFamily="49" charset="0"/>
-                <a:cs typeface="Courier New" panose="02070309020205020404" pitchFamily="49" charset="0"/>
-              </a:rPr>
-              <a:t>([1, 2, 3]) #randomly choose a number from a list</a:t>
-            </a:r>
-          </a:p>
-        </p:txBody>
-      </p:sp>
-    </p:spTree>
-    <p:extLst>
-      <p:ext uri="{BB962C8B-B14F-4D97-AF65-F5344CB8AC3E}">
-        <p14:creationId xmlns:p14="http://schemas.microsoft.com/office/powerpoint/2010/main" val="64719336"/>
       </p:ext>
     </p:extLst>
   </p:cSld>
@@ -7528,7 +7468,15 @@
             </a:pPr>
             <a:r>
               <a:rPr lang="en-US" sz="3200" dirty="0"/>
-              <a:t>How to run Python codes?</a:t>
+              <a:t>How to run Python codes in </a:t>
+            </a:r>
+            <a:r>
+              <a:rPr lang="en-US" sz="3200" dirty="0" err="1"/>
+              <a:t>Beocat</a:t>
+            </a:r>
+            <a:r>
+              <a:rPr lang="en-US" sz="3200" dirty="0"/>
+              <a:t>?</a:t>
             </a:r>
           </a:p>
           <a:p>
@@ -7587,6 +7535,440 @@
 </file>
 
 <file path=ppt/slides/slide20.xml><?xml version="1.0" encoding="utf-8"?>
+<p:sld xmlns:a="http://schemas.openxmlformats.org/drawingml/2006/main" xmlns:r="http://schemas.openxmlformats.org/officeDocument/2006/relationships" xmlns:p="http://schemas.openxmlformats.org/presentationml/2006/main">
+  <p:cSld>
+    <p:spTree>
+      <p:nvGrpSpPr>
+        <p:cNvPr id="1" name="">
+          <a:extLst>
+            <a:ext uri="{FF2B5EF4-FFF2-40B4-BE49-F238E27FC236}">
+              <a16:creationId xmlns:a16="http://schemas.microsoft.com/office/drawing/2014/main" id="{4800C799-F2A8-28DA-7AC9-9E650A1A6255}"/>
+            </a:ext>
+          </a:extLst>
+        </p:cNvPr>
+        <p:cNvGrpSpPr/>
+        <p:nvPr/>
+      </p:nvGrpSpPr>
+      <p:grpSpPr>
+        <a:xfrm>
+          <a:off x="0" y="0"/>
+          <a:ext cx="0" cy="0"/>
+          <a:chOff x="0" y="0"/>
+          <a:chExt cx="0" cy="0"/>
+        </a:xfrm>
+      </p:grpSpPr>
+      <p:sp>
+        <p:nvSpPr>
+          <p:cNvPr id="2" name="Title 1">
+            <a:extLst>
+              <a:ext uri="{FF2B5EF4-FFF2-40B4-BE49-F238E27FC236}">
+                <a16:creationId xmlns:a16="http://schemas.microsoft.com/office/drawing/2014/main" id="{51B01427-6BB0-FB8B-DA80-5C191E363042}"/>
+              </a:ext>
+            </a:extLst>
+          </p:cNvPr>
+          <p:cNvSpPr>
+            <a:spLocks noGrp="1"/>
+          </p:cNvSpPr>
+          <p:nvPr>
+            <p:ph type="title"/>
+          </p:nvPr>
+        </p:nvSpPr>
+        <p:spPr>
+          <a:xfrm>
+            <a:off x="501444" y="377081"/>
+            <a:ext cx="10515600" cy="637410"/>
+          </a:xfrm>
+        </p:spPr>
+        <p:txBody>
+          <a:bodyPr>
+            <a:normAutofit/>
+          </a:bodyPr>
+          <a:lstStyle/>
+          <a:p>
+            <a:r>
+              <a:rPr lang="en-US" sz="3200" dirty="0"/>
+              <a:t>Exercise I - run these codes in </a:t>
+            </a:r>
+            <a:r>
+              <a:rPr lang="en-US" sz="3200" dirty="0" err="1"/>
+              <a:t>Jupyter</a:t>
+            </a:r>
+            <a:r>
+              <a:rPr lang="en-US" sz="3200" dirty="0"/>
+              <a:t> (</a:t>
+            </a:r>
+            <a:r>
+              <a:rPr lang="en-US" sz="3200" dirty="0" err="1"/>
+              <a:t>Beocat</a:t>
+            </a:r>
+            <a:r>
+              <a:rPr lang="en-US" sz="3200" dirty="0"/>
+              <a:t>)</a:t>
+            </a:r>
+          </a:p>
+        </p:txBody>
+      </p:sp>
+      <p:sp>
+        <p:nvSpPr>
+          <p:cNvPr id="3" name="Content Placeholder 2">
+            <a:extLst>
+              <a:ext uri="{FF2B5EF4-FFF2-40B4-BE49-F238E27FC236}">
+                <a16:creationId xmlns:a16="http://schemas.microsoft.com/office/drawing/2014/main" id="{8C31ECCA-545C-E2BB-65E7-3D4631EC6DED}"/>
+              </a:ext>
+            </a:extLst>
+          </p:cNvPr>
+          <p:cNvSpPr>
+            <a:spLocks noGrp="1"/>
+          </p:cNvSpPr>
+          <p:nvPr>
+            <p:ph idx="1"/>
+          </p:nvPr>
+        </p:nvSpPr>
+        <p:spPr>
+          <a:xfrm>
+            <a:off x="501444" y="1598200"/>
+            <a:ext cx="11526252" cy="1354393"/>
+          </a:xfrm>
+          <a:ln>
+            <a:solidFill>
+              <a:schemeClr val="tx2">
+                <a:lumMod val="50000"/>
+                <a:lumOff val="50000"/>
+              </a:schemeClr>
+            </a:solidFill>
+          </a:ln>
+        </p:spPr>
+        <p:txBody>
+          <a:bodyPr>
+            <a:normAutofit/>
+          </a:bodyPr>
+          <a:lstStyle/>
+          <a:p>
+            <a:pPr marL="0" indent="0">
+              <a:buNone/>
+            </a:pPr>
+            <a:r>
+              <a:rPr lang="en-US" sz="2400" dirty="0">
+                <a:latin typeface="Courier New" panose="02070309020205020404" pitchFamily="49" charset="0"/>
+                <a:cs typeface="Courier New" panose="02070309020205020404" pitchFamily="49" charset="0"/>
+              </a:rPr>
+              <a:t>width = 20</a:t>
+            </a:r>
+          </a:p>
+          <a:p>
+            <a:pPr marL="0" indent="0">
+              <a:buNone/>
+            </a:pPr>
+            <a:r>
+              <a:rPr lang="en-US" sz="2400" dirty="0">
+                <a:latin typeface="Courier New" panose="02070309020205020404" pitchFamily="49" charset="0"/>
+                <a:cs typeface="Courier New" panose="02070309020205020404" pitchFamily="49" charset="0"/>
+              </a:rPr>
+              <a:t>height = 5 * 9</a:t>
+            </a:r>
+          </a:p>
+          <a:p>
+            <a:pPr marL="0" indent="0">
+              <a:buNone/>
+            </a:pPr>
+            <a:r>
+              <a:rPr lang="en-US" sz="2400" dirty="0">
+                <a:latin typeface="Courier New" panose="02070309020205020404" pitchFamily="49" charset="0"/>
+                <a:cs typeface="Courier New" panose="02070309020205020404" pitchFamily="49" charset="0"/>
+              </a:rPr>
+              <a:t>width * height</a:t>
+            </a:r>
+          </a:p>
+        </p:txBody>
+      </p:sp>
+      <p:sp>
+        <p:nvSpPr>
+          <p:cNvPr id="4" name="Content Placeholder 2">
+            <a:extLst>
+              <a:ext uri="{FF2B5EF4-FFF2-40B4-BE49-F238E27FC236}">
+                <a16:creationId xmlns:a16="http://schemas.microsoft.com/office/drawing/2014/main" id="{36290D05-281C-DD9B-3B37-6E3030E37F76}"/>
+              </a:ext>
+            </a:extLst>
+          </p:cNvPr>
+          <p:cNvSpPr txBox="1">
+            <a:spLocks/>
+          </p:cNvSpPr>
+          <p:nvPr/>
+        </p:nvSpPr>
+        <p:spPr>
+          <a:xfrm>
+            <a:off x="501444" y="3694471"/>
+            <a:ext cx="11526252" cy="1852923"/>
+          </a:xfrm>
+          <a:prstGeom prst="rect">
+            <a:avLst/>
+          </a:prstGeom>
+          <a:ln>
+            <a:solidFill>
+              <a:schemeClr val="tx2">
+                <a:lumMod val="50000"/>
+                <a:lumOff val="50000"/>
+              </a:schemeClr>
+            </a:solidFill>
+          </a:ln>
+        </p:spPr>
+        <p:txBody>
+          <a:bodyPr vert="horz" lIns="91440" tIns="45720" rIns="91440" bIns="45720" rtlCol="0">
+            <a:normAutofit/>
+          </a:bodyPr>
+          <a:lstStyle>
+            <a:lvl1pPr marL="228600" indent="-228600" algn="l" defTabSz="914400" rtl="0" eaLnBrk="1" latinLnBrk="0" hangingPunct="1">
+              <a:lnSpc>
+                <a:spcPct val="90000"/>
+              </a:lnSpc>
+              <a:spcBef>
+                <a:spcPts val="1000"/>
+              </a:spcBef>
+              <a:buFont typeface="Arial" panose="020B0604020202020204" pitchFamily="34" charset="0"/>
+              <a:buChar char="•"/>
+              <a:defRPr sz="2800" kern="1200">
+                <a:solidFill>
+                  <a:schemeClr val="tx1"/>
+                </a:solidFill>
+                <a:latin typeface="+mn-lt"/>
+                <a:ea typeface="+mn-ea"/>
+                <a:cs typeface="+mn-cs"/>
+              </a:defRPr>
+            </a:lvl1pPr>
+            <a:lvl2pPr marL="685800" indent="-228600" algn="l" defTabSz="914400" rtl="0" eaLnBrk="1" latinLnBrk="0" hangingPunct="1">
+              <a:lnSpc>
+                <a:spcPct val="90000"/>
+              </a:lnSpc>
+              <a:spcBef>
+                <a:spcPts val="500"/>
+              </a:spcBef>
+              <a:buFont typeface="Arial" panose="020B0604020202020204" pitchFamily="34" charset="0"/>
+              <a:buChar char="•"/>
+              <a:defRPr sz="2400" kern="1200">
+                <a:solidFill>
+                  <a:schemeClr val="tx1"/>
+                </a:solidFill>
+                <a:latin typeface="+mn-lt"/>
+                <a:ea typeface="+mn-ea"/>
+                <a:cs typeface="+mn-cs"/>
+              </a:defRPr>
+            </a:lvl2pPr>
+            <a:lvl3pPr marL="1143000" indent="-228600" algn="l" defTabSz="914400" rtl="0" eaLnBrk="1" latinLnBrk="0" hangingPunct="1">
+              <a:lnSpc>
+                <a:spcPct val="90000"/>
+              </a:lnSpc>
+              <a:spcBef>
+                <a:spcPts val="500"/>
+              </a:spcBef>
+              <a:buFont typeface="Arial" panose="020B0604020202020204" pitchFamily="34" charset="0"/>
+              <a:buChar char="•"/>
+              <a:defRPr sz="2000" kern="1200">
+                <a:solidFill>
+                  <a:schemeClr val="tx1"/>
+                </a:solidFill>
+                <a:latin typeface="+mn-lt"/>
+                <a:ea typeface="+mn-ea"/>
+                <a:cs typeface="+mn-cs"/>
+              </a:defRPr>
+            </a:lvl3pPr>
+            <a:lvl4pPr marL="1600200" indent="-228600" algn="l" defTabSz="914400" rtl="0" eaLnBrk="1" latinLnBrk="0" hangingPunct="1">
+              <a:lnSpc>
+                <a:spcPct val="90000"/>
+              </a:lnSpc>
+              <a:spcBef>
+                <a:spcPts val="500"/>
+              </a:spcBef>
+              <a:buFont typeface="Arial" panose="020B0604020202020204" pitchFamily="34" charset="0"/>
+              <a:buChar char="•"/>
+              <a:defRPr sz="1800" kern="1200">
+                <a:solidFill>
+                  <a:schemeClr val="tx1"/>
+                </a:solidFill>
+                <a:latin typeface="+mn-lt"/>
+                <a:ea typeface="+mn-ea"/>
+                <a:cs typeface="+mn-cs"/>
+              </a:defRPr>
+            </a:lvl4pPr>
+            <a:lvl5pPr marL="2057400" indent="-228600" algn="l" defTabSz="914400" rtl="0" eaLnBrk="1" latinLnBrk="0" hangingPunct="1">
+              <a:lnSpc>
+                <a:spcPct val="90000"/>
+              </a:lnSpc>
+              <a:spcBef>
+                <a:spcPts val="500"/>
+              </a:spcBef>
+              <a:buFont typeface="Arial" panose="020B0604020202020204" pitchFamily="34" charset="0"/>
+              <a:buChar char="•"/>
+              <a:defRPr sz="1800" kern="1200">
+                <a:solidFill>
+                  <a:schemeClr val="tx1"/>
+                </a:solidFill>
+                <a:latin typeface="+mn-lt"/>
+                <a:ea typeface="+mn-ea"/>
+                <a:cs typeface="+mn-cs"/>
+              </a:defRPr>
+            </a:lvl5pPr>
+            <a:lvl6pPr marL="2514600" indent="-228600" algn="l" defTabSz="914400" rtl="0" eaLnBrk="1" latinLnBrk="0" hangingPunct="1">
+              <a:lnSpc>
+                <a:spcPct val="90000"/>
+              </a:lnSpc>
+              <a:spcBef>
+                <a:spcPts val="500"/>
+              </a:spcBef>
+              <a:buFont typeface="Arial" panose="020B0604020202020204" pitchFamily="34" charset="0"/>
+              <a:buChar char="•"/>
+              <a:defRPr sz="1800" kern="1200">
+                <a:solidFill>
+                  <a:schemeClr val="tx1"/>
+                </a:solidFill>
+                <a:latin typeface="+mn-lt"/>
+                <a:ea typeface="+mn-ea"/>
+                <a:cs typeface="+mn-cs"/>
+              </a:defRPr>
+            </a:lvl6pPr>
+            <a:lvl7pPr marL="2971800" indent="-228600" algn="l" defTabSz="914400" rtl="0" eaLnBrk="1" latinLnBrk="0" hangingPunct="1">
+              <a:lnSpc>
+                <a:spcPct val="90000"/>
+              </a:lnSpc>
+              <a:spcBef>
+                <a:spcPts val="500"/>
+              </a:spcBef>
+              <a:buFont typeface="Arial" panose="020B0604020202020204" pitchFamily="34" charset="0"/>
+              <a:buChar char="•"/>
+              <a:defRPr sz="1800" kern="1200">
+                <a:solidFill>
+                  <a:schemeClr val="tx1"/>
+                </a:solidFill>
+                <a:latin typeface="+mn-lt"/>
+                <a:ea typeface="+mn-ea"/>
+                <a:cs typeface="+mn-cs"/>
+              </a:defRPr>
+            </a:lvl7pPr>
+            <a:lvl8pPr marL="3429000" indent="-228600" algn="l" defTabSz="914400" rtl="0" eaLnBrk="1" latinLnBrk="0" hangingPunct="1">
+              <a:lnSpc>
+                <a:spcPct val="90000"/>
+              </a:lnSpc>
+              <a:spcBef>
+                <a:spcPts val="500"/>
+              </a:spcBef>
+              <a:buFont typeface="Arial" panose="020B0604020202020204" pitchFamily="34" charset="0"/>
+              <a:buChar char="•"/>
+              <a:defRPr sz="1800" kern="1200">
+                <a:solidFill>
+                  <a:schemeClr val="tx1"/>
+                </a:solidFill>
+                <a:latin typeface="+mn-lt"/>
+                <a:ea typeface="+mn-ea"/>
+                <a:cs typeface="+mn-cs"/>
+              </a:defRPr>
+            </a:lvl8pPr>
+            <a:lvl9pPr marL="3886200" indent="-228600" algn="l" defTabSz="914400" rtl="0" eaLnBrk="1" latinLnBrk="0" hangingPunct="1">
+              <a:lnSpc>
+                <a:spcPct val="90000"/>
+              </a:lnSpc>
+              <a:spcBef>
+                <a:spcPts val="500"/>
+              </a:spcBef>
+              <a:buFont typeface="Arial" panose="020B0604020202020204" pitchFamily="34" charset="0"/>
+              <a:buChar char="•"/>
+              <a:defRPr sz="1800" kern="1200">
+                <a:solidFill>
+                  <a:schemeClr val="tx1"/>
+                </a:solidFill>
+                <a:latin typeface="+mn-lt"/>
+                <a:ea typeface="+mn-ea"/>
+                <a:cs typeface="+mn-cs"/>
+              </a:defRPr>
+            </a:lvl9pPr>
+          </a:lstStyle>
+          <a:p>
+            <a:pPr marL="0" indent="0">
+              <a:buFont typeface="Arial" panose="020B0604020202020204" pitchFamily="34" charset="0"/>
+              <a:buNone/>
+            </a:pPr>
+            <a:r>
+              <a:rPr lang="en-US" sz="2400" dirty="0">
+                <a:latin typeface="Courier New" panose="02070309020205020404" pitchFamily="49" charset="0"/>
+                <a:cs typeface="Courier New" panose="02070309020205020404" pitchFamily="49" charset="0"/>
+              </a:rPr>
+              <a:t>import random</a:t>
+            </a:r>
+          </a:p>
+          <a:p>
+            <a:pPr marL="0" indent="0">
+              <a:buFont typeface="Arial" panose="020B0604020202020204" pitchFamily="34" charset="0"/>
+              <a:buNone/>
+            </a:pPr>
+            <a:r>
+              <a:rPr lang="en-US" sz="2400" dirty="0" err="1">
+                <a:latin typeface="Courier New" panose="02070309020205020404" pitchFamily="49" charset="0"/>
+                <a:cs typeface="Courier New" panose="02070309020205020404" pitchFamily="49" charset="0"/>
+              </a:rPr>
+              <a:t>random.random</a:t>
+            </a:r>
+            <a:r>
+              <a:rPr lang="en-US" sz="2400" dirty="0">
+                <a:latin typeface="Courier New" panose="02070309020205020404" pitchFamily="49" charset="0"/>
+                <a:cs typeface="Courier New" panose="02070309020205020404" pitchFamily="49" charset="0"/>
+              </a:rPr>
+              <a:t>() #generate a random number</a:t>
+            </a:r>
+          </a:p>
+          <a:p>
+            <a:pPr marL="0" indent="0">
+              <a:buFont typeface="Arial" panose="020B0604020202020204" pitchFamily="34" charset="0"/>
+              <a:buNone/>
+            </a:pPr>
+            <a:r>
+              <a:rPr lang="en-US" sz="2400" dirty="0" err="1">
+                <a:latin typeface="Courier New" panose="02070309020205020404" pitchFamily="49" charset="0"/>
+                <a:cs typeface="Courier New" panose="02070309020205020404" pitchFamily="49" charset="0"/>
+              </a:rPr>
+              <a:t>random.randint</a:t>
+            </a:r>
+            <a:r>
+              <a:rPr lang="en-US" sz="2400" dirty="0">
+                <a:latin typeface="Courier New" panose="02070309020205020404" pitchFamily="49" charset="0"/>
+                <a:cs typeface="Courier New" panose="02070309020205020404" pitchFamily="49" charset="0"/>
+              </a:rPr>
+              <a:t>(1, 10) # Random integer between 1-10</a:t>
+            </a:r>
+          </a:p>
+          <a:p>
+            <a:pPr marL="0" indent="0">
+              <a:buFont typeface="Arial" panose="020B0604020202020204" pitchFamily="34" charset="0"/>
+              <a:buNone/>
+            </a:pPr>
+            <a:r>
+              <a:rPr lang="en-US" sz="2400" dirty="0" err="1">
+                <a:latin typeface="Courier New" panose="02070309020205020404" pitchFamily="49" charset="0"/>
+                <a:cs typeface="Courier New" panose="02070309020205020404" pitchFamily="49" charset="0"/>
+              </a:rPr>
+              <a:t>random.choice</a:t>
+            </a:r>
+            <a:r>
+              <a:rPr lang="en-US" sz="2400" dirty="0">
+                <a:latin typeface="Courier New" panose="02070309020205020404" pitchFamily="49" charset="0"/>
+                <a:cs typeface="Courier New" panose="02070309020205020404" pitchFamily="49" charset="0"/>
+              </a:rPr>
+              <a:t>([1, 2, 3]) #randomly choose a number from a list</a:t>
+            </a:r>
+          </a:p>
+        </p:txBody>
+      </p:sp>
+    </p:spTree>
+    <p:extLst>
+      <p:ext uri="{BB962C8B-B14F-4D97-AF65-F5344CB8AC3E}">
+        <p14:creationId xmlns:p14="http://schemas.microsoft.com/office/powerpoint/2010/main" val="64719336"/>
+      </p:ext>
+    </p:extLst>
+  </p:cSld>
+  <p:clrMapOvr>
+    <a:masterClrMapping/>
+  </p:clrMapOvr>
+</p:sld>
+</file>
+
+<file path=ppt/slides/slide21.xml><?xml version="1.0" encoding="utf-8"?>
 <p:sld xmlns:a="http://schemas.openxmlformats.org/drawingml/2006/main" xmlns:r="http://schemas.openxmlformats.org/officeDocument/2006/relationships" xmlns:p="http://schemas.openxmlformats.org/presentationml/2006/main">
   <p:cSld>
     <p:spTree>
@@ -7812,7 +8194,7 @@
         <p:spPr>
           <a:xfrm>
             <a:off x="516081" y="2118124"/>
-            <a:ext cx="11281015" cy="2031325"/>
+            <a:ext cx="11014363" cy="2031325"/>
           </a:xfrm>
           <a:prstGeom prst="rect">
             <a:avLst/>
@@ -8105,7 +8487,7 @@
         <p:spPr>
           <a:xfrm>
             <a:off x="516081" y="4818058"/>
-            <a:ext cx="9571851" cy="1631216"/>
+            <a:ext cx="11014363" cy="1631216"/>
           </a:xfrm>
           <a:prstGeom prst="rect">
             <a:avLst/>
@@ -8121,7 +8503,7 @@
           </a:ln>
         </p:spPr>
         <p:txBody>
-          <a:bodyPr wrap="none" rtlCol="0">
+          <a:bodyPr wrap="square" rtlCol="0">
             <a:spAutoFit/>
           </a:bodyPr>
           <a:lstStyle/>
@@ -8354,7 +8736,7 @@
 </p:sld>
 </file>
 
-<file path=ppt/slides/slide21.xml><?xml version="1.0" encoding="utf-8"?>
+<file path=ppt/slides/slide22.xml><?xml version="1.0" encoding="utf-8"?>
 <p:sld xmlns:a="http://schemas.openxmlformats.org/drawingml/2006/main" xmlns:r="http://schemas.openxmlformats.org/officeDocument/2006/relationships" xmlns:p="http://schemas.openxmlformats.org/presentationml/2006/main">
   <p:cSld>
     <p:spTree>
@@ -8469,7 +8851,7 @@
                 </a:solidFill>
                 <a:latin typeface="DeepSeek-CJK-patch"/>
               </a:rPr>
-              <a:t>occurencies</a:t>
+              <a:t>occurrencies</a:t>
             </a:r>
             <a:r>
               <a:rPr lang="en-US" dirty="0">
@@ -8518,8 +8900,8 @@
         </p:nvSpPr>
         <p:spPr>
           <a:xfrm>
-            <a:off x="2187678" y="2758143"/>
-            <a:ext cx="7207045" cy="2676638"/>
+            <a:off x="1949786" y="2391332"/>
+            <a:ext cx="8569531" cy="3570853"/>
           </a:xfrm>
           <a:prstGeom prst="rect">
             <a:avLst/>
@@ -8707,7 +9089,7 @@
               <a:buNone/>
             </a:pPr>
             <a:r>
-              <a:rPr lang="en-US" sz="1800" dirty="0">
+              <a:rPr lang="en-US" sz="2400" dirty="0">
                 <a:latin typeface="Courier New" panose="02070309020205020404" pitchFamily="49" charset="0"/>
                 <a:cs typeface="Courier New" panose="02070309020205020404" pitchFamily="49" charset="0"/>
               </a:rPr>
@@ -8720,7 +9102,7 @@
               <a:buNone/>
             </a:pPr>
             <a:r>
-              <a:rPr lang="en-US" sz="1800" dirty="0">
+              <a:rPr lang="en-US" sz="2400" dirty="0">
                 <a:latin typeface="Courier New" panose="02070309020205020404" pitchFamily="49" charset="0"/>
                 <a:cs typeface="Courier New" panose="02070309020205020404" pitchFamily="49" charset="0"/>
               </a:rPr>
@@ -8733,7 +9115,7 @@
               <a:buNone/>
             </a:pPr>
             <a:r>
-              <a:rPr lang="en-US" sz="1800" dirty="0">
+              <a:rPr lang="en-US" sz="2400" dirty="0">
                 <a:latin typeface="Courier New" panose="02070309020205020404" pitchFamily="49" charset="0"/>
                 <a:cs typeface="Courier New" panose="02070309020205020404" pitchFamily="49" charset="0"/>
               </a:rPr>
@@ -8746,14 +9128,14 @@
               <a:buNone/>
             </a:pPr>
             <a:r>
-              <a:rPr lang="en-US" sz="1800" dirty="0" err="1">
+              <a:rPr lang="en-US" sz="2400" dirty="0" err="1">
                 <a:latin typeface="Courier New" panose="02070309020205020404" pitchFamily="49" charset="0"/>
                 <a:cs typeface="Courier New" panose="02070309020205020404" pitchFamily="49" charset="0"/>
               </a:rPr>
               <a:t>active_users</a:t>
             </a:r>
             <a:r>
-              <a:rPr lang="en-US" sz="1800" dirty="0">
+              <a:rPr lang="en-US" sz="2400" dirty="0">
                 <a:latin typeface="Courier New" panose="02070309020205020404" pitchFamily="49" charset="0"/>
                 <a:cs typeface="Courier New" panose="02070309020205020404" pitchFamily="49" charset="0"/>
               </a:rPr>
@@ -8766,21 +9148,36 @@
               <a:buNone/>
             </a:pPr>
             <a:r>
-              <a:rPr lang="en-US" sz="1800" b="1" dirty="0">
+              <a:rPr lang="en-US" sz="2400" b="1" dirty="0">
+                <a:solidFill>
+                  <a:schemeClr val="accent2">
+                    <a:lumMod val="50000"/>
+                  </a:schemeClr>
+                </a:solidFill>
                 <a:latin typeface="Courier New" panose="02070309020205020404" pitchFamily="49" charset="0"/>
                 <a:cs typeface="Courier New" panose="02070309020205020404" pitchFamily="49" charset="0"/>
               </a:rPr>
               <a:t>for user, status in </a:t>
             </a:r>
             <a:r>
-              <a:rPr lang="en-US" sz="1800" b="1" dirty="0" err="1">
+              <a:rPr lang="en-US" sz="2400" b="1" dirty="0" err="1">
+                <a:solidFill>
+                  <a:schemeClr val="accent2">
+                    <a:lumMod val="50000"/>
+                  </a:schemeClr>
+                </a:solidFill>
                 <a:latin typeface="Courier New" panose="02070309020205020404" pitchFamily="49" charset="0"/>
                 <a:cs typeface="Courier New" panose="02070309020205020404" pitchFamily="49" charset="0"/>
               </a:rPr>
               <a:t>users.items</a:t>
             </a:r>
             <a:r>
-              <a:rPr lang="en-US" sz="1800" b="1" dirty="0">
+              <a:rPr lang="en-US" sz="2400" b="1" dirty="0">
+                <a:solidFill>
+                  <a:schemeClr val="accent2">
+                    <a:lumMod val="50000"/>
+                  </a:schemeClr>
+                </a:solidFill>
                 <a:latin typeface="Courier New" panose="02070309020205020404" pitchFamily="49" charset="0"/>
                 <a:cs typeface="Courier New" panose="02070309020205020404" pitchFamily="49" charset="0"/>
               </a:rPr>
@@ -8793,7 +9190,12 @@
               <a:buNone/>
             </a:pPr>
             <a:r>
-              <a:rPr lang="en-US" sz="1800" dirty="0">
+              <a:rPr lang="en-US" sz="2400" b="1" dirty="0">
+                <a:solidFill>
+                  <a:schemeClr val="accent2">
+                    <a:lumMod val="50000"/>
+                  </a:schemeClr>
+                </a:solidFill>
                 <a:latin typeface="Courier New" panose="02070309020205020404" pitchFamily="49" charset="0"/>
                 <a:cs typeface="Courier New" panose="02070309020205020404" pitchFamily="49" charset="0"/>
               </a:rPr>
@@ -8806,21 +9208,36 @@
               <a:buNone/>
             </a:pPr>
             <a:r>
-              <a:rPr lang="en-US" sz="1800" dirty="0">
+              <a:rPr lang="en-US" sz="2400" b="1" dirty="0">
+                <a:solidFill>
+                  <a:schemeClr val="accent2">
+                    <a:lumMod val="50000"/>
+                  </a:schemeClr>
+                </a:solidFill>
                 <a:latin typeface="Courier New" panose="02070309020205020404" pitchFamily="49" charset="0"/>
                 <a:cs typeface="Courier New" panose="02070309020205020404" pitchFamily="49" charset="0"/>
               </a:rPr>
               <a:t>        </a:t>
             </a:r>
             <a:r>
-              <a:rPr lang="en-US" sz="1800" dirty="0" err="1">
+              <a:rPr lang="en-US" sz="2400" b="1" dirty="0" err="1">
+                <a:solidFill>
+                  <a:schemeClr val="accent2">
+                    <a:lumMod val="50000"/>
+                  </a:schemeClr>
+                </a:solidFill>
                 <a:latin typeface="Courier New" panose="02070309020205020404" pitchFamily="49" charset="0"/>
                 <a:cs typeface="Courier New" panose="02070309020205020404" pitchFamily="49" charset="0"/>
               </a:rPr>
               <a:t>active_users</a:t>
             </a:r>
             <a:r>
-              <a:rPr lang="en-US" sz="1800" dirty="0">
+              <a:rPr lang="en-US" sz="2400" b="1" dirty="0">
+                <a:solidFill>
+                  <a:schemeClr val="accent2">
+                    <a:lumMod val="50000"/>
+                  </a:schemeClr>
+                </a:solidFill>
                 <a:latin typeface="Courier New" panose="02070309020205020404" pitchFamily="49" charset="0"/>
                 <a:cs typeface="Courier New" panose="02070309020205020404" pitchFamily="49" charset="0"/>
               </a:rPr>
@@ -8843,8 +9260,8 @@
         </p:nvSpPr>
         <p:spPr>
           <a:xfrm>
-            <a:off x="2094272" y="2215328"/>
-            <a:ext cx="2258760" cy="461665"/>
+            <a:off x="1878682" y="1868112"/>
+            <a:ext cx="2599943" cy="523220"/>
           </a:xfrm>
           <a:prstGeom prst="rect">
             <a:avLst/>
@@ -8858,7 +9275,7 @@
           <a:lstStyle/>
           <a:p>
             <a:r>
-              <a:rPr lang="en-US" sz="2400" dirty="0">
+              <a:rPr lang="en-US" sz="2800" dirty="0">
                 <a:latin typeface="Calibri" panose="020F0502020204030204" pitchFamily="34" charset="0"/>
                 <a:cs typeface="Calibri" panose="020F0502020204030204" pitchFamily="34" charset="0"/>
               </a:rPr>
@@ -8880,7 +9297,7 @@
 </p:sld>
 </file>
 
-<file path=ppt/slides/slide22.xml><?xml version="1.0" encoding="utf-8"?>
+<file path=ppt/slides/slide23.xml><?xml version="1.0" encoding="utf-8"?>
 <p:sld xmlns:a="http://schemas.openxmlformats.org/drawingml/2006/main" xmlns:r="http://schemas.openxmlformats.org/officeDocument/2006/relationships" xmlns:p="http://schemas.openxmlformats.org/presentationml/2006/main">
   <p:cSld>
     <p:spTree>
@@ -8989,22 +9406,13 @@
               <a:t> words with at least 2 </a:t>
             </a:r>
             <a:r>
-              <a:rPr lang="en-US" dirty="0" err="1">
+              <a:rPr lang="en-US" dirty="0">
                 <a:solidFill>
                   <a:srgbClr val="404040"/>
                 </a:solidFill>
                 <a:latin typeface="DeepSeek-CJK-patch"/>
               </a:rPr>
-              <a:t>occurencies</a:t>
-            </a:r>
-            <a:r>
-              <a:rPr lang="en-US" dirty="0">
-                <a:solidFill>
-                  <a:srgbClr val="404040"/>
-                </a:solidFill>
-                <a:latin typeface="DeepSeek-CJK-patch"/>
-              </a:rPr>
-              <a:t> by using "</a:t>
+              <a:t>occurrences by using "</a:t>
             </a:r>
             <a:r>
               <a:rPr lang="en-US" dirty="0" err="1">
@@ -9042,8 +9450,8 @@
         </p:nvSpPr>
         <p:spPr>
           <a:xfrm>
-            <a:off x="2180303" y="2988567"/>
-            <a:ext cx="7207044" cy="1200329"/>
+            <a:off x="1169260" y="2891922"/>
+            <a:ext cx="8621512" cy="1384995"/>
           </a:xfrm>
           <a:prstGeom prst="rect">
             <a:avLst/>
@@ -9065,21 +9473,21 @@
           <a:lstStyle/>
           <a:p>
             <a:r>
-              <a:rPr lang="en-US" sz="2400" dirty="0">
+              <a:rPr lang="en-US" sz="2800" dirty="0">
                 <a:latin typeface="Courier New" panose="02070309020205020404" pitchFamily="49" charset="0"/>
                 <a:cs typeface="Courier New" panose="02070309020205020404" pitchFamily="49" charset="0"/>
               </a:rPr>
               <a:t>for word, count in </a:t>
             </a:r>
             <a:r>
-              <a:rPr lang="en-US" sz="2400" dirty="0" err="1">
+              <a:rPr lang="en-US" sz="2800" dirty="0" err="1">
                 <a:latin typeface="Courier New" panose="02070309020205020404" pitchFamily="49" charset="0"/>
                 <a:cs typeface="Courier New" panose="02070309020205020404" pitchFamily="49" charset="0"/>
               </a:rPr>
               <a:t>word_dict.items</a:t>
             </a:r>
             <a:r>
-              <a:rPr lang="en-US" sz="2400" dirty="0">
+              <a:rPr lang="en-US" sz="2800" dirty="0">
                 <a:latin typeface="Courier New" panose="02070309020205020404" pitchFamily="49" charset="0"/>
                 <a:cs typeface="Courier New" panose="02070309020205020404" pitchFamily="49" charset="0"/>
               </a:rPr>
@@ -9088,7 +9496,7 @@
           </a:p>
           <a:p>
             <a:r>
-              <a:rPr lang="en-US" sz="2400" dirty="0">
+              <a:rPr lang="en-US" sz="2800" dirty="0">
                 <a:latin typeface="Courier New" panose="02070309020205020404" pitchFamily="49" charset="0"/>
                 <a:cs typeface="Courier New" panose="02070309020205020404" pitchFamily="49" charset="0"/>
               </a:rPr>
@@ -9097,7 +9505,7 @@
           </a:p>
           <a:p>
             <a:r>
-              <a:rPr lang="en-US" sz="2400" dirty="0">
+              <a:rPr lang="en-US" sz="2800" dirty="0">
                 <a:latin typeface="Courier New" panose="02070309020205020404" pitchFamily="49" charset="0"/>
                 <a:cs typeface="Courier New" panose="02070309020205020404" pitchFamily="49" charset="0"/>
               </a:rPr>
@@ -9213,7 +9621,7 @@
                 <a:latin typeface="Calibri" panose="020F0502020204030204" pitchFamily="34" charset="0"/>
                 <a:cs typeface="Calibri" panose="020F0502020204030204" pitchFamily="34" charset="0"/>
               </a:rPr>
-              <a:t>Python was created by Guido van Rossum in 1991, emphasizing readability and simplicity</a:t>
+              <a:t>Python was created in 1991, emphasizing readability and simplicity</a:t>
             </a:r>
             <a:br>
               <a:rPr lang="en-US" sz="2800" dirty="0">
@@ -9485,7 +9893,12 @@
               <a:buNone/>
             </a:pPr>
             <a:r>
-              <a:rPr lang="en-US" sz="2400" dirty="0">
+              <a:rPr lang="en-US" sz="2400" b="1" dirty="0">
+                <a:solidFill>
+                  <a:schemeClr val="accent2">
+                    <a:lumMod val="50000"/>
+                  </a:schemeClr>
+                </a:solidFill>
                 <a:latin typeface="Courier New" panose="02070309020205020404" pitchFamily="49" charset="0"/>
                 <a:cs typeface="Courier New" panose="02070309020205020404" pitchFamily="49" charset="0"/>
               </a:rPr>
@@ -9643,8 +10056,8 @@
         </p:nvSpPr>
         <p:spPr>
           <a:xfrm>
-            <a:off x="838200" y="1193018"/>
-            <a:ext cx="10515600" cy="4981639"/>
+            <a:off x="838200" y="1193019"/>
+            <a:ext cx="6766932" cy="2338202"/>
           </a:xfrm>
         </p:spPr>
         <p:txBody>
@@ -9712,10 +10125,325 @@
               <a:t>s[1:] # pam from 1 to the end</a:t>
             </a:r>
           </a:p>
+        </p:txBody>
+      </p:sp>
+      <p:sp>
+        <p:nvSpPr>
+          <p:cNvPr id="4" name="TextBox 3">
+            <a:extLst>
+              <a:ext uri="{FF2B5EF4-FFF2-40B4-BE49-F238E27FC236}">
+                <a16:creationId xmlns:a16="http://schemas.microsoft.com/office/drawing/2014/main" id="{B4FB19C2-2C20-26A2-FB60-1DA560AB1B98}"/>
+              </a:ext>
+            </a:extLst>
+          </p:cNvPr>
+          <p:cNvSpPr txBox="1"/>
+          <p:nvPr/>
+        </p:nvSpPr>
+        <p:spPr>
+          <a:xfrm>
+            <a:off x="3025697" y="855339"/>
+            <a:ext cx="1635513" cy="830997"/>
+          </a:xfrm>
+          <a:prstGeom prst="rect">
+            <a:avLst/>
+          </a:prstGeom>
+          <a:noFill/>
+        </p:spPr>
+        <p:txBody>
+          <a:bodyPr wrap="square" rtlCol="0">
+            <a:spAutoFit/>
+          </a:bodyPr>
+          <a:lstStyle/>
+          <a:p>
+            <a:pPr algn="ctr"/>
+            <a:r>
+              <a:rPr lang="en-US" sz="2400" b="1" spc="600" dirty="0">
+                <a:solidFill>
+                  <a:schemeClr val="accent2">
+                    <a:lumMod val="50000"/>
+                  </a:schemeClr>
+                </a:solidFill>
+                <a:latin typeface="Courier New" panose="02070309020205020404" pitchFamily="49" charset="0"/>
+                <a:cs typeface="Courier New" panose="02070309020205020404" pitchFamily="49" charset="0"/>
+              </a:rPr>
+              <a:t>0123</a:t>
+            </a:r>
+          </a:p>
+          <a:p>
+            <a:pPr algn="ctr"/>
+            <a:r>
+              <a:rPr lang="en-US" sz="2400" b="1" spc="600" dirty="0">
+                <a:solidFill>
+                  <a:schemeClr val="accent2">
+                    <a:lumMod val="50000"/>
+                  </a:schemeClr>
+                </a:solidFill>
+                <a:latin typeface="Courier New" panose="02070309020205020404" pitchFamily="49" charset="0"/>
+                <a:cs typeface="Courier New" panose="02070309020205020404" pitchFamily="49" charset="0"/>
+              </a:rPr>
+              <a:t>Spam</a:t>
+            </a:r>
+            <a:endParaRPr lang="en-US" sz="2400" b="1" spc="600" dirty="0">
+              <a:solidFill>
+                <a:schemeClr val="accent2">
+                  <a:lumMod val="50000"/>
+                </a:schemeClr>
+              </a:solidFill>
+            </a:endParaRPr>
+          </a:p>
+        </p:txBody>
+      </p:sp>
+      <p:sp>
+        <p:nvSpPr>
+          <p:cNvPr id="5" name="Content Placeholder 2">
+            <a:extLst>
+              <a:ext uri="{FF2B5EF4-FFF2-40B4-BE49-F238E27FC236}">
+                <a16:creationId xmlns:a16="http://schemas.microsoft.com/office/drawing/2014/main" id="{2FC80ECE-0CDA-E51D-6229-8D1E8052C4C2}"/>
+              </a:ext>
+            </a:extLst>
+          </p:cNvPr>
+          <p:cNvSpPr txBox="1">
+            <a:spLocks/>
+          </p:cNvSpPr>
+          <p:nvPr/>
+        </p:nvSpPr>
+        <p:spPr>
+          <a:xfrm>
+            <a:off x="838200" y="3813717"/>
+            <a:ext cx="6766932" cy="1957912"/>
+          </a:xfrm>
+          <a:prstGeom prst="rect">
+            <a:avLst/>
+          </a:prstGeom>
+        </p:spPr>
+        <p:txBody>
+          <a:bodyPr vert="horz" lIns="91440" tIns="45720" rIns="91440" bIns="45720" rtlCol="0">
+            <a:noAutofit/>
+          </a:bodyPr>
+          <a:lstStyle>
+            <a:lvl1pPr marL="228600" indent="-228600" algn="l" defTabSz="914400" rtl="0" eaLnBrk="1" latinLnBrk="0" hangingPunct="1">
+              <a:lnSpc>
+                <a:spcPct val="90000"/>
+              </a:lnSpc>
+              <a:spcBef>
+                <a:spcPts val="1000"/>
+              </a:spcBef>
+              <a:buFont typeface="Arial" panose="020B0604020202020204" pitchFamily="34" charset="0"/>
+              <a:buChar char="•"/>
+              <a:defRPr sz="2800" kern="1200">
+                <a:solidFill>
+                  <a:schemeClr val="tx1"/>
+                </a:solidFill>
+                <a:latin typeface="+mn-lt"/>
+                <a:ea typeface="+mn-ea"/>
+                <a:cs typeface="+mn-cs"/>
+              </a:defRPr>
+            </a:lvl1pPr>
+            <a:lvl2pPr marL="685800" indent="-228600" algn="l" defTabSz="914400" rtl="0" eaLnBrk="1" latinLnBrk="0" hangingPunct="1">
+              <a:lnSpc>
+                <a:spcPct val="90000"/>
+              </a:lnSpc>
+              <a:spcBef>
+                <a:spcPts val="500"/>
+              </a:spcBef>
+              <a:buFont typeface="Arial" panose="020B0604020202020204" pitchFamily="34" charset="0"/>
+              <a:buChar char="•"/>
+              <a:defRPr sz="2400" kern="1200">
+                <a:solidFill>
+                  <a:schemeClr val="tx1"/>
+                </a:solidFill>
+                <a:latin typeface="+mn-lt"/>
+                <a:ea typeface="+mn-ea"/>
+                <a:cs typeface="+mn-cs"/>
+              </a:defRPr>
+            </a:lvl2pPr>
+            <a:lvl3pPr marL="1143000" indent="-228600" algn="l" defTabSz="914400" rtl="0" eaLnBrk="1" latinLnBrk="0" hangingPunct="1">
+              <a:lnSpc>
+                <a:spcPct val="90000"/>
+              </a:lnSpc>
+              <a:spcBef>
+                <a:spcPts val="500"/>
+              </a:spcBef>
+              <a:buFont typeface="Arial" panose="020B0604020202020204" pitchFamily="34" charset="0"/>
+              <a:buChar char="•"/>
+              <a:defRPr sz="2000" kern="1200">
+                <a:solidFill>
+                  <a:schemeClr val="tx1"/>
+                </a:solidFill>
+                <a:latin typeface="+mn-lt"/>
+                <a:ea typeface="+mn-ea"/>
+                <a:cs typeface="+mn-cs"/>
+              </a:defRPr>
+            </a:lvl3pPr>
+            <a:lvl4pPr marL="1600200" indent="-228600" algn="l" defTabSz="914400" rtl="0" eaLnBrk="1" latinLnBrk="0" hangingPunct="1">
+              <a:lnSpc>
+                <a:spcPct val="90000"/>
+              </a:lnSpc>
+              <a:spcBef>
+                <a:spcPts val="500"/>
+              </a:spcBef>
+              <a:buFont typeface="Arial" panose="020B0604020202020204" pitchFamily="34" charset="0"/>
+              <a:buChar char="•"/>
+              <a:defRPr sz="1800" kern="1200">
+                <a:solidFill>
+                  <a:schemeClr val="tx1"/>
+                </a:solidFill>
+                <a:latin typeface="+mn-lt"/>
+                <a:ea typeface="+mn-ea"/>
+                <a:cs typeface="+mn-cs"/>
+              </a:defRPr>
+            </a:lvl4pPr>
+            <a:lvl5pPr marL="2057400" indent="-228600" algn="l" defTabSz="914400" rtl="0" eaLnBrk="1" latinLnBrk="0" hangingPunct="1">
+              <a:lnSpc>
+                <a:spcPct val="90000"/>
+              </a:lnSpc>
+              <a:spcBef>
+                <a:spcPts val="500"/>
+              </a:spcBef>
+              <a:buFont typeface="Arial" panose="020B0604020202020204" pitchFamily="34" charset="0"/>
+              <a:buChar char="•"/>
+              <a:defRPr sz="1800" kern="1200">
+                <a:solidFill>
+                  <a:schemeClr val="tx1"/>
+                </a:solidFill>
+                <a:latin typeface="+mn-lt"/>
+                <a:ea typeface="+mn-ea"/>
+                <a:cs typeface="+mn-cs"/>
+              </a:defRPr>
+            </a:lvl5pPr>
+            <a:lvl6pPr marL="2514600" indent="-228600" algn="l" defTabSz="914400" rtl="0" eaLnBrk="1" latinLnBrk="0" hangingPunct="1">
+              <a:lnSpc>
+                <a:spcPct val="90000"/>
+              </a:lnSpc>
+              <a:spcBef>
+                <a:spcPts val="500"/>
+              </a:spcBef>
+              <a:buFont typeface="Arial" panose="020B0604020202020204" pitchFamily="34" charset="0"/>
+              <a:buChar char="•"/>
+              <a:defRPr sz="1800" kern="1200">
+                <a:solidFill>
+                  <a:schemeClr val="tx1"/>
+                </a:solidFill>
+                <a:latin typeface="+mn-lt"/>
+                <a:ea typeface="+mn-ea"/>
+                <a:cs typeface="+mn-cs"/>
+              </a:defRPr>
+            </a:lvl6pPr>
+            <a:lvl7pPr marL="2971800" indent="-228600" algn="l" defTabSz="914400" rtl="0" eaLnBrk="1" latinLnBrk="0" hangingPunct="1">
+              <a:lnSpc>
+                <a:spcPct val="90000"/>
+              </a:lnSpc>
+              <a:spcBef>
+                <a:spcPts val="500"/>
+              </a:spcBef>
+              <a:buFont typeface="Arial" panose="020B0604020202020204" pitchFamily="34" charset="0"/>
+              <a:buChar char="•"/>
+              <a:defRPr sz="1800" kern="1200">
+                <a:solidFill>
+                  <a:schemeClr val="tx1"/>
+                </a:solidFill>
+                <a:latin typeface="+mn-lt"/>
+                <a:ea typeface="+mn-ea"/>
+                <a:cs typeface="+mn-cs"/>
+              </a:defRPr>
+            </a:lvl7pPr>
+            <a:lvl8pPr marL="3429000" indent="-228600" algn="l" defTabSz="914400" rtl="0" eaLnBrk="1" latinLnBrk="0" hangingPunct="1">
+              <a:lnSpc>
+                <a:spcPct val="90000"/>
+              </a:lnSpc>
+              <a:spcBef>
+                <a:spcPts val="500"/>
+              </a:spcBef>
+              <a:buFont typeface="Arial" panose="020B0604020202020204" pitchFamily="34" charset="0"/>
+              <a:buChar char="•"/>
+              <a:defRPr sz="1800" kern="1200">
+                <a:solidFill>
+                  <a:schemeClr val="tx1"/>
+                </a:solidFill>
+                <a:latin typeface="+mn-lt"/>
+                <a:ea typeface="+mn-ea"/>
+                <a:cs typeface="+mn-cs"/>
+              </a:defRPr>
+            </a:lvl8pPr>
+            <a:lvl9pPr marL="3886200" indent="-228600" algn="l" defTabSz="914400" rtl="0" eaLnBrk="1" latinLnBrk="0" hangingPunct="1">
+              <a:lnSpc>
+                <a:spcPct val="90000"/>
+              </a:lnSpc>
+              <a:spcBef>
+                <a:spcPts val="500"/>
+              </a:spcBef>
+              <a:buFont typeface="Arial" panose="020B0604020202020204" pitchFamily="34" charset="0"/>
+              <a:buChar char="•"/>
+              <a:defRPr sz="1800" kern="1200">
+                <a:solidFill>
+                  <a:schemeClr val="tx1"/>
+                </a:solidFill>
+                <a:latin typeface="+mn-lt"/>
+                <a:ea typeface="+mn-ea"/>
+                <a:cs typeface="+mn-cs"/>
+              </a:defRPr>
+            </a:lvl9pPr>
+          </a:lstStyle>
           <a:p>
             <a:pPr marL="0" indent="0">
-              <a:buNone/>
-            </a:pPr>
+              <a:buFont typeface="Arial" panose="020B0604020202020204" pitchFamily="34" charset="0"/>
+              <a:buNone/>
+            </a:pPr>
+            <a:r>
+              <a:rPr lang="en-US" sz="2400" dirty="0" err="1">
+                <a:latin typeface="Courier New" panose="02070309020205020404" pitchFamily="49" charset="0"/>
+                <a:cs typeface="Courier New" panose="02070309020205020404" pitchFamily="49" charset="0"/>
+              </a:rPr>
+              <a:t>s.find</a:t>
+            </a:r>
+            <a:r>
+              <a:rPr lang="en-US" sz="2400" dirty="0">
+                <a:latin typeface="Courier New" panose="02070309020205020404" pitchFamily="49" charset="0"/>
+                <a:cs typeface="Courier New" panose="02070309020205020404" pitchFamily="49" charset="0"/>
+              </a:rPr>
+              <a:t>('pa') # 1</a:t>
+            </a:r>
+          </a:p>
+          <a:p>
+            <a:pPr marL="0" indent="0">
+              <a:buFont typeface="Arial" panose="020B0604020202020204" pitchFamily="34" charset="0"/>
+              <a:buNone/>
+            </a:pPr>
+            <a:r>
+              <a:rPr lang="en-US" sz="2400" dirty="0" err="1">
+                <a:latin typeface="Courier New" panose="02070309020205020404" pitchFamily="49" charset="0"/>
+                <a:cs typeface="Courier New" panose="02070309020205020404" pitchFamily="49" charset="0"/>
+              </a:rPr>
+              <a:t>s.replace</a:t>
+            </a:r>
+            <a:r>
+              <a:rPr lang="en-US" sz="2400" dirty="0">
+                <a:latin typeface="Courier New" panose="02070309020205020404" pitchFamily="49" charset="0"/>
+                <a:cs typeface="Courier New" panose="02070309020205020404" pitchFamily="49" charset="0"/>
+              </a:rPr>
+              <a:t>("pa", "</a:t>
+            </a:r>
+            <a:r>
+              <a:rPr lang="en-US" sz="2400" dirty="0" err="1">
+                <a:latin typeface="Courier New" panose="02070309020205020404" pitchFamily="49" charset="0"/>
+                <a:cs typeface="Courier New" panose="02070309020205020404" pitchFamily="49" charset="0"/>
+              </a:rPr>
+              <a:t>xyz</a:t>
+            </a:r>
+            <a:r>
+              <a:rPr lang="en-US" sz="2400" dirty="0">
+                <a:latin typeface="Courier New" panose="02070309020205020404" pitchFamily="49" charset="0"/>
+                <a:cs typeface="Courier New" panose="02070309020205020404" pitchFamily="49" charset="0"/>
+              </a:rPr>
+              <a:t>") # </a:t>
+            </a:r>
+            <a:r>
+              <a:rPr lang="en-US" sz="2400" dirty="0" err="1">
+                <a:latin typeface="Courier New" panose="02070309020205020404" pitchFamily="49" charset="0"/>
+                <a:cs typeface="Courier New" panose="02070309020205020404" pitchFamily="49" charset="0"/>
+              </a:rPr>
+              <a:t>sxyzam</a:t>
+            </a:r>
             <a:endParaRPr lang="en-US" sz="2400" dirty="0">
               <a:latin typeface="Courier New" panose="02070309020205020404" pitchFamily="49" charset="0"/>
               <a:cs typeface="Courier New" panose="02070309020205020404" pitchFamily="49" charset="0"/>
@@ -9723,100 +10451,27 @@
           </a:p>
           <a:p>
             <a:pPr marL="0" indent="0">
-              <a:buNone/>
-            </a:pPr>
+              <a:buFont typeface="Arial" panose="020B0604020202020204" pitchFamily="34" charset="0"/>
+              <a:buNone/>
+            </a:pPr>
+            <a:r>
+              <a:rPr lang="en-US" sz="2400" dirty="0" err="1">
+                <a:latin typeface="Courier New" panose="02070309020205020404" pitchFamily="49" charset="0"/>
+                <a:cs typeface="Courier New" panose="02070309020205020404" pitchFamily="49" charset="0"/>
+              </a:rPr>
+              <a:t>s.upper</a:t>
+            </a:r>
             <a:r>
               <a:rPr lang="en-US" sz="2400" dirty="0">
                 <a:latin typeface="Courier New" panose="02070309020205020404" pitchFamily="49" charset="0"/>
                 <a:cs typeface="Courier New" panose="02070309020205020404" pitchFamily="49" charset="0"/>
               </a:rPr>
-              <a:t>list(s) # ["s", "p", "a", "m"]</a:t>
+              <a:t> # SPAM</a:t>
             </a:r>
           </a:p>
           <a:p>
             <a:pPr marL="0" indent="0">
-              <a:buNone/>
-            </a:pPr>
-            <a:r>
-              <a:rPr lang="en-US" sz="2400" dirty="0" err="1">
-                <a:latin typeface="Courier New" panose="02070309020205020404" pitchFamily="49" charset="0"/>
-                <a:cs typeface="Courier New" panose="02070309020205020404" pitchFamily="49" charset="0"/>
-              </a:rPr>
-              <a:t>s.find</a:t>
-            </a:r>
-            <a:r>
-              <a:rPr lang="en-US" sz="2400" dirty="0">
-                <a:latin typeface="Courier New" panose="02070309020205020404" pitchFamily="49" charset="0"/>
-                <a:cs typeface="Courier New" panose="02070309020205020404" pitchFamily="49" charset="0"/>
-              </a:rPr>
-              <a:t>('pa') # 1</a:t>
-            </a:r>
-          </a:p>
-          <a:p>
-            <a:pPr marL="0" indent="0">
-              <a:buNone/>
-            </a:pPr>
-            <a:r>
-              <a:rPr lang="en-US" sz="2400" dirty="0" err="1">
-                <a:latin typeface="Courier New" panose="02070309020205020404" pitchFamily="49" charset="0"/>
-                <a:cs typeface="Courier New" panose="02070309020205020404" pitchFamily="49" charset="0"/>
-              </a:rPr>
-              <a:t>s.replace</a:t>
-            </a:r>
-            <a:r>
-              <a:rPr lang="en-US" sz="2400" dirty="0">
-                <a:latin typeface="Courier New" panose="02070309020205020404" pitchFamily="49" charset="0"/>
-                <a:cs typeface="Courier New" panose="02070309020205020404" pitchFamily="49" charset="0"/>
-              </a:rPr>
-              <a:t>("pa", "</a:t>
-            </a:r>
-            <a:r>
-              <a:rPr lang="en-US" sz="2400" dirty="0" err="1">
-                <a:latin typeface="Courier New" panose="02070309020205020404" pitchFamily="49" charset="0"/>
-                <a:cs typeface="Courier New" panose="02070309020205020404" pitchFamily="49" charset="0"/>
-              </a:rPr>
-              <a:t>xyz</a:t>
-            </a:r>
-            <a:r>
-              <a:rPr lang="en-US" sz="2400" dirty="0">
-                <a:latin typeface="Courier New" panose="02070309020205020404" pitchFamily="49" charset="0"/>
-                <a:cs typeface="Courier New" panose="02070309020205020404" pitchFamily="49" charset="0"/>
-              </a:rPr>
-              <a:t>") # </a:t>
-            </a:r>
-            <a:r>
-              <a:rPr lang="en-US" sz="2400" dirty="0" err="1">
-                <a:latin typeface="Courier New" panose="02070309020205020404" pitchFamily="49" charset="0"/>
-                <a:cs typeface="Courier New" panose="02070309020205020404" pitchFamily="49" charset="0"/>
-              </a:rPr>
-              <a:t>sxyzam</a:t>
-            </a:r>
-            <a:endParaRPr lang="en-US" sz="2400" dirty="0">
-              <a:latin typeface="Courier New" panose="02070309020205020404" pitchFamily="49" charset="0"/>
-              <a:cs typeface="Courier New" panose="02070309020205020404" pitchFamily="49" charset="0"/>
-            </a:endParaRPr>
-          </a:p>
-          <a:p>
-            <a:pPr marL="0" indent="0">
-              <a:buNone/>
-            </a:pPr>
-            <a:r>
-              <a:rPr lang="en-US" sz="2400" dirty="0" err="1">
-                <a:latin typeface="Courier New" panose="02070309020205020404" pitchFamily="49" charset="0"/>
-                <a:cs typeface="Courier New" panose="02070309020205020404" pitchFamily="49" charset="0"/>
-              </a:rPr>
-              <a:t>s.upper</a:t>
-            </a:r>
-            <a:r>
-              <a:rPr lang="en-US" sz="2400" dirty="0">
-                <a:latin typeface="Courier New" panose="02070309020205020404" pitchFamily="49" charset="0"/>
-                <a:cs typeface="Courier New" panose="02070309020205020404" pitchFamily="49" charset="0"/>
-              </a:rPr>
-              <a:t> # SPAM</a:t>
-            </a:r>
-          </a:p>
-          <a:p>
-            <a:pPr marL="0" indent="0">
+              <a:buFont typeface="Arial" panose="020B0604020202020204" pitchFamily="34" charset="0"/>
               <a:buNone/>
             </a:pPr>
             <a:r>
@@ -9846,10 +10501,1511 @@
   <p:clrMapOvr>
     <a:masterClrMapping/>
   </p:clrMapOvr>
+  <p:timing>
+    <p:tnLst>
+      <p:par>
+        <p:cTn id="1" dur="indefinite" restart="never" nodeType="tmRoot">
+          <p:childTnLst>
+            <p:seq concurrent="1" nextAc="seek">
+              <p:cTn id="2" dur="indefinite" nodeType="mainSeq">
+                <p:childTnLst>
+                  <p:par>
+                    <p:cTn id="3" fill="hold">
+                      <p:stCondLst>
+                        <p:cond delay="indefinite"/>
+                      </p:stCondLst>
+                      <p:childTnLst>
+                        <p:par>
+                          <p:cTn id="4" fill="hold">
+                            <p:stCondLst>
+                              <p:cond delay="0"/>
+                            </p:stCondLst>
+                            <p:childTnLst>
+                              <p:par>
+                                <p:cTn id="5" presetID="1" presetClass="entr" presetSubtype="0" fill="hold" grpId="0" nodeType="clickEffect">
+                                  <p:stCondLst>
+                                    <p:cond delay="0"/>
+                                  </p:stCondLst>
+                                  <p:childTnLst>
+                                    <p:set>
+                                      <p:cBhvr>
+                                        <p:cTn id="6" dur="1" fill="hold">
+                                          <p:stCondLst>
+                                            <p:cond delay="0"/>
+                                          </p:stCondLst>
+                                        </p:cTn>
+                                        <p:tgtEl>
+                                          <p:spTgt spid="5"/>
+                                        </p:tgtEl>
+                                        <p:attrNameLst>
+                                          <p:attrName>style.visibility</p:attrName>
+                                        </p:attrNameLst>
+                                      </p:cBhvr>
+                                      <p:to>
+                                        <p:strVal val="visible"/>
+                                      </p:to>
+                                    </p:set>
+                                  </p:childTnLst>
+                                </p:cTn>
+                              </p:par>
+                            </p:childTnLst>
+                          </p:cTn>
+                        </p:par>
+                      </p:childTnLst>
+                    </p:cTn>
+                  </p:par>
+                </p:childTnLst>
+              </p:cTn>
+              <p:prevCondLst>
+                <p:cond evt="onPrev" delay="0">
+                  <p:tgtEl>
+                    <p:sldTgt/>
+                  </p:tgtEl>
+                </p:cond>
+              </p:prevCondLst>
+              <p:nextCondLst>
+                <p:cond evt="onNext" delay="0">
+                  <p:tgtEl>
+                    <p:sldTgt/>
+                  </p:tgtEl>
+                </p:cond>
+              </p:nextCondLst>
+            </p:seq>
+          </p:childTnLst>
+        </p:cTn>
+      </p:par>
+    </p:tnLst>
+    <p:bldLst>
+      <p:bldP spid="5" grpId="0"/>
+    </p:bldLst>
+  </p:timing>
 </p:sld>
 </file>
 
 <file path=ppt/slides/slide6.xml><?xml version="1.0" encoding="utf-8"?>
+<p:sld xmlns:a="http://schemas.openxmlformats.org/drawingml/2006/main" xmlns:r="http://schemas.openxmlformats.org/officeDocument/2006/relationships" xmlns:p="http://schemas.openxmlformats.org/presentationml/2006/main">
+  <p:cSld>
+    <p:spTree>
+      <p:nvGrpSpPr>
+        <p:cNvPr id="1" name="">
+          <a:extLst>
+            <a:ext uri="{FF2B5EF4-FFF2-40B4-BE49-F238E27FC236}">
+              <a16:creationId xmlns:a16="http://schemas.microsoft.com/office/drawing/2014/main" id="{371CFD5C-CF5C-7367-8C06-5FFA6C53B24D}"/>
+            </a:ext>
+          </a:extLst>
+        </p:cNvPr>
+        <p:cNvGrpSpPr/>
+        <p:nvPr/>
+      </p:nvGrpSpPr>
+      <p:grpSpPr>
+        <a:xfrm>
+          <a:off x="0" y="0"/>
+          <a:ext cx="0" cy="0"/>
+          <a:chOff x="0" y="0"/>
+          <a:chExt cx="0" cy="0"/>
+        </a:xfrm>
+      </p:grpSpPr>
+      <p:sp>
+        <p:nvSpPr>
+          <p:cNvPr id="2" name="Title 1">
+            <a:extLst>
+              <a:ext uri="{FF2B5EF4-FFF2-40B4-BE49-F238E27FC236}">
+                <a16:creationId xmlns:a16="http://schemas.microsoft.com/office/drawing/2014/main" id="{49BE0E73-424F-ED7E-8F5D-69B09F2FC398}"/>
+              </a:ext>
+            </a:extLst>
+          </p:cNvPr>
+          <p:cNvSpPr>
+            <a:spLocks noGrp="1"/>
+          </p:cNvSpPr>
+          <p:nvPr>
+            <p:ph type="title"/>
+          </p:nvPr>
+        </p:nvSpPr>
+        <p:spPr>
+          <a:xfrm>
+            <a:off x="838200" y="365126"/>
+            <a:ext cx="10515600" cy="637410"/>
+          </a:xfrm>
+        </p:spPr>
+        <p:txBody>
+          <a:bodyPr>
+            <a:normAutofit/>
+          </a:bodyPr>
+          <a:lstStyle/>
+          <a:p>
+            <a:r>
+              <a:rPr lang="en-US" sz="3200" dirty="0"/>
+              <a:t>Boolean</a:t>
+            </a:r>
+          </a:p>
+        </p:txBody>
+      </p:sp>
+      <p:sp>
+        <p:nvSpPr>
+          <p:cNvPr id="3" name="Content Placeholder 2">
+            <a:extLst>
+              <a:ext uri="{FF2B5EF4-FFF2-40B4-BE49-F238E27FC236}">
+                <a16:creationId xmlns:a16="http://schemas.microsoft.com/office/drawing/2014/main" id="{702647E0-B925-2389-C064-DB4AAC23B8B6}"/>
+              </a:ext>
+            </a:extLst>
+          </p:cNvPr>
+          <p:cNvSpPr>
+            <a:spLocks noGrp="1"/>
+          </p:cNvSpPr>
+          <p:nvPr>
+            <p:ph idx="1"/>
+          </p:nvPr>
+        </p:nvSpPr>
+        <p:spPr>
+          <a:xfrm>
+            <a:off x="838200" y="1311007"/>
+            <a:ext cx="10747664" cy="4985884"/>
+          </a:xfrm>
+        </p:spPr>
+        <p:txBody>
+          <a:bodyPr>
+            <a:normAutofit fontScale="85000" lnSpcReduction="20000"/>
+          </a:bodyPr>
+          <a:lstStyle/>
+          <a:p>
+            <a:pPr marL="0" indent="0">
+              <a:buNone/>
+            </a:pPr>
+            <a:r>
+              <a:rPr lang="en-US" dirty="0" err="1">
+                <a:latin typeface="Courier New" panose="02070309020205020404" pitchFamily="49" charset="0"/>
+                <a:cs typeface="Courier New" panose="02070309020205020404" pitchFamily="49" charset="0"/>
+              </a:rPr>
+              <a:t>is_raining</a:t>
+            </a:r>
+            <a:r>
+              <a:rPr lang="en-US" dirty="0">
+                <a:latin typeface="Courier New" panose="02070309020205020404" pitchFamily="49" charset="0"/>
+                <a:cs typeface="Courier New" panose="02070309020205020404" pitchFamily="49" charset="0"/>
+              </a:rPr>
+              <a:t> = True</a:t>
+            </a:r>
+          </a:p>
+          <a:p>
+            <a:pPr marL="0" indent="0">
+              <a:buNone/>
+            </a:pPr>
+            <a:r>
+              <a:rPr lang="en-US" dirty="0" err="1">
+                <a:latin typeface="Courier New" panose="02070309020205020404" pitchFamily="49" charset="0"/>
+                <a:cs typeface="Courier New" panose="02070309020205020404" pitchFamily="49" charset="0"/>
+              </a:rPr>
+              <a:t>is_sunny</a:t>
+            </a:r>
+            <a:r>
+              <a:rPr lang="en-US" dirty="0">
+                <a:latin typeface="Courier New" panose="02070309020205020404" pitchFamily="49" charset="0"/>
+                <a:cs typeface="Courier New" panose="02070309020205020404" pitchFamily="49" charset="0"/>
+              </a:rPr>
+              <a:t> = False</a:t>
+            </a:r>
+          </a:p>
+          <a:p>
+            <a:pPr marL="0" indent="0">
+              <a:buNone/>
+            </a:pPr>
+            <a:endParaRPr lang="en-US" dirty="0">
+              <a:latin typeface="Courier New" panose="02070309020205020404" pitchFamily="49" charset="0"/>
+              <a:cs typeface="Courier New" panose="02070309020205020404" pitchFamily="49" charset="0"/>
+            </a:endParaRPr>
+          </a:p>
+          <a:p>
+            <a:pPr marL="0" indent="0">
+              <a:buNone/>
+            </a:pPr>
+            <a:r>
+              <a:rPr lang="en-US" dirty="0">
+                <a:latin typeface="Courier New" panose="02070309020205020404" pitchFamily="49" charset="0"/>
+                <a:cs typeface="Courier New" panose="02070309020205020404" pitchFamily="49" charset="0"/>
+              </a:rPr>
+              <a:t># Boolean expression</a:t>
+            </a:r>
+          </a:p>
+          <a:p>
+            <a:pPr marL="0" indent="0">
+              <a:buNone/>
+            </a:pPr>
+            <a:r>
+              <a:rPr lang="en-US" dirty="0">
+                <a:latin typeface="Courier New" panose="02070309020205020404" pitchFamily="49" charset="0"/>
+                <a:cs typeface="Courier New" panose="02070309020205020404" pitchFamily="49" charset="0"/>
+              </a:rPr>
+              <a:t>5 &gt; 3    # True  </a:t>
+            </a:r>
+          </a:p>
+          <a:p>
+            <a:pPr marL="0" indent="0">
+              <a:buNone/>
+            </a:pPr>
+            <a:r>
+              <a:rPr lang="en-US" dirty="0">
+                <a:latin typeface="Courier New" panose="02070309020205020404" pitchFamily="49" charset="0"/>
+                <a:cs typeface="Courier New" panose="02070309020205020404" pitchFamily="49" charset="0"/>
+              </a:rPr>
+              <a:t>10 == 5  # False  </a:t>
+            </a:r>
+          </a:p>
+          <a:p>
+            <a:pPr marL="0" indent="0">
+              <a:buNone/>
+            </a:pPr>
+            <a:r>
+              <a:rPr lang="en-US" dirty="0">
+                <a:latin typeface="Courier New" panose="02070309020205020404" pitchFamily="49" charset="0"/>
+                <a:cs typeface="Courier New" panose="02070309020205020404" pitchFamily="49" charset="0"/>
+              </a:rPr>
+              <a:t>"hello" != "world"  # True </a:t>
+            </a:r>
+          </a:p>
+          <a:p>
+            <a:pPr marL="0" indent="0" algn="l">
+              <a:buNone/>
+            </a:pPr>
+            <a:endParaRPr lang="en-US" dirty="0">
+              <a:latin typeface="Courier New" panose="02070309020205020404" pitchFamily="49" charset="0"/>
+              <a:cs typeface="Courier New" panose="02070309020205020404" pitchFamily="49" charset="0"/>
+            </a:endParaRPr>
+          </a:p>
+          <a:p>
+            <a:pPr marL="0" indent="0">
+              <a:buNone/>
+            </a:pPr>
+            <a:r>
+              <a:rPr lang="en-US" dirty="0">
+                <a:latin typeface="Courier New" panose="02070309020205020404" pitchFamily="49" charset="0"/>
+                <a:cs typeface="Courier New" panose="02070309020205020404" pitchFamily="49" charset="0"/>
+              </a:rPr>
+              <a:t># Non-Boolean values evaluated in a Boolean context:</a:t>
+            </a:r>
+          </a:p>
+          <a:p>
+            <a:pPr marL="0" indent="0" algn="l">
+              <a:buNone/>
+            </a:pPr>
+            <a:r>
+              <a:rPr lang="en-US" dirty="0">
+                <a:latin typeface="Courier New" panose="02070309020205020404" pitchFamily="49" charset="0"/>
+                <a:cs typeface="Courier New" panose="02070309020205020404" pitchFamily="49" charset="0"/>
+              </a:rPr>
+              <a:t>bool(0)     # False  </a:t>
+            </a:r>
+          </a:p>
+          <a:p>
+            <a:pPr marL="0" indent="0" algn="l">
+              <a:buNone/>
+            </a:pPr>
+            <a:r>
+              <a:rPr lang="en-US" dirty="0">
+                <a:latin typeface="Courier New" panose="02070309020205020404" pitchFamily="49" charset="0"/>
+                <a:cs typeface="Courier New" panose="02070309020205020404" pitchFamily="49" charset="0"/>
+              </a:rPr>
+              <a:t>bool("hi")  # True  </a:t>
+            </a:r>
+          </a:p>
+          <a:p>
+            <a:pPr marL="0" indent="0" algn="l">
+              <a:buNone/>
+            </a:pPr>
+            <a:r>
+              <a:rPr lang="en-US" dirty="0">
+                <a:latin typeface="Courier New" panose="02070309020205020404" pitchFamily="49" charset="0"/>
+                <a:cs typeface="Courier New" panose="02070309020205020404" pitchFamily="49" charset="0"/>
+              </a:rPr>
+              <a:t>bool([])    # False (empty list) </a:t>
+            </a:r>
+          </a:p>
+        </p:txBody>
+      </p:sp>
+    </p:spTree>
+    <p:extLst>
+      <p:ext uri="{BB962C8B-B14F-4D97-AF65-F5344CB8AC3E}">
+        <p14:creationId xmlns:p14="http://schemas.microsoft.com/office/powerpoint/2010/main" val="306923023"/>
+      </p:ext>
+    </p:extLst>
+  </p:cSld>
+  <p:clrMapOvr>
+    <a:masterClrMapping/>
+  </p:clrMapOvr>
+</p:sld>
+</file>
+
+<file path=ppt/slides/slide7.xml><?xml version="1.0" encoding="utf-8"?>
+<p:sld xmlns:a="http://schemas.openxmlformats.org/drawingml/2006/main" xmlns:r="http://schemas.openxmlformats.org/officeDocument/2006/relationships" xmlns:p="http://schemas.openxmlformats.org/presentationml/2006/main">
+  <p:cSld>
+    <p:spTree>
+      <p:nvGrpSpPr>
+        <p:cNvPr id="1" name="">
+          <a:extLst>
+            <a:ext uri="{FF2B5EF4-FFF2-40B4-BE49-F238E27FC236}">
+              <a16:creationId xmlns:a16="http://schemas.microsoft.com/office/drawing/2014/main" id="{166EDEA1-1724-4600-FA90-AB6397033CCA}"/>
+            </a:ext>
+          </a:extLst>
+        </p:cNvPr>
+        <p:cNvGrpSpPr/>
+        <p:nvPr/>
+      </p:nvGrpSpPr>
+      <p:grpSpPr>
+        <a:xfrm>
+          <a:off x="0" y="0"/>
+          <a:ext cx="0" cy="0"/>
+          <a:chOff x="0" y="0"/>
+          <a:chExt cx="0" cy="0"/>
+        </a:xfrm>
+      </p:grpSpPr>
+      <p:sp>
+        <p:nvSpPr>
+          <p:cNvPr id="2" name="Title 1">
+            <a:extLst>
+              <a:ext uri="{FF2B5EF4-FFF2-40B4-BE49-F238E27FC236}">
+                <a16:creationId xmlns:a16="http://schemas.microsoft.com/office/drawing/2014/main" id="{F4C54337-913E-0EE8-B7AB-5824D99956CC}"/>
+              </a:ext>
+            </a:extLst>
+          </p:cNvPr>
+          <p:cNvSpPr>
+            <a:spLocks noGrp="1"/>
+          </p:cNvSpPr>
+          <p:nvPr>
+            <p:ph type="title"/>
+          </p:nvPr>
+        </p:nvSpPr>
+        <p:spPr>
+          <a:xfrm>
+            <a:off x="838200" y="365126"/>
+            <a:ext cx="10515600" cy="637410"/>
+          </a:xfrm>
+        </p:spPr>
+        <p:txBody>
+          <a:bodyPr>
+            <a:normAutofit/>
+          </a:bodyPr>
+          <a:lstStyle/>
+          <a:p>
+            <a:r>
+              <a:rPr lang="en-US" sz="3200" dirty="0"/>
+              <a:t>List - (I)</a:t>
+            </a:r>
+          </a:p>
+        </p:txBody>
+      </p:sp>
+      <p:sp>
+        <p:nvSpPr>
+          <p:cNvPr id="3" name="Content Placeholder 2">
+            <a:extLst>
+              <a:ext uri="{FF2B5EF4-FFF2-40B4-BE49-F238E27FC236}">
+                <a16:creationId xmlns:a16="http://schemas.microsoft.com/office/drawing/2014/main" id="{80691227-1AAC-D2F9-EDFA-0F8827F9EA02}"/>
+              </a:ext>
+            </a:extLst>
+          </p:cNvPr>
+          <p:cNvSpPr>
+            <a:spLocks noGrp="1"/>
+          </p:cNvSpPr>
+          <p:nvPr>
+            <p:ph idx="1"/>
+          </p:nvPr>
+        </p:nvSpPr>
+        <p:spPr>
+          <a:xfrm>
+            <a:off x="838200" y="1311008"/>
+            <a:ext cx="11292840" cy="2503346"/>
+          </a:xfrm>
+        </p:spPr>
+        <p:txBody>
+          <a:bodyPr>
+            <a:normAutofit/>
+          </a:bodyPr>
+          <a:lstStyle/>
+          <a:p>
+            <a:pPr marL="0" indent="0">
+              <a:buNone/>
+            </a:pPr>
+            <a:r>
+              <a:rPr lang="en-US" sz="2400" dirty="0">
+                <a:latin typeface="Courier New" panose="02070309020205020404" pitchFamily="49" charset="0"/>
+                <a:cs typeface="Courier New" panose="02070309020205020404" pitchFamily="49" charset="0"/>
+              </a:rPr>
+              <a:t>squares </a:t>
+            </a:r>
+            <a:r>
+              <a:rPr lang="en-US" sz="2400" dirty="0">
+                <a:effectLst/>
+                <a:latin typeface="Courier New" panose="02070309020205020404" pitchFamily="49" charset="0"/>
+                <a:cs typeface="Courier New" panose="02070309020205020404" pitchFamily="49" charset="0"/>
+              </a:rPr>
+              <a:t>=</a:t>
+            </a:r>
+            <a:r>
+              <a:rPr lang="en-US" sz="2400" dirty="0">
+                <a:latin typeface="Courier New" panose="02070309020205020404" pitchFamily="49" charset="0"/>
+                <a:cs typeface="Courier New" panose="02070309020205020404" pitchFamily="49" charset="0"/>
+              </a:rPr>
+              <a:t> [</a:t>
+            </a:r>
+            <a:r>
+              <a:rPr lang="en-US" sz="2400" dirty="0">
+                <a:effectLst/>
+                <a:latin typeface="Courier New" panose="02070309020205020404" pitchFamily="49" charset="0"/>
+                <a:cs typeface="Courier New" panose="02070309020205020404" pitchFamily="49" charset="0"/>
+              </a:rPr>
+              <a:t>1</a:t>
+            </a:r>
+            <a:r>
+              <a:rPr lang="en-US" sz="2400" dirty="0">
+                <a:latin typeface="Courier New" panose="02070309020205020404" pitchFamily="49" charset="0"/>
+                <a:cs typeface="Courier New" panose="02070309020205020404" pitchFamily="49" charset="0"/>
+              </a:rPr>
+              <a:t>, </a:t>
+            </a:r>
+            <a:r>
+              <a:rPr lang="en-US" sz="2400" dirty="0">
+                <a:effectLst/>
+                <a:latin typeface="Courier New" panose="02070309020205020404" pitchFamily="49" charset="0"/>
+                <a:cs typeface="Courier New" panose="02070309020205020404" pitchFamily="49" charset="0"/>
+              </a:rPr>
+              <a:t>4</a:t>
+            </a:r>
+            <a:r>
+              <a:rPr lang="en-US" sz="2400" dirty="0">
+                <a:latin typeface="Courier New" panose="02070309020205020404" pitchFamily="49" charset="0"/>
+                <a:cs typeface="Courier New" panose="02070309020205020404" pitchFamily="49" charset="0"/>
+              </a:rPr>
+              <a:t>, </a:t>
+            </a:r>
+            <a:r>
+              <a:rPr lang="en-US" sz="2400" dirty="0">
+                <a:effectLst/>
+                <a:latin typeface="Courier New" panose="02070309020205020404" pitchFamily="49" charset="0"/>
+                <a:cs typeface="Courier New" panose="02070309020205020404" pitchFamily="49" charset="0"/>
+              </a:rPr>
+              <a:t>9</a:t>
+            </a:r>
+            <a:r>
+              <a:rPr lang="en-US" sz="2400" dirty="0">
+                <a:latin typeface="Courier New" panose="02070309020205020404" pitchFamily="49" charset="0"/>
+                <a:cs typeface="Courier New" panose="02070309020205020404" pitchFamily="49" charset="0"/>
+              </a:rPr>
+              <a:t>, </a:t>
+            </a:r>
+            <a:r>
+              <a:rPr lang="en-US" sz="2400" dirty="0">
+                <a:effectLst/>
+                <a:latin typeface="Courier New" panose="02070309020205020404" pitchFamily="49" charset="0"/>
+                <a:cs typeface="Courier New" panose="02070309020205020404" pitchFamily="49" charset="0"/>
+              </a:rPr>
+              <a:t>25</a:t>
+            </a:r>
+            <a:r>
+              <a:rPr lang="en-US" sz="2400" dirty="0">
+                <a:latin typeface="Courier New" panose="02070309020205020404" pitchFamily="49" charset="0"/>
+                <a:cs typeface="Courier New" panose="02070309020205020404" pitchFamily="49" charset="0"/>
+              </a:rPr>
+              <a:t>]</a:t>
+            </a:r>
+          </a:p>
+          <a:p>
+            <a:pPr marL="0" indent="0">
+              <a:buNone/>
+            </a:pPr>
+            <a:r>
+              <a:rPr lang="en-US" sz="2400" dirty="0">
+                <a:latin typeface="Courier New" panose="02070309020205020404" pitchFamily="49" charset="0"/>
+                <a:cs typeface="Courier New" panose="02070309020205020404" pitchFamily="49" charset="0"/>
+              </a:rPr>
+              <a:t>squares[</a:t>
+            </a:r>
+            <a:r>
+              <a:rPr lang="en-US" sz="2400" dirty="0">
+                <a:effectLst/>
+                <a:latin typeface="Courier New" panose="02070309020205020404" pitchFamily="49" charset="0"/>
+                <a:cs typeface="Courier New" panose="02070309020205020404" pitchFamily="49" charset="0"/>
+              </a:rPr>
+              <a:t>0</a:t>
+            </a:r>
+            <a:r>
+              <a:rPr lang="en-US" sz="2400" dirty="0">
+                <a:latin typeface="Courier New" panose="02070309020205020404" pitchFamily="49" charset="0"/>
+                <a:cs typeface="Courier New" panose="02070309020205020404" pitchFamily="49" charset="0"/>
+              </a:rPr>
+              <a:t>] </a:t>
+            </a:r>
+            <a:r>
+              <a:rPr lang="zh-CN" altLang="en-US" sz="2400" dirty="0">
+                <a:latin typeface="Courier New" panose="02070309020205020404" pitchFamily="49" charset="0"/>
+                <a:cs typeface="Courier New" panose="02070309020205020404" pitchFamily="49" charset="0"/>
+              </a:rPr>
+              <a:t>  </a:t>
+            </a:r>
+            <a:r>
+              <a:rPr lang="en-US" altLang="zh-CN" sz="2400" dirty="0">
+                <a:latin typeface="Courier New" panose="02070309020205020404" pitchFamily="49" charset="0"/>
+                <a:cs typeface="Courier New" panose="02070309020205020404" pitchFamily="49" charset="0"/>
+              </a:rPr>
+              <a:t>#</a:t>
+            </a:r>
+            <a:r>
+              <a:rPr lang="en-US" sz="2400" i="1" dirty="0">
+                <a:effectLst/>
+                <a:latin typeface="Courier New" panose="02070309020205020404" pitchFamily="49" charset="0"/>
+                <a:cs typeface="Courier New" panose="02070309020205020404" pitchFamily="49" charset="0"/>
+              </a:rPr>
+              <a:t> indexing returns the item</a:t>
+            </a:r>
+            <a:r>
+              <a:rPr lang="en-US" sz="2400" dirty="0">
+                <a:latin typeface="Courier New" panose="02070309020205020404" pitchFamily="49" charset="0"/>
+                <a:cs typeface="Courier New" panose="02070309020205020404" pitchFamily="49" charset="0"/>
+              </a:rPr>
+              <a:t> </a:t>
+            </a:r>
+            <a:r>
+              <a:rPr lang="en-US" sz="2400" dirty="0">
+                <a:effectLst/>
+                <a:latin typeface="Courier New" panose="02070309020205020404" pitchFamily="49" charset="0"/>
+                <a:cs typeface="Courier New" panose="02070309020205020404" pitchFamily="49" charset="0"/>
+              </a:rPr>
+              <a:t>1</a:t>
+            </a:r>
+          </a:p>
+          <a:p>
+            <a:pPr marL="0" indent="0">
+              <a:buNone/>
+            </a:pPr>
+            <a:r>
+              <a:rPr lang="en-US" sz="2400" dirty="0">
+                <a:latin typeface="Courier New" panose="02070309020205020404" pitchFamily="49" charset="0"/>
+                <a:cs typeface="Courier New" panose="02070309020205020404" pitchFamily="49" charset="0"/>
+              </a:rPr>
+              <a:t>squares[</a:t>
+            </a:r>
+            <a:r>
+              <a:rPr lang="en-US" sz="2400" dirty="0">
+                <a:effectLst/>
+                <a:latin typeface="Courier New" panose="02070309020205020404" pitchFamily="49" charset="0"/>
+                <a:cs typeface="Courier New" panose="02070309020205020404" pitchFamily="49" charset="0"/>
+              </a:rPr>
+              <a:t>-1</a:t>
+            </a:r>
+            <a:r>
+              <a:rPr lang="en-US" sz="2400" dirty="0">
+                <a:latin typeface="Courier New" panose="02070309020205020404" pitchFamily="49" charset="0"/>
+                <a:cs typeface="Courier New" panose="02070309020205020404" pitchFamily="49" charset="0"/>
+              </a:rPr>
+              <a:t>] </a:t>
+            </a:r>
+            <a:r>
+              <a:rPr lang="zh-CN" altLang="en-US" sz="2400" dirty="0">
+                <a:latin typeface="Courier New" panose="02070309020205020404" pitchFamily="49" charset="0"/>
+                <a:cs typeface="Courier New" panose="02070309020205020404" pitchFamily="49" charset="0"/>
+              </a:rPr>
+              <a:t> </a:t>
+            </a:r>
+            <a:r>
+              <a:rPr lang="en-US" altLang="zh-CN" sz="2400" dirty="0">
+                <a:latin typeface="Courier New" panose="02070309020205020404" pitchFamily="49" charset="0"/>
+                <a:cs typeface="Courier New" panose="02070309020205020404" pitchFamily="49" charset="0"/>
+              </a:rPr>
+              <a:t>#</a:t>
+            </a:r>
+            <a:r>
+              <a:rPr lang="zh-CN" altLang="en-US" sz="2400" dirty="0">
+                <a:latin typeface="Courier New" panose="02070309020205020404" pitchFamily="49" charset="0"/>
+                <a:cs typeface="Courier New" panose="02070309020205020404" pitchFamily="49" charset="0"/>
+              </a:rPr>
+              <a:t> </a:t>
+            </a:r>
+            <a:r>
+              <a:rPr lang="en-US" sz="2400" dirty="0">
+                <a:effectLst/>
+                <a:latin typeface="Courier New" panose="02070309020205020404" pitchFamily="49" charset="0"/>
+                <a:cs typeface="Courier New" panose="02070309020205020404" pitchFamily="49" charset="0"/>
+              </a:rPr>
+              <a:t>25</a:t>
+            </a:r>
+          </a:p>
+          <a:p>
+            <a:pPr marL="0" indent="0">
+              <a:buNone/>
+            </a:pPr>
+            <a:r>
+              <a:rPr lang="en-US" sz="2400" dirty="0">
+                <a:latin typeface="Courier New" panose="02070309020205020404" pitchFamily="49" charset="0"/>
+                <a:cs typeface="Courier New" panose="02070309020205020404" pitchFamily="49" charset="0"/>
+              </a:rPr>
+              <a:t>squares[</a:t>
+            </a:r>
+            <a:r>
+              <a:rPr lang="en-US" sz="2400" dirty="0">
+                <a:effectLst/>
+                <a:latin typeface="Courier New" panose="02070309020205020404" pitchFamily="49" charset="0"/>
+                <a:cs typeface="Courier New" panose="02070309020205020404" pitchFamily="49" charset="0"/>
+              </a:rPr>
+              <a:t>-3</a:t>
+            </a:r>
+            <a:r>
+              <a:rPr lang="en-US" sz="2400" dirty="0">
+                <a:latin typeface="Courier New" panose="02070309020205020404" pitchFamily="49" charset="0"/>
+                <a:cs typeface="Courier New" panose="02070309020205020404" pitchFamily="49" charset="0"/>
+              </a:rPr>
+              <a:t>:] </a:t>
+            </a:r>
+            <a:r>
+              <a:rPr lang="en-US" altLang="zh-CN" sz="2400" dirty="0">
+                <a:latin typeface="Courier New" panose="02070309020205020404" pitchFamily="49" charset="0"/>
+                <a:cs typeface="Courier New" panose="02070309020205020404" pitchFamily="49" charset="0"/>
+              </a:rPr>
+              <a:t>#</a:t>
+            </a:r>
+            <a:r>
+              <a:rPr lang="en-US" sz="2400" i="1" dirty="0">
+                <a:effectLst/>
+                <a:latin typeface="Courier New" panose="02070309020205020404" pitchFamily="49" charset="0"/>
+                <a:cs typeface="Courier New" panose="02070309020205020404" pitchFamily="49" charset="0"/>
+              </a:rPr>
+              <a:t> slicing returns a new list</a:t>
+            </a:r>
+            <a:r>
+              <a:rPr lang="en-US" sz="2400" dirty="0">
+                <a:latin typeface="Courier New" panose="02070309020205020404" pitchFamily="49" charset="0"/>
+                <a:cs typeface="Courier New" panose="02070309020205020404" pitchFamily="49" charset="0"/>
+              </a:rPr>
+              <a:t> </a:t>
+            </a:r>
+            <a:r>
+              <a:rPr lang="en-US" sz="2400" dirty="0">
+                <a:effectLst/>
+                <a:latin typeface="Courier New" panose="02070309020205020404" pitchFamily="49" charset="0"/>
+                <a:cs typeface="Courier New" panose="02070309020205020404" pitchFamily="49" charset="0"/>
+              </a:rPr>
+              <a:t>[4, 9, 25]</a:t>
+            </a:r>
+          </a:p>
+          <a:p>
+            <a:pPr marL="0" indent="0">
+              <a:buNone/>
+            </a:pPr>
+            <a:r>
+              <a:rPr lang="en-US" sz="2400" dirty="0">
+                <a:latin typeface="Courier New" panose="02070309020205020404" pitchFamily="49" charset="0"/>
+                <a:cs typeface="Courier New" panose="02070309020205020404" pitchFamily="49" charset="0"/>
+              </a:rPr>
+              <a:t>squares + [36, 49] # [1, 4, 9, 25, 36, 49]</a:t>
+            </a:r>
+          </a:p>
+          <a:p>
+            <a:pPr marL="0" indent="0">
+              <a:buNone/>
+            </a:pPr>
+            <a:endParaRPr lang="en-US" sz="2400" dirty="0">
+              <a:effectLst/>
+              <a:latin typeface="Courier New" panose="02070309020205020404" pitchFamily="49" charset="0"/>
+              <a:cs typeface="Courier New" panose="02070309020205020404" pitchFamily="49" charset="0"/>
+            </a:endParaRPr>
+          </a:p>
+        </p:txBody>
+      </p:sp>
+      <p:sp>
+        <p:nvSpPr>
+          <p:cNvPr id="4" name="Content Placeholder 2">
+            <a:extLst>
+              <a:ext uri="{FF2B5EF4-FFF2-40B4-BE49-F238E27FC236}">
+                <a16:creationId xmlns:a16="http://schemas.microsoft.com/office/drawing/2014/main" id="{96660918-A204-2A29-56EE-E7182190176F}"/>
+              </a:ext>
+            </a:extLst>
+          </p:cNvPr>
+          <p:cNvSpPr txBox="1">
+            <a:spLocks/>
+          </p:cNvSpPr>
+          <p:nvPr/>
+        </p:nvSpPr>
+        <p:spPr>
+          <a:xfrm>
+            <a:off x="838200" y="4658229"/>
+            <a:ext cx="11292840" cy="984557"/>
+          </a:xfrm>
+          <a:prstGeom prst="rect">
+            <a:avLst/>
+          </a:prstGeom>
+        </p:spPr>
+        <p:txBody>
+          <a:bodyPr vert="horz" lIns="91440" tIns="45720" rIns="91440" bIns="45720" rtlCol="0">
+            <a:normAutofit/>
+          </a:bodyPr>
+          <a:lstStyle>
+            <a:lvl1pPr marL="228600" indent="-228600" algn="l" defTabSz="914400" rtl="0" eaLnBrk="1" latinLnBrk="0" hangingPunct="1">
+              <a:lnSpc>
+                <a:spcPct val="90000"/>
+              </a:lnSpc>
+              <a:spcBef>
+                <a:spcPts val="1000"/>
+              </a:spcBef>
+              <a:buFont typeface="Arial" panose="020B0604020202020204" pitchFamily="34" charset="0"/>
+              <a:buChar char="•"/>
+              <a:defRPr sz="2800" kern="1200">
+                <a:solidFill>
+                  <a:schemeClr val="tx1"/>
+                </a:solidFill>
+                <a:latin typeface="+mn-lt"/>
+                <a:ea typeface="+mn-ea"/>
+                <a:cs typeface="+mn-cs"/>
+              </a:defRPr>
+            </a:lvl1pPr>
+            <a:lvl2pPr marL="685800" indent="-228600" algn="l" defTabSz="914400" rtl="0" eaLnBrk="1" latinLnBrk="0" hangingPunct="1">
+              <a:lnSpc>
+                <a:spcPct val="90000"/>
+              </a:lnSpc>
+              <a:spcBef>
+                <a:spcPts val="500"/>
+              </a:spcBef>
+              <a:buFont typeface="Arial" panose="020B0604020202020204" pitchFamily="34" charset="0"/>
+              <a:buChar char="•"/>
+              <a:defRPr sz="2400" kern="1200">
+                <a:solidFill>
+                  <a:schemeClr val="tx1"/>
+                </a:solidFill>
+                <a:latin typeface="+mn-lt"/>
+                <a:ea typeface="+mn-ea"/>
+                <a:cs typeface="+mn-cs"/>
+              </a:defRPr>
+            </a:lvl2pPr>
+            <a:lvl3pPr marL="1143000" indent="-228600" algn="l" defTabSz="914400" rtl="0" eaLnBrk="1" latinLnBrk="0" hangingPunct="1">
+              <a:lnSpc>
+                <a:spcPct val="90000"/>
+              </a:lnSpc>
+              <a:spcBef>
+                <a:spcPts val="500"/>
+              </a:spcBef>
+              <a:buFont typeface="Arial" panose="020B0604020202020204" pitchFamily="34" charset="0"/>
+              <a:buChar char="•"/>
+              <a:defRPr sz="2000" kern="1200">
+                <a:solidFill>
+                  <a:schemeClr val="tx1"/>
+                </a:solidFill>
+                <a:latin typeface="+mn-lt"/>
+                <a:ea typeface="+mn-ea"/>
+                <a:cs typeface="+mn-cs"/>
+              </a:defRPr>
+            </a:lvl3pPr>
+            <a:lvl4pPr marL="1600200" indent="-228600" algn="l" defTabSz="914400" rtl="0" eaLnBrk="1" latinLnBrk="0" hangingPunct="1">
+              <a:lnSpc>
+                <a:spcPct val="90000"/>
+              </a:lnSpc>
+              <a:spcBef>
+                <a:spcPts val="500"/>
+              </a:spcBef>
+              <a:buFont typeface="Arial" panose="020B0604020202020204" pitchFamily="34" charset="0"/>
+              <a:buChar char="•"/>
+              <a:defRPr sz="1800" kern="1200">
+                <a:solidFill>
+                  <a:schemeClr val="tx1"/>
+                </a:solidFill>
+                <a:latin typeface="+mn-lt"/>
+                <a:ea typeface="+mn-ea"/>
+                <a:cs typeface="+mn-cs"/>
+              </a:defRPr>
+            </a:lvl4pPr>
+            <a:lvl5pPr marL="2057400" indent="-228600" algn="l" defTabSz="914400" rtl="0" eaLnBrk="1" latinLnBrk="0" hangingPunct="1">
+              <a:lnSpc>
+                <a:spcPct val="90000"/>
+              </a:lnSpc>
+              <a:spcBef>
+                <a:spcPts val="500"/>
+              </a:spcBef>
+              <a:buFont typeface="Arial" panose="020B0604020202020204" pitchFamily="34" charset="0"/>
+              <a:buChar char="•"/>
+              <a:defRPr sz="1800" kern="1200">
+                <a:solidFill>
+                  <a:schemeClr val="tx1"/>
+                </a:solidFill>
+                <a:latin typeface="+mn-lt"/>
+                <a:ea typeface="+mn-ea"/>
+                <a:cs typeface="+mn-cs"/>
+              </a:defRPr>
+            </a:lvl5pPr>
+            <a:lvl6pPr marL="2514600" indent="-228600" algn="l" defTabSz="914400" rtl="0" eaLnBrk="1" latinLnBrk="0" hangingPunct="1">
+              <a:lnSpc>
+                <a:spcPct val="90000"/>
+              </a:lnSpc>
+              <a:spcBef>
+                <a:spcPts val="500"/>
+              </a:spcBef>
+              <a:buFont typeface="Arial" panose="020B0604020202020204" pitchFamily="34" charset="0"/>
+              <a:buChar char="•"/>
+              <a:defRPr sz="1800" kern="1200">
+                <a:solidFill>
+                  <a:schemeClr val="tx1"/>
+                </a:solidFill>
+                <a:latin typeface="+mn-lt"/>
+                <a:ea typeface="+mn-ea"/>
+                <a:cs typeface="+mn-cs"/>
+              </a:defRPr>
+            </a:lvl6pPr>
+            <a:lvl7pPr marL="2971800" indent="-228600" algn="l" defTabSz="914400" rtl="0" eaLnBrk="1" latinLnBrk="0" hangingPunct="1">
+              <a:lnSpc>
+                <a:spcPct val="90000"/>
+              </a:lnSpc>
+              <a:spcBef>
+                <a:spcPts val="500"/>
+              </a:spcBef>
+              <a:buFont typeface="Arial" panose="020B0604020202020204" pitchFamily="34" charset="0"/>
+              <a:buChar char="•"/>
+              <a:defRPr sz="1800" kern="1200">
+                <a:solidFill>
+                  <a:schemeClr val="tx1"/>
+                </a:solidFill>
+                <a:latin typeface="+mn-lt"/>
+                <a:ea typeface="+mn-ea"/>
+                <a:cs typeface="+mn-cs"/>
+              </a:defRPr>
+            </a:lvl7pPr>
+            <a:lvl8pPr marL="3429000" indent="-228600" algn="l" defTabSz="914400" rtl="0" eaLnBrk="1" latinLnBrk="0" hangingPunct="1">
+              <a:lnSpc>
+                <a:spcPct val="90000"/>
+              </a:lnSpc>
+              <a:spcBef>
+                <a:spcPts val="500"/>
+              </a:spcBef>
+              <a:buFont typeface="Arial" panose="020B0604020202020204" pitchFamily="34" charset="0"/>
+              <a:buChar char="•"/>
+              <a:defRPr sz="1800" kern="1200">
+                <a:solidFill>
+                  <a:schemeClr val="tx1"/>
+                </a:solidFill>
+                <a:latin typeface="+mn-lt"/>
+                <a:ea typeface="+mn-ea"/>
+                <a:cs typeface="+mn-cs"/>
+              </a:defRPr>
+            </a:lvl8pPr>
+            <a:lvl9pPr marL="3886200" indent="-228600" algn="l" defTabSz="914400" rtl="0" eaLnBrk="1" latinLnBrk="0" hangingPunct="1">
+              <a:lnSpc>
+                <a:spcPct val="90000"/>
+              </a:lnSpc>
+              <a:spcBef>
+                <a:spcPts val="500"/>
+              </a:spcBef>
+              <a:buFont typeface="Arial" panose="020B0604020202020204" pitchFamily="34" charset="0"/>
+              <a:buChar char="•"/>
+              <a:defRPr sz="1800" kern="1200">
+                <a:solidFill>
+                  <a:schemeClr val="tx1"/>
+                </a:solidFill>
+                <a:latin typeface="+mn-lt"/>
+                <a:ea typeface="+mn-ea"/>
+                <a:cs typeface="+mn-cs"/>
+              </a:defRPr>
+            </a:lvl9pPr>
+          </a:lstStyle>
+          <a:p>
+            <a:pPr marL="0" indent="0">
+              <a:buNone/>
+            </a:pPr>
+            <a:r>
+              <a:rPr lang="en-US" sz="2400" dirty="0">
+                <a:latin typeface="Courier New" panose="02070309020205020404" pitchFamily="49" charset="0"/>
+                <a:cs typeface="Courier New" panose="02070309020205020404" pitchFamily="49" charset="0"/>
+              </a:rPr>
+              <a:t>squares[2] = 100 # [</a:t>
+            </a:r>
+            <a:r>
+              <a:rPr lang="en-US" sz="2400" dirty="0">
+                <a:effectLst/>
+                <a:latin typeface="Courier New" panose="02070309020205020404" pitchFamily="49" charset="0"/>
+                <a:cs typeface="Courier New" panose="02070309020205020404" pitchFamily="49" charset="0"/>
+              </a:rPr>
+              <a:t>1</a:t>
+            </a:r>
+            <a:r>
+              <a:rPr lang="en-US" sz="2400" dirty="0">
+                <a:latin typeface="Courier New" panose="02070309020205020404" pitchFamily="49" charset="0"/>
+                <a:cs typeface="Courier New" panose="02070309020205020404" pitchFamily="49" charset="0"/>
+              </a:rPr>
+              <a:t>, 100, </a:t>
+            </a:r>
+            <a:r>
+              <a:rPr lang="en-US" sz="2400" dirty="0">
+                <a:effectLst/>
+                <a:latin typeface="Courier New" panose="02070309020205020404" pitchFamily="49" charset="0"/>
+                <a:cs typeface="Courier New" panose="02070309020205020404" pitchFamily="49" charset="0"/>
+              </a:rPr>
+              <a:t>9</a:t>
+            </a:r>
+            <a:r>
+              <a:rPr lang="en-US" sz="2400" dirty="0">
+                <a:latin typeface="Courier New" panose="02070309020205020404" pitchFamily="49" charset="0"/>
+                <a:cs typeface="Courier New" panose="02070309020205020404" pitchFamily="49" charset="0"/>
+              </a:rPr>
+              <a:t>, </a:t>
+            </a:r>
+            <a:r>
+              <a:rPr lang="en-US" sz="2400" dirty="0">
+                <a:effectLst/>
+                <a:latin typeface="Courier New" panose="02070309020205020404" pitchFamily="49" charset="0"/>
+                <a:cs typeface="Courier New" panose="02070309020205020404" pitchFamily="49" charset="0"/>
+              </a:rPr>
+              <a:t>25</a:t>
+            </a:r>
+            <a:r>
+              <a:rPr lang="en-US" sz="2400" dirty="0">
+                <a:latin typeface="Courier New" panose="02070309020205020404" pitchFamily="49" charset="0"/>
+                <a:cs typeface="Courier New" panose="02070309020205020404" pitchFamily="49" charset="0"/>
+              </a:rPr>
+              <a:t>]</a:t>
+            </a:r>
+          </a:p>
+          <a:p>
+            <a:pPr marL="0" indent="0">
+              <a:buNone/>
+            </a:pPr>
+            <a:r>
+              <a:rPr lang="en-US" sz="2400" dirty="0" err="1">
+                <a:latin typeface="Courier New" panose="02070309020205020404" pitchFamily="49" charset="0"/>
+                <a:cs typeface="Courier New" panose="02070309020205020404" pitchFamily="49" charset="0"/>
+              </a:rPr>
+              <a:t>squares.append</a:t>
+            </a:r>
+            <a:r>
+              <a:rPr lang="en-US" sz="2400" dirty="0">
+                <a:latin typeface="Courier New" panose="02070309020205020404" pitchFamily="49" charset="0"/>
+                <a:cs typeface="Courier New" panose="02070309020205020404" pitchFamily="49" charset="0"/>
+              </a:rPr>
+              <a:t>(36) # [</a:t>
+            </a:r>
+            <a:r>
+              <a:rPr lang="en-US" sz="2400" dirty="0">
+                <a:effectLst/>
+                <a:latin typeface="Courier New" panose="02070309020205020404" pitchFamily="49" charset="0"/>
+                <a:cs typeface="Courier New" panose="02070309020205020404" pitchFamily="49" charset="0"/>
+              </a:rPr>
+              <a:t>1</a:t>
+            </a:r>
+            <a:r>
+              <a:rPr lang="en-US" sz="2400" dirty="0">
+                <a:latin typeface="Courier New" panose="02070309020205020404" pitchFamily="49" charset="0"/>
+                <a:cs typeface="Courier New" panose="02070309020205020404" pitchFamily="49" charset="0"/>
+              </a:rPr>
+              <a:t>, 100, </a:t>
+            </a:r>
+            <a:r>
+              <a:rPr lang="en-US" sz="2400" dirty="0">
+                <a:effectLst/>
+                <a:latin typeface="Courier New" panose="02070309020205020404" pitchFamily="49" charset="0"/>
+                <a:cs typeface="Courier New" panose="02070309020205020404" pitchFamily="49" charset="0"/>
+              </a:rPr>
+              <a:t>9</a:t>
+            </a:r>
+            <a:r>
+              <a:rPr lang="en-US" sz="2400" dirty="0">
+                <a:latin typeface="Courier New" panose="02070309020205020404" pitchFamily="49" charset="0"/>
+                <a:cs typeface="Courier New" panose="02070309020205020404" pitchFamily="49" charset="0"/>
+              </a:rPr>
+              <a:t>, </a:t>
+            </a:r>
+            <a:r>
+              <a:rPr lang="en-US" sz="2400" dirty="0">
+                <a:effectLst/>
+                <a:latin typeface="Courier New" panose="02070309020205020404" pitchFamily="49" charset="0"/>
+                <a:cs typeface="Courier New" panose="02070309020205020404" pitchFamily="49" charset="0"/>
+              </a:rPr>
+              <a:t>25, 36</a:t>
+            </a:r>
+            <a:r>
+              <a:rPr lang="en-US" sz="2400" dirty="0">
+                <a:latin typeface="Courier New" panose="02070309020205020404" pitchFamily="49" charset="0"/>
+                <a:cs typeface="Courier New" panose="02070309020205020404" pitchFamily="49" charset="0"/>
+              </a:rPr>
+              <a:t>]</a:t>
+            </a:r>
+          </a:p>
+        </p:txBody>
+      </p:sp>
+      <p:sp>
+        <p:nvSpPr>
+          <p:cNvPr id="5" name="TextBox 4">
+            <a:extLst>
+              <a:ext uri="{FF2B5EF4-FFF2-40B4-BE49-F238E27FC236}">
+                <a16:creationId xmlns:a16="http://schemas.microsoft.com/office/drawing/2014/main" id="{C888C9FF-B64B-C5FC-0C4F-2D258A6B32A4}"/>
+              </a:ext>
+            </a:extLst>
+          </p:cNvPr>
+          <p:cNvSpPr txBox="1"/>
+          <p:nvPr/>
+        </p:nvSpPr>
+        <p:spPr>
+          <a:xfrm>
+            <a:off x="729342" y="3891993"/>
+            <a:ext cx="2337499" cy="523220"/>
+          </a:xfrm>
+          <a:prstGeom prst="rect">
+            <a:avLst/>
+          </a:prstGeom>
+          <a:noFill/>
+        </p:spPr>
+        <p:txBody>
+          <a:bodyPr wrap="none" rtlCol="0">
+            <a:spAutoFit/>
+          </a:bodyPr>
+          <a:lstStyle/>
+          <a:p>
+            <a:r>
+              <a:rPr lang="en-US" sz="2800" dirty="0">
+                <a:latin typeface="Calibri Light" panose="020F0302020204030204" pitchFamily="34" charset="0"/>
+                <a:cs typeface="Calibri Light" panose="020F0302020204030204" pitchFamily="34" charset="0"/>
+              </a:rPr>
+              <a:t>List is mutable:</a:t>
+            </a:r>
+          </a:p>
+        </p:txBody>
+      </p:sp>
+    </p:spTree>
+    <p:extLst>
+      <p:ext uri="{BB962C8B-B14F-4D97-AF65-F5344CB8AC3E}">
+        <p14:creationId xmlns:p14="http://schemas.microsoft.com/office/powerpoint/2010/main" val="3757105038"/>
+      </p:ext>
+    </p:extLst>
+  </p:cSld>
+  <p:clrMapOvr>
+    <a:masterClrMapping/>
+  </p:clrMapOvr>
+</p:sld>
+</file>
+
+<file path=ppt/slides/slide8.xml><?xml version="1.0" encoding="utf-8"?>
+<p:sld xmlns:a="http://schemas.openxmlformats.org/drawingml/2006/main" xmlns:r="http://schemas.openxmlformats.org/officeDocument/2006/relationships" xmlns:p="http://schemas.openxmlformats.org/presentationml/2006/main">
+  <p:cSld>
+    <p:spTree>
+      <p:nvGrpSpPr>
+        <p:cNvPr id="1" name="">
+          <a:extLst>
+            <a:ext uri="{FF2B5EF4-FFF2-40B4-BE49-F238E27FC236}">
+              <a16:creationId xmlns:a16="http://schemas.microsoft.com/office/drawing/2014/main" id="{16BBBCFF-D419-17B4-EE47-B88775013C4F}"/>
+            </a:ext>
+          </a:extLst>
+        </p:cNvPr>
+        <p:cNvGrpSpPr/>
+        <p:nvPr/>
+      </p:nvGrpSpPr>
+      <p:grpSpPr>
+        <a:xfrm>
+          <a:off x="0" y="0"/>
+          <a:ext cx="0" cy="0"/>
+          <a:chOff x="0" y="0"/>
+          <a:chExt cx="0" cy="0"/>
+        </a:xfrm>
+      </p:grpSpPr>
+      <p:sp>
+        <p:nvSpPr>
+          <p:cNvPr id="2" name="Title 1">
+            <a:extLst>
+              <a:ext uri="{FF2B5EF4-FFF2-40B4-BE49-F238E27FC236}">
+                <a16:creationId xmlns:a16="http://schemas.microsoft.com/office/drawing/2014/main" id="{466B0696-E2E5-E15D-574A-E9C15336F4D7}"/>
+              </a:ext>
+            </a:extLst>
+          </p:cNvPr>
+          <p:cNvSpPr>
+            <a:spLocks noGrp="1"/>
+          </p:cNvSpPr>
+          <p:nvPr>
+            <p:ph type="title"/>
+          </p:nvPr>
+        </p:nvSpPr>
+        <p:spPr>
+          <a:xfrm>
+            <a:off x="838200" y="365126"/>
+            <a:ext cx="10515600" cy="637410"/>
+          </a:xfrm>
+        </p:spPr>
+        <p:txBody>
+          <a:bodyPr>
+            <a:normAutofit/>
+          </a:bodyPr>
+          <a:lstStyle/>
+          <a:p>
+            <a:r>
+              <a:rPr lang="en-US" sz="3200" dirty="0"/>
+              <a:t>List - (II)</a:t>
+            </a:r>
+          </a:p>
+        </p:txBody>
+      </p:sp>
+      <p:sp>
+        <p:nvSpPr>
+          <p:cNvPr id="3" name="Content Placeholder 2">
+            <a:extLst>
+              <a:ext uri="{FF2B5EF4-FFF2-40B4-BE49-F238E27FC236}">
+                <a16:creationId xmlns:a16="http://schemas.microsoft.com/office/drawing/2014/main" id="{C7FF0753-5E5C-4B08-2743-51ED94509276}"/>
+              </a:ext>
+            </a:extLst>
+          </p:cNvPr>
+          <p:cNvSpPr>
+            <a:spLocks noGrp="1"/>
+          </p:cNvSpPr>
+          <p:nvPr>
+            <p:ph idx="1"/>
+          </p:nvPr>
+        </p:nvSpPr>
+        <p:spPr>
+          <a:xfrm>
+            <a:off x="838199" y="1311007"/>
+            <a:ext cx="10331245" cy="3644169"/>
+          </a:xfrm>
+        </p:spPr>
+        <p:txBody>
+          <a:bodyPr>
+            <a:noAutofit/>
+          </a:bodyPr>
+          <a:lstStyle/>
+          <a:p>
+            <a:pPr marL="0" indent="0">
+              <a:buNone/>
+            </a:pPr>
+            <a:r>
+              <a:rPr lang="en-US" dirty="0">
+                <a:latin typeface="Courier New" panose="02070309020205020404" pitchFamily="49" charset="0"/>
+                <a:cs typeface="Courier New" panose="02070309020205020404" pitchFamily="49" charset="0"/>
+              </a:rPr>
+              <a:t>a </a:t>
+            </a:r>
+            <a:r>
+              <a:rPr lang="en-US" dirty="0">
+                <a:solidFill>
+                  <a:srgbClr val="666666"/>
+                </a:solidFill>
+                <a:effectLst/>
+                <a:latin typeface="Courier New" panose="02070309020205020404" pitchFamily="49" charset="0"/>
+                <a:cs typeface="Courier New" panose="02070309020205020404" pitchFamily="49" charset="0"/>
+              </a:rPr>
+              <a:t>=</a:t>
+            </a:r>
+            <a:r>
+              <a:rPr lang="en-US" dirty="0">
+                <a:latin typeface="Courier New" panose="02070309020205020404" pitchFamily="49" charset="0"/>
+                <a:cs typeface="Courier New" panose="02070309020205020404" pitchFamily="49" charset="0"/>
+              </a:rPr>
+              <a:t> [</a:t>
+            </a:r>
+            <a:r>
+              <a:rPr lang="en-US" dirty="0">
+                <a:solidFill>
+                  <a:srgbClr val="BA2121"/>
+                </a:solidFill>
+                <a:effectLst/>
+                <a:latin typeface="Courier New" panose="02070309020205020404" pitchFamily="49" charset="0"/>
+                <a:cs typeface="Courier New" panose="02070309020205020404" pitchFamily="49" charset="0"/>
+              </a:rPr>
+              <a:t>'a'</a:t>
+            </a:r>
+            <a:r>
+              <a:rPr lang="en-US" dirty="0">
+                <a:latin typeface="Courier New" panose="02070309020205020404" pitchFamily="49" charset="0"/>
+                <a:cs typeface="Courier New" panose="02070309020205020404" pitchFamily="49" charset="0"/>
+              </a:rPr>
+              <a:t>, </a:t>
+            </a:r>
+            <a:r>
+              <a:rPr lang="en-US" dirty="0">
+                <a:solidFill>
+                  <a:srgbClr val="BA2121"/>
+                </a:solidFill>
+                <a:effectLst/>
+                <a:latin typeface="Courier New" panose="02070309020205020404" pitchFamily="49" charset="0"/>
+                <a:cs typeface="Courier New" panose="02070309020205020404" pitchFamily="49" charset="0"/>
+              </a:rPr>
+              <a:t>'b'</a:t>
+            </a:r>
+            <a:r>
+              <a:rPr lang="en-US" dirty="0">
+                <a:latin typeface="Courier New" panose="02070309020205020404" pitchFamily="49" charset="0"/>
+                <a:cs typeface="Courier New" panose="02070309020205020404" pitchFamily="49" charset="0"/>
+              </a:rPr>
+              <a:t>, </a:t>
+            </a:r>
+            <a:r>
+              <a:rPr lang="en-US" dirty="0">
+                <a:solidFill>
+                  <a:srgbClr val="BA2121"/>
+                </a:solidFill>
+                <a:effectLst/>
+                <a:latin typeface="Courier New" panose="02070309020205020404" pitchFamily="49" charset="0"/>
+                <a:cs typeface="Courier New" panose="02070309020205020404" pitchFamily="49" charset="0"/>
+              </a:rPr>
+              <a:t>'c'</a:t>
+            </a:r>
+            <a:r>
+              <a:rPr lang="en-US" dirty="0">
+                <a:latin typeface="Courier New" panose="02070309020205020404" pitchFamily="49" charset="0"/>
+                <a:cs typeface="Courier New" panose="02070309020205020404" pitchFamily="49" charset="0"/>
+              </a:rPr>
+              <a:t>] </a:t>
+            </a:r>
+            <a:endParaRPr lang="en-US" b="1" dirty="0">
+              <a:solidFill>
+                <a:srgbClr val="000080"/>
+              </a:solidFill>
+              <a:latin typeface="Courier New" panose="02070309020205020404" pitchFamily="49" charset="0"/>
+              <a:cs typeface="Courier New" panose="02070309020205020404" pitchFamily="49" charset="0"/>
+            </a:endParaRPr>
+          </a:p>
+          <a:p>
+            <a:pPr marL="0" indent="0">
+              <a:buNone/>
+            </a:pPr>
+            <a:r>
+              <a:rPr lang="en-US" dirty="0">
+                <a:latin typeface="Courier New" panose="02070309020205020404" pitchFamily="49" charset="0"/>
+                <a:cs typeface="Courier New" panose="02070309020205020404" pitchFamily="49" charset="0"/>
+              </a:rPr>
+              <a:t>n </a:t>
+            </a:r>
+            <a:r>
+              <a:rPr lang="en-US" dirty="0">
+                <a:solidFill>
+                  <a:srgbClr val="666666"/>
+                </a:solidFill>
+                <a:effectLst/>
+                <a:latin typeface="Courier New" panose="02070309020205020404" pitchFamily="49" charset="0"/>
+                <a:cs typeface="Courier New" panose="02070309020205020404" pitchFamily="49" charset="0"/>
+              </a:rPr>
+              <a:t>=</a:t>
+            </a:r>
+            <a:r>
+              <a:rPr lang="en-US" dirty="0">
+                <a:latin typeface="Courier New" panose="02070309020205020404" pitchFamily="49" charset="0"/>
+                <a:cs typeface="Courier New" panose="02070309020205020404" pitchFamily="49" charset="0"/>
+              </a:rPr>
+              <a:t> [</a:t>
+            </a:r>
+            <a:r>
+              <a:rPr lang="en-US" dirty="0">
+                <a:solidFill>
+                  <a:srgbClr val="666666"/>
+                </a:solidFill>
+                <a:effectLst/>
+                <a:latin typeface="Courier New" panose="02070309020205020404" pitchFamily="49" charset="0"/>
+                <a:cs typeface="Courier New" panose="02070309020205020404" pitchFamily="49" charset="0"/>
+              </a:rPr>
+              <a:t>1</a:t>
+            </a:r>
+            <a:r>
+              <a:rPr lang="en-US" dirty="0">
+                <a:latin typeface="Courier New" panose="02070309020205020404" pitchFamily="49" charset="0"/>
+                <a:cs typeface="Courier New" panose="02070309020205020404" pitchFamily="49" charset="0"/>
+              </a:rPr>
+              <a:t>, </a:t>
+            </a:r>
+            <a:r>
+              <a:rPr lang="en-US" dirty="0">
+                <a:solidFill>
+                  <a:srgbClr val="666666"/>
+                </a:solidFill>
+                <a:effectLst/>
+                <a:latin typeface="Courier New" panose="02070309020205020404" pitchFamily="49" charset="0"/>
+                <a:cs typeface="Courier New" panose="02070309020205020404" pitchFamily="49" charset="0"/>
+              </a:rPr>
+              <a:t>2</a:t>
+            </a:r>
+            <a:r>
+              <a:rPr lang="en-US" dirty="0">
+                <a:latin typeface="Courier New" panose="02070309020205020404" pitchFamily="49" charset="0"/>
+                <a:cs typeface="Courier New" panose="02070309020205020404" pitchFamily="49" charset="0"/>
+              </a:rPr>
+              <a:t>, </a:t>
+            </a:r>
+            <a:r>
+              <a:rPr lang="en-US" dirty="0">
+                <a:solidFill>
+                  <a:srgbClr val="666666"/>
+                </a:solidFill>
+                <a:effectLst/>
+                <a:latin typeface="Courier New" panose="02070309020205020404" pitchFamily="49" charset="0"/>
+                <a:cs typeface="Courier New" panose="02070309020205020404" pitchFamily="49" charset="0"/>
+              </a:rPr>
+              <a:t>3</a:t>
+            </a:r>
+            <a:r>
+              <a:rPr lang="en-US" dirty="0">
+                <a:latin typeface="Courier New" panose="02070309020205020404" pitchFamily="49" charset="0"/>
+                <a:cs typeface="Courier New" panose="02070309020205020404" pitchFamily="49" charset="0"/>
+              </a:rPr>
+              <a:t>]</a:t>
+            </a:r>
+          </a:p>
+          <a:p>
+            <a:pPr marL="0" indent="0">
+              <a:buNone/>
+            </a:pPr>
+            <a:r>
+              <a:rPr lang="en-US" dirty="0">
+                <a:latin typeface="Courier New" panose="02070309020205020404" pitchFamily="49" charset="0"/>
+                <a:cs typeface="Courier New" panose="02070309020205020404" pitchFamily="49" charset="0"/>
+              </a:rPr>
+              <a:t>x </a:t>
+            </a:r>
+            <a:r>
+              <a:rPr lang="en-US" dirty="0">
+                <a:solidFill>
+                  <a:srgbClr val="666666"/>
+                </a:solidFill>
+                <a:effectLst/>
+                <a:latin typeface="Courier New" panose="02070309020205020404" pitchFamily="49" charset="0"/>
+                <a:cs typeface="Courier New" panose="02070309020205020404" pitchFamily="49" charset="0"/>
+              </a:rPr>
+              <a:t>=</a:t>
+            </a:r>
+            <a:r>
+              <a:rPr lang="en-US" dirty="0">
+                <a:latin typeface="Courier New" panose="02070309020205020404" pitchFamily="49" charset="0"/>
+                <a:cs typeface="Courier New" panose="02070309020205020404" pitchFamily="49" charset="0"/>
+              </a:rPr>
+              <a:t> [a, n]</a:t>
+            </a:r>
+          </a:p>
+          <a:p>
+            <a:pPr marL="0" indent="0">
+              <a:buNone/>
+            </a:pPr>
+            <a:r>
+              <a:rPr lang="en-US" dirty="0">
+                <a:latin typeface="Courier New" panose="02070309020205020404" pitchFamily="49" charset="0"/>
+                <a:cs typeface="Courier New" panose="02070309020205020404" pitchFamily="49" charset="0"/>
+              </a:rPr>
+              <a:t>x            # </a:t>
+            </a:r>
+            <a:r>
+              <a:rPr lang="en-US" dirty="0">
+                <a:solidFill>
+                  <a:srgbClr val="717171"/>
+                </a:solidFill>
+                <a:effectLst/>
+                <a:latin typeface="Courier New" panose="02070309020205020404" pitchFamily="49" charset="0"/>
+                <a:cs typeface="Courier New" panose="02070309020205020404" pitchFamily="49" charset="0"/>
+              </a:rPr>
+              <a:t>[['a', 'b', 'c'], [1, 2, 3]]</a:t>
+            </a:r>
+          </a:p>
+          <a:p>
+            <a:pPr marL="0" indent="0">
+              <a:buNone/>
+            </a:pPr>
+            <a:r>
+              <a:rPr lang="en-US" dirty="0">
+                <a:latin typeface="Courier New" panose="02070309020205020404" pitchFamily="49" charset="0"/>
+                <a:cs typeface="Courier New" panose="02070309020205020404" pitchFamily="49" charset="0"/>
+              </a:rPr>
+              <a:t>x[</a:t>
+            </a:r>
+            <a:r>
+              <a:rPr lang="en-US" dirty="0">
+                <a:solidFill>
+                  <a:srgbClr val="666666"/>
+                </a:solidFill>
+                <a:effectLst/>
+                <a:latin typeface="Courier New" panose="02070309020205020404" pitchFamily="49" charset="0"/>
+                <a:cs typeface="Courier New" panose="02070309020205020404" pitchFamily="49" charset="0"/>
+              </a:rPr>
+              <a:t>0</a:t>
+            </a:r>
+            <a:r>
+              <a:rPr lang="en-US" dirty="0">
+                <a:latin typeface="Courier New" panose="02070309020205020404" pitchFamily="49" charset="0"/>
+                <a:cs typeface="Courier New" panose="02070309020205020404" pitchFamily="49" charset="0"/>
+              </a:rPr>
+              <a:t>]         # </a:t>
+            </a:r>
+            <a:r>
+              <a:rPr lang="en-US" dirty="0">
+                <a:solidFill>
+                  <a:srgbClr val="717171"/>
+                </a:solidFill>
+                <a:effectLst/>
+                <a:latin typeface="Courier New" panose="02070309020205020404" pitchFamily="49" charset="0"/>
+                <a:cs typeface="Courier New" panose="02070309020205020404" pitchFamily="49" charset="0"/>
+              </a:rPr>
+              <a:t>['a', 'b', 'c’]</a:t>
+            </a:r>
+          </a:p>
+          <a:p>
+            <a:pPr marL="0" indent="0">
+              <a:buNone/>
+            </a:pPr>
+            <a:r>
+              <a:rPr lang="en-US" dirty="0">
+                <a:latin typeface="Courier New" panose="02070309020205020404" pitchFamily="49" charset="0"/>
+                <a:cs typeface="Courier New" panose="02070309020205020404" pitchFamily="49" charset="0"/>
+              </a:rPr>
+              <a:t>x[</a:t>
+            </a:r>
+            <a:r>
+              <a:rPr lang="en-US" dirty="0">
+                <a:solidFill>
+                  <a:srgbClr val="666666"/>
+                </a:solidFill>
+                <a:effectLst/>
+                <a:latin typeface="Courier New" panose="02070309020205020404" pitchFamily="49" charset="0"/>
+                <a:cs typeface="Courier New" panose="02070309020205020404" pitchFamily="49" charset="0"/>
+              </a:rPr>
+              <a:t>0</a:t>
+            </a:r>
+            <a:r>
+              <a:rPr lang="en-US" dirty="0">
+                <a:latin typeface="Courier New" panose="02070309020205020404" pitchFamily="49" charset="0"/>
+                <a:cs typeface="Courier New" panose="02070309020205020404" pitchFamily="49" charset="0"/>
+              </a:rPr>
+              <a:t>][</a:t>
+            </a:r>
+            <a:r>
+              <a:rPr lang="en-US" dirty="0">
+                <a:solidFill>
+                  <a:srgbClr val="666666"/>
+                </a:solidFill>
+                <a:effectLst/>
+                <a:latin typeface="Courier New" panose="02070309020205020404" pitchFamily="49" charset="0"/>
+                <a:cs typeface="Courier New" panose="02070309020205020404" pitchFamily="49" charset="0"/>
+              </a:rPr>
+              <a:t>1</a:t>
+            </a:r>
+            <a:r>
+              <a:rPr lang="en-US" dirty="0">
+                <a:latin typeface="Courier New" panose="02070309020205020404" pitchFamily="49" charset="0"/>
+                <a:cs typeface="Courier New" panose="02070309020205020404" pitchFamily="49" charset="0"/>
+              </a:rPr>
+              <a:t>]      # </a:t>
+            </a:r>
+            <a:r>
+              <a:rPr lang="en-US" dirty="0">
+                <a:solidFill>
+                  <a:srgbClr val="717171"/>
+                </a:solidFill>
+                <a:effectLst/>
+                <a:latin typeface="Courier New" panose="02070309020205020404" pitchFamily="49" charset="0"/>
+                <a:cs typeface="Courier New" panose="02070309020205020404" pitchFamily="49" charset="0"/>
+              </a:rPr>
+              <a:t>'b'</a:t>
+            </a:r>
+            <a:endParaRPr lang="en-US" dirty="0">
+              <a:effectLst/>
+              <a:latin typeface="Courier New" panose="02070309020205020404" pitchFamily="49" charset="0"/>
+              <a:cs typeface="Courier New" panose="02070309020205020404" pitchFamily="49" charset="0"/>
+            </a:endParaRPr>
+          </a:p>
+        </p:txBody>
+      </p:sp>
+    </p:spTree>
+    <p:extLst>
+      <p:ext uri="{BB962C8B-B14F-4D97-AF65-F5344CB8AC3E}">
+        <p14:creationId xmlns:p14="http://schemas.microsoft.com/office/powerpoint/2010/main" val="1255526196"/>
+      </p:ext>
+    </p:extLst>
+  </p:cSld>
+  <p:clrMapOvr>
+    <a:masterClrMapping/>
+  </p:clrMapOvr>
+</p:sld>
+</file>
+
+<file path=ppt/slides/slide9.xml><?xml version="1.0" encoding="utf-8"?>
 <p:sld xmlns:a="http://schemas.openxmlformats.org/drawingml/2006/main" xmlns:r="http://schemas.openxmlformats.org/officeDocument/2006/relationships" xmlns:p="http://schemas.openxmlformats.org/presentationml/2006/main">
   <p:cSld>
     <p:spTree>
@@ -9905,7 +12061,7 @@
                 <a:latin typeface="Calibri" panose="020F0502020204030204" pitchFamily="34" charset="0"/>
                 <a:cs typeface="Calibri" panose="020F0502020204030204" pitchFamily="34" charset="0"/>
               </a:rPr>
-              <a:t>Tuples</a:t>
+              <a:t>Tuple</a:t>
             </a:r>
           </a:p>
         </p:txBody>
@@ -9928,7 +12084,7 @@
         </p:nvSpPr>
         <p:spPr>
           <a:xfrm>
-            <a:off x="838200" y="1477140"/>
+            <a:off x="838200" y="2109042"/>
             <a:ext cx="10515600" cy="975115"/>
           </a:xfrm>
         </p:spPr>
@@ -9978,7 +12134,7 @@
         <p:spPr>
           <a:xfrm>
             <a:off x="838200" y="3302472"/>
-            <a:ext cx="3298211" cy="523220"/>
+            <a:ext cx="3389582" cy="523220"/>
           </a:xfrm>
           <a:prstGeom prst="rect">
             <a:avLst/>
@@ -10210,964 +12366,12 @@
           </a:p>
         </p:txBody>
       </p:sp>
-    </p:spTree>
-    <p:extLst>
-      <p:ext uri="{BB962C8B-B14F-4D97-AF65-F5344CB8AC3E}">
-        <p14:creationId xmlns:p14="http://schemas.microsoft.com/office/powerpoint/2010/main" val="2429681990"/>
-      </p:ext>
-    </p:extLst>
-  </p:cSld>
-  <p:clrMapOvr>
-    <a:masterClrMapping/>
-  </p:clrMapOvr>
-</p:sld>
-</file>
-
-<file path=ppt/slides/slide7.xml><?xml version="1.0" encoding="utf-8"?>
-<p:sld xmlns:a="http://schemas.openxmlformats.org/drawingml/2006/main" xmlns:r="http://schemas.openxmlformats.org/officeDocument/2006/relationships" xmlns:p="http://schemas.openxmlformats.org/presentationml/2006/main">
-  <p:cSld>
-    <p:spTree>
-      <p:nvGrpSpPr>
-        <p:cNvPr id="1" name="">
-          <a:extLst>
-            <a:ext uri="{FF2B5EF4-FFF2-40B4-BE49-F238E27FC236}">
-              <a16:creationId xmlns:a16="http://schemas.microsoft.com/office/drawing/2014/main" id="{371CFD5C-CF5C-7367-8C06-5FFA6C53B24D}"/>
-            </a:ext>
-          </a:extLst>
-        </p:cNvPr>
-        <p:cNvGrpSpPr/>
-        <p:nvPr/>
-      </p:nvGrpSpPr>
-      <p:grpSpPr>
-        <a:xfrm>
-          <a:off x="0" y="0"/>
-          <a:ext cx="0" cy="0"/>
-          <a:chOff x="0" y="0"/>
-          <a:chExt cx="0" cy="0"/>
-        </a:xfrm>
-      </p:grpSpPr>
-      <p:sp>
-        <p:nvSpPr>
-          <p:cNvPr id="2" name="Title 1">
+      <p:sp>
+        <p:nvSpPr>
+          <p:cNvPr id="7" name="TextBox 6">
             <a:extLst>
               <a:ext uri="{FF2B5EF4-FFF2-40B4-BE49-F238E27FC236}">
-                <a16:creationId xmlns:a16="http://schemas.microsoft.com/office/drawing/2014/main" id="{49BE0E73-424F-ED7E-8F5D-69B09F2FC398}"/>
-              </a:ext>
-            </a:extLst>
-          </p:cNvPr>
-          <p:cNvSpPr>
-            <a:spLocks noGrp="1"/>
-          </p:cNvSpPr>
-          <p:nvPr>
-            <p:ph type="title"/>
-          </p:nvPr>
-        </p:nvSpPr>
-        <p:spPr>
-          <a:xfrm>
-            <a:off x="838200" y="365126"/>
-            <a:ext cx="10515600" cy="637410"/>
-          </a:xfrm>
-        </p:spPr>
-        <p:txBody>
-          <a:bodyPr>
-            <a:normAutofit/>
-          </a:bodyPr>
-          <a:lstStyle/>
-          <a:p>
-            <a:r>
-              <a:rPr lang="en-US" sz="3200" dirty="0"/>
-              <a:t>Boolean</a:t>
-            </a:r>
-          </a:p>
-        </p:txBody>
-      </p:sp>
-      <p:sp>
-        <p:nvSpPr>
-          <p:cNvPr id="3" name="Content Placeholder 2">
-            <a:extLst>
-              <a:ext uri="{FF2B5EF4-FFF2-40B4-BE49-F238E27FC236}">
-                <a16:creationId xmlns:a16="http://schemas.microsoft.com/office/drawing/2014/main" id="{702647E0-B925-2389-C064-DB4AAC23B8B6}"/>
-              </a:ext>
-            </a:extLst>
-          </p:cNvPr>
-          <p:cNvSpPr>
-            <a:spLocks noGrp="1"/>
-          </p:cNvSpPr>
-          <p:nvPr>
-            <p:ph idx="1"/>
-          </p:nvPr>
-        </p:nvSpPr>
-        <p:spPr>
-          <a:xfrm>
-            <a:off x="838200" y="1311007"/>
-            <a:ext cx="10747664" cy="4985884"/>
-          </a:xfrm>
-        </p:spPr>
-        <p:txBody>
-          <a:bodyPr>
-            <a:normAutofit fontScale="85000" lnSpcReduction="20000"/>
-          </a:bodyPr>
-          <a:lstStyle/>
-          <a:p>
-            <a:pPr marL="0" indent="0">
-              <a:buNone/>
-            </a:pPr>
-            <a:r>
-              <a:rPr lang="en-US" dirty="0" err="1">
-                <a:latin typeface="Courier New" panose="02070309020205020404" pitchFamily="49" charset="0"/>
-                <a:cs typeface="Courier New" panose="02070309020205020404" pitchFamily="49" charset="0"/>
-              </a:rPr>
-              <a:t>is_raining</a:t>
-            </a:r>
-            <a:r>
-              <a:rPr lang="en-US" dirty="0">
-                <a:latin typeface="Courier New" panose="02070309020205020404" pitchFamily="49" charset="0"/>
-                <a:cs typeface="Courier New" panose="02070309020205020404" pitchFamily="49" charset="0"/>
-              </a:rPr>
-              <a:t> = True</a:t>
-            </a:r>
-          </a:p>
-          <a:p>
-            <a:pPr marL="0" indent="0">
-              <a:buNone/>
-            </a:pPr>
-            <a:r>
-              <a:rPr lang="en-US" dirty="0" err="1">
-                <a:latin typeface="Courier New" panose="02070309020205020404" pitchFamily="49" charset="0"/>
-                <a:cs typeface="Courier New" panose="02070309020205020404" pitchFamily="49" charset="0"/>
-              </a:rPr>
-              <a:t>is_sunny</a:t>
-            </a:r>
-            <a:r>
-              <a:rPr lang="en-US" dirty="0">
-                <a:latin typeface="Courier New" panose="02070309020205020404" pitchFamily="49" charset="0"/>
-                <a:cs typeface="Courier New" panose="02070309020205020404" pitchFamily="49" charset="0"/>
-              </a:rPr>
-              <a:t> = False</a:t>
-            </a:r>
-          </a:p>
-          <a:p>
-            <a:pPr marL="0" indent="0">
-              <a:buNone/>
-            </a:pPr>
-            <a:endParaRPr lang="en-US" dirty="0">
-              <a:latin typeface="Courier New" panose="02070309020205020404" pitchFamily="49" charset="0"/>
-              <a:cs typeface="Courier New" panose="02070309020205020404" pitchFamily="49" charset="0"/>
-            </a:endParaRPr>
-          </a:p>
-          <a:p>
-            <a:pPr marL="0" indent="0">
-              <a:buNone/>
-            </a:pPr>
-            <a:r>
-              <a:rPr lang="en-US" dirty="0">
-                <a:latin typeface="Courier New" panose="02070309020205020404" pitchFamily="49" charset="0"/>
-                <a:cs typeface="Courier New" panose="02070309020205020404" pitchFamily="49" charset="0"/>
-              </a:rPr>
-              <a:t># Boolean expression</a:t>
-            </a:r>
-          </a:p>
-          <a:p>
-            <a:pPr marL="0" indent="0">
-              <a:buNone/>
-            </a:pPr>
-            <a:r>
-              <a:rPr lang="en-US" dirty="0">
-                <a:latin typeface="Courier New" panose="02070309020205020404" pitchFamily="49" charset="0"/>
-                <a:cs typeface="Courier New" panose="02070309020205020404" pitchFamily="49" charset="0"/>
-              </a:rPr>
-              <a:t>5 &gt; 3    # True  </a:t>
-            </a:r>
-          </a:p>
-          <a:p>
-            <a:pPr marL="0" indent="0">
-              <a:buNone/>
-            </a:pPr>
-            <a:r>
-              <a:rPr lang="en-US" dirty="0">
-                <a:latin typeface="Courier New" panose="02070309020205020404" pitchFamily="49" charset="0"/>
-                <a:cs typeface="Courier New" panose="02070309020205020404" pitchFamily="49" charset="0"/>
-              </a:rPr>
-              <a:t>10 == 5  # False  </a:t>
-            </a:r>
-          </a:p>
-          <a:p>
-            <a:pPr marL="0" indent="0">
-              <a:buNone/>
-            </a:pPr>
-            <a:r>
-              <a:rPr lang="en-US" dirty="0">
-                <a:latin typeface="Courier New" panose="02070309020205020404" pitchFamily="49" charset="0"/>
-                <a:cs typeface="Courier New" panose="02070309020205020404" pitchFamily="49" charset="0"/>
-              </a:rPr>
-              <a:t>"hello" != "world"  # True </a:t>
-            </a:r>
-          </a:p>
-          <a:p>
-            <a:pPr marL="0" indent="0" algn="l">
-              <a:buNone/>
-            </a:pPr>
-            <a:endParaRPr lang="en-US" dirty="0">
-              <a:latin typeface="Courier New" panose="02070309020205020404" pitchFamily="49" charset="0"/>
-              <a:cs typeface="Courier New" panose="02070309020205020404" pitchFamily="49" charset="0"/>
-            </a:endParaRPr>
-          </a:p>
-          <a:p>
-            <a:pPr marL="0" indent="0">
-              <a:buNone/>
-            </a:pPr>
-            <a:r>
-              <a:rPr lang="en-US" dirty="0">
-                <a:latin typeface="Courier New" panose="02070309020205020404" pitchFamily="49" charset="0"/>
-                <a:cs typeface="Courier New" panose="02070309020205020404" pitchFamily="49" charset="0"/>
-              </a:rPr>
-              <a:t># Non-Boolean values evaluated in a Boolean context:</a:t>
-            </a:r>
-          </a:p>
-          <a:p>
-            <a:pPr marL="0" indent="0" algn="l">
-              <a:buNone/>
-            </a:pPr>
-            <a:r>
-              <a:rPr lang="en-US" dirty="0">
-                <a:latin typeface="Courier New" panose="02070309020205020404" pitchFamily="49" charset="0"/>
-                <a:cs typeface="Courier New" panose="02070309020205020404" pitchFamily="49" charset="0"/>
-              </a:rPr>
-              <a:t>bool(0)     # False  </a:t>
-            </a:r>
-          </a:p>
-          <a:p>
-            <a:pPr marL="0" indent="0" algn="l">
-              <a:buNone/>
-            </a:pPr>
-            <a:r>
-              <a:rPr lang="en-US" dirty="0">
-                <a:latin typeface="Courier New" panose="02070309020205020404" pitchFamily="49" charset="0"/>
-                <a:cs typeface="Courier New" panose="02070309020205020404" pitchFamily="49" charset="0"/>
-              </a:rPr>
-              <a:t>bool("hi")  # True  </a:t>
-            </a:r>
-          </a:p>
-          <a:p>
-            <a:pPr marL="0" indent="0" algn="l">
-              <a:buNone/>
-            </a:pPr>
-            <a:r>
-              <a:rPr lang="en-US" dirty="0">
-                <a:latin typeface="Courier New" panose="02070309020205020404" pitchFamily="49" charset="0"/>
-                <a:cs typeface="Courier New" panose="02070309020205020404" pitchFamily="49" charset="0"/>
-              </a:rPr>
-              <a:t>bool([])    # False (empty list) </a:t>
-            </a:r>
-          </a:p>
-        </p:txBody>
-      </p:sp>
-    </p:spTree>
-    <p:extLst>
-      <p:ext uri="{BB962C8B-B14F-4D97-AF65-F5344CB8AC3E}">
-        <p14:creationId xmlns:p14="http://schemas.microsoft.com/office/powerpoint/2010/main" val="306923023"/>
-      </p:ext>
-    </p:extLst>
-  </p:cSld>
-  <p:clrMapOvr>
-    <a:masterClrMapping/>
-  </p:clrMapOvr>
-</p:sld>
-</file>
-
-<file path=ppt/slides/slide8.xml><?xml version="1.0" encoding="utf-8"?>
-<p:sld xmlns:a="http://schemas.openxmlformats.org/drawingml/2006/main" xmlns:r="http://schemas.openxmlformats.org/officeDocument/2006/relationships" xmlns:p="http://schemas.openxmlformats.org/presentationml/2006/main">
-  <p:cSld>
-    <p:spTree>
-      <p:nvGrpSpPr>
-        <p:cNvPr id="1" name="">
-          <a:extLst>
-            <a:ext uri="{FF2B5EF4-FFF2-40B4-BE49-F238E27FC236}">
-              <a16:creationId xmlns:a16="http://schemas.microsoft.com/office/drawing/2014/main" id="{166EDEA1-1724-4600-FA90-AB6397033CCA}"/>
-            </a:ext>
-          </a:extLst>
-        </p:cNvPr>
-        <p:cNvGrpSpPr/>
-        <p:nvPr/>
-      </p:nvGrpSpPr>
-      <p:grpSpPr>
-        <a:xfrm>
-          <a:off x="0" y="0"/>
-          <a:ext cx="0" cy="0"/>
-          <a:chOff x="0" y="0"/>
-          <a:chExt cx="0" cy="0"/>
-        </a:xfrm>
-      </p:grpSpPr>
-      <p:sp>
-        <p:nvSpPr>
-          <p:cNvPr id="2" name="Title 1">
-            <a:extLst>
-              <a:ext uri="{FF2B5EF4-FFF2-40B4-BE49-F238E27FC236}">
-                <a16:creationId xmlns:a16="http://schemas.microsoft.com/office/drawing/2014/main" id="{F4C54337-913E-0EE8-B7AB-5824D99956CC}"/>
-              </a:ext>
-            </a:extLst>
-          </p:cNvPr>
-          <p:cNvSpPr>
-            <a:spLocks noGrp="1"/>
-          </p:cNvSpPr>
-          <p:nvPr>
-            <p:ph type="title"/>
-          </p:nvPr>
-        </p:nvSpPr>
-        <p:spPr>
-          <a:xfrm>
-            <a:off x="838200" y="365126"/>
-            <a:ext cx="10515600" cy="637410"/>
-          </a:xfrm>
-        </p:spPr>
-        <p:txBody>
-          <a:bodyPr>
-            <a:normAutofit/>
-          </a:bodyPr>
-          <a:lstStyle/>
-          <a:p>
-            <a:r>
-              <a:rPr lang="en-US" sz="3200" dirty="0"/>
-              <a:t>List - (I)</a:t>
-            </a:r>
-          </a:p>
-        </p:txBody>
-      </p:sp>
-      <p:sp>
-        <p:nvSpPr>
-          <p:cNvPr id="3" name="Content Placeholder 2">
-            <a:extLst>
-              <a:ext uri="{FF2B5EF4-FFF2-40B4-BE49-F238E27FC236}">
-                <a16:creationId xmlns:a16="http://schemas.microsoft.com/office/drawing/2014/main" id="{80691227-1AAC-D2F9-EDFA-0F8827F9EA02}"/>
-              </a:ext>
-            </a:extLst>
-          </p:cNvPr>
-          <p:cNvSpPr>
-            <a:spLocks noGrp="1"/>
-          </p:cNvSpPr>
-          <p:nvPr>
-            <p:ph idx="1"/>
-          </p:nvPr>
-        </p:nvSpPr>
-        <p:spPr>
-          <a:xfrm>
-            <a:off x="838200" y="1311008"/>
-            <a:ext cx="11292840" cy="2503346"/>
-          </a:xfrm>
-        </p:spPr>
-        <p:txBody>
-          <a:bodyPr>
-            <a:normAutofit/>
-          </a:bodyPr>
-          <a:lstStyle/>
-          <a:p>
-            <a:pPr marL="0" indent="0">
-              <a:buNone/>
-            </a:pPr>
-            <a:r>
-              <a:rPr lang="en-US" sz="2400" dirty="0">
-                <a:latin typeface="Courier New" panose="02070309020205020404" pitchFamily="49" charset="0"/>
-                <a:cs typeface="Courier New" panose="02070309020205020404" pitchFamily="49" charset="0"/>
-              </a:rPr>
-              <a:t>squares </a:t>
-            </a:r>
-            <a:r>
-              <a:rPr lang="en-US" sz="2400" dirty="0">
-                <a:effectLst/>
-                <a:latin typeface="Courier New" panose="02070309020205020404" pitchFamily="49" charset="0"/>
-                <a:cs typeface="Courier New" panose="02070309020205020404" pitchFamily="49" charset="0"/>
-              </a:rPr>
-              <a:t>=</a:t>
-            </a:r>
-            <a:r>
-              <a:rPr lang="en-US" sz="2400" dirty="0">
-                <a:latin typeface="Courier New" panose="02070309020205020404" pitchFamily="49" charset="0"/>
-                <a:cs typeface="Courier New" panose="02070309020205020404" pitchFamily="49" charset="0"/>
-              </a:rPr>
-              <a:t> [</a:t>
-            </a:r>
-            <a:r>
-              <a:rPr lang="en-US" sz="2400" dirty="0">
-                <a:effectLst/>
-                <a:latin typeface="Courier New" panose="02070309020205020404" pitchFamily="49" charset="0"/>
-                <a:cs typeface="Courier New" panose="02070309020205020404" pitchFamily="49" charset="0"/>
-              </a:rPr>
-              <a:t>1</a:t>
-            </a:r>
-            <a:r>
-              <a:rPr lang="en-US" sz="2400" dirty="0">
-                <a:latin typeface="Courier New" panose="02070309020205020404" pitchFamily="49" charset="0"/>
-                <a:cs typeface="Courier New" panose="02070309020205020404" pitchFamily="49" charset="0"/>
-              </a:rPr>
-              <a:t>, </a:t>
-            </a:r>
-            <a:r>
-              <a:rPr lang="en-US" sz="2400" dirty="0">
-                <a:effectLst/>
-                <a:latin typeface="Courier New" panose="02070309020205020404" pitchFamily="49" charset="0"/>
-                <a:cs typeface="Courier New" panose="02070309020205020404" pitchFamily="49" charset="0"/>
-              </a:rPr>
-              <a:t>4</a:t>
-            </a:r>
-            <a:r>
-              <a:rPr lang="en-US" sz="2400" dirty="0">
-                <a:latin typeface="Courier New" panose="02070309020205020404" pitchFamily="49" charset="0"/>
-                <a:cs typeface="Courier New" panose="02070309020205020404" pitchFamily="49" charset="0"/>
-              </a:rPr>
-              <a:t>, </a:t>
-            </a:r>
-            <a:r>
-              <a:rPr lang="en-US" sz="2400" dirty="0">
-                <a:effectLst/>
-                <a:latin typeface="Courier New" panose="02070309020205020404" pitchFamily="49" charset="0"/>
-                <a:cs typeface="Courier New" panose="02070309020205020404" pitchFamily="49" charset="0"/>
-              </a:rPr>
-              <a:t>9</a:t>
-            </a:r>
-            <a:r>
-              <a:rPr lang="en-US" sz="2400" dirty="0">
-                <a:latin typeface="Courier New" panose="02070309020205020404" pitchFamily="49" charset="0"/>
-                <a:cs typeface="Courier New" panose="02070309020205020404" pitchFamily="49" charset="0"/>
-              </a:rPr>
-              <a:t>, </a:t>
-            </a:r>
-            <a:r>
-              <a:rPr lang="en-US" sz="2400" dirty="0">
-                <a:effectLst/>
-                <a:latin typeface="Courier New" panose="02070309020205020404" pitchFamily="49" charset="0"/>
-                <a:cs typeface="Courier New" panose="02070309020205020404" pitchFamily="49" charset="0"/>
-              </a:rPr>
-              <a:t>25</a:t>
-            </a:r>
-            <a:r>
-              <a:rPr lang="en-US" sz="2400" dirty="0">
-                <a:latin typeface="Courier New" panose="02070309020205020404" pitchFamily="49" charset="0"/>
-                <a:cs typeface="Courier New" panose="02070309020205020404" pitchFamily="49" charset="0"/>
-              </a:rPr>
-              <a:t>]</a:t>
-            </a:r>
-          </a:p>
-          <a:p>
-            <a:pPr marL="0" indent="0">
-              <a:buNone/>
-            </a:pPr>
-            <a:r>
-              <a:rPr lang="en-US" sz="2400" dirty="0">
-                <a:latin typeface="Courier New" panose="02070309020205020404" pitchFamily="49" charset="0"/>
-                <a:cs typeface="Courier New" panose="02070309020205020404" pitchFamily="49" charset="0"/>
-              </a:rPr>
-              <a:t>squares[</a:t>
-            </a:r>
-            <a:r>
-              <a:rPr lang="en-US" sz="2400" dirty="0">
-                <a:effectLst/>
-                <a:latin typeface="Courier New" panose="02070309020205020404" pitchFamily="49" charset="0"/>
-                <a:cs typeface="Courier New" panose="02070309020205020404" pitchFamily="49" charset="0"/>
-              </a:rPr>
-              <a:t>0</a:t>
-            </a:r>
-            <a:r>
-              <a:rPr lang="en-US" sz="2400" dirty="0">
-                <a:latin typeface="Courier New" panose="02070309020205020404" pitchFamily="49" charset="0"/>
-                <a:cs typeface="Courier New" panose="02070309020205020404" pitchFamily="49" charset="0"/>
-              </a:rPr>
-              <a:t>] </a:t>
-            </a:r>
-            <a:r>
-              <a:rPr lang="zh-CN" altLang="en-US" sz="2400" dirty="0">
-                <a:latin typeface="Courier New" panose="02070309020205020404" pitchFamily="49" charset="0"/>
-                <a:cs typeface="Courier New" panose="02070309020205020404" pitchFamily="49" charset="0"/>
-              </a:rPr>
-              <a:t>  </a:t>
-            </a:r>
-            <a:r>
-              <a:rPr lang="en-US" altLang="zh-CN" sz="2400" dirty="0">
-                <a:latin typeface="Courier New" panose="02070309020205020404" pitchFamily="49" charset="0"/>
-                <a:cs typeface="Courier New" panose="02070309020205020404" pitchFamily="49" charset="0"/>
-              </a:rPr>
-              <a:t>#</a:t>
-            </a:r>
-            <a:r>
-              <a:rPr lang="en-US" sz="2400" i="1" dirty="0">
-                <a:effectLst/>
-                <a:latin typeface="Courier New" panose="02070309020205020404" pitchFamily="49" charset="0"/>
-                <a:cs typeface="Courier New" panose="02070309020205020404" pitchFamily="49" charset="0"/>
-              </a:rPr>
-              <a:t> indexing returns the item</a:t>
-            </a:r>
-            <a:r>
-              <a:rPr lang="en-US" sz="2400" dirty="0">
-                <a:latin typeface="Courier New" panose="02070309020205020404" pitchFamily="49" charset="0"/>
-                <a:cs typeface="Courier New" panose="02070309020205020404" pitchFamily="49" charset="0"/>
-              </a:rPr>
-              <a:t> </a:t>
-            </a:r>
-            <a:r>
-              <a:rPr lang="en-US" sz="2400" dirty="0">
-                <a:effectLst/>
-                <a:latin typeface="Courier New" panose="02070309020205020404" pitchFamily="49" charset="0"/>
-                <a:cs typeface="Courier New" panose="02070309020205020404" pitchFamily="49" charset="0"/>
-              </a:rPr>
-              <a:t>1</a:t>
-            </a:r>
-          </a:p>
-          <a:p>
-            <a:pPr marL="0" indent="0">
-              <a:buNone/>
-            </a:pPr>
-            <a:r>
-              <a:rPr lang="en-US" sz="2400" dirty="0">
-                <a:latin typeface="Courier New" panose="02070309020205020404" pitchFamily="49" charset="0"/>
-                <a:cs typeface="Courier New" panose="02070309020205020404" pitchFamily="49" charset="0"/>
-              </a:rPr>
-              <a:t>squares[</a:t>
-            </a:r>
-            <a:r>
-              <a:rPr lang="en-US" sz="2400" dirty="0">
-                <a:effectLst/>
-                <a:latin typeface="Courier New" panose="02070309020205020404" pitchFamily="49" charset="0"/>
-                <a:cs typeface="Courier New" panose="02070309020205020404" pitchFamily="49" charset="0"/>
-              </a:rPr>
-              <a:t>-1</a:t>
-            </a:r>
-            <a:r>
-              <a:rPr lang="en-US" sz="2400" dirty="0">
-                <a:latin typeface="Courier New" panose="02070309020205020404" pitchFamily="49" charset="0"/>
-                <a:cs typeface="Courier New" panose="02070309020205020404" pitchFamily="49" charset="0"/>
-              </a:rPr>
-              <a:t>] </a:t>
-            </a:r>
-            <a:r>
-              <a:rPr lang="zh-CN" altLang="en-US" sz="2400" dirty="0">
-                <a:latin typeface="Courier New" panose="02070309020205020404" pitchFamily="49" charset="0"/>
-                <a:cs typeface="Courier New" panose="02070309020205020404" pitchFamily="49" charset="0"/>
-              </a:rPr>
-              <a:t> </a:t>
-            </a:r>
-            <a:r>
-              <a:rPr lang="en-US" altLang="zh-CN" sz="2400" dirty="0">
-                <a:latin typeface="Courier New" panose="02070309020205020404" pitchFamily="49" charset="0"/>
-                <a:cs typeface="Courier New" panose="02070309020205020404" pitchFamily="49" charset="0"/>
-              </a:rPr>
-              <a:t>#</a:t>
-            </a:r>
-            <a:r>
-              <a:rPr lang="zh-CN" altLang="en-US" sz="2400" dirty="0">
-                <a:latin typeface="Courier New" panose="02070309020205020404" pitchFamily="49" charset="0"/>
-                <a:cs typeface="Courier New" panose="02070309020205020404" pitchFamily="49" charset="0"/>
-              </a:rPr>
-              <a:t> </a:t>
-            </a:r>
-            <a:r>
-              <a:rPr lang="en-US" sz="2400" dirty="0">
-                <a:effectLst/>
-                <a:latin typeface="Courier New" panose="02070309020205020404" pitchFamily="49" charset="0"/>
-                <a:cs typeface="Courier New" panose="02070309020205020404" pitchFamily="49" charset="0"/>
-              </a:rPr>
-              <a:t>25</a:t>
-            </a:r>
-          </a:p>
-          <a:p>
-            <a:pPr marL="0" indent="0">
-              <a:buNone/>
-            </a:pPr>
-            <a:r>
-              <a:rPr lang="en-US" sz="2400" dirty="0">
-                <a:latin typeface="Courier New" panose="02070309020205020404" pitchFamily="49" charset="0"/>
-                <a:cs typeface="Courier New" panose="02070309020205020404" pitchFamily="49" charset="0"/>
-              </a:rPr>
-              <a:t>squares[</a:t>
-            </a:r>
-            <a:r>
-              <a:rPr lang="en-US" sz="2400" dirty="0">
-                <a:effectLst/>
-                <a:latin typeface="Courier New" panose="02070309020205020404" pitchFamily="49" charset="0"/>
-                <a:cs typeface="Courier New" panose="02070309020205020404" pitchFamily="49" charset="0"/>
-              </a:rPr>
-              <a:t>-3</a:t>
-            </a:r>
-            <a:r>
-              <a:rPr lang="en-US" sz="2400" dirty="0">
-                <a:latin typeface="Courier New" panose="02070309020205020404" pitchFamily="49" charset="0"/>
-                <a:cs typeface="Courier New" panose="02070309020205020404" pitchFamily="49" charset="0"/>
-              </a:rPr>
-              <a:t>:] </a:t>
-            </a:r>
-            <a:r>
-              <a:rPr lang="en-US" altLang="zh-CN" sz="2400" dirty="0">
-                <a:latin typeface="Courier New" panose="02070309020205020404" pitchFamily="49" charset="0"/>
-                <a:cs typeface="Courier New" panose="02070309020205020404" pitchFamily="49" charset="0"/>
-              </a:rPr>
-              <a:t>#</a:t>
-            </a:r>
-            <a:r>
-              <a:rPr lang="en-US" sz="2400" i="1" dirty="0">
-                <a:effectLst/>
-                <a:latin typeface="Courier New" panose="02070309020205020404" pitchFamily="49" charset="0"/>
-                <a:cs typeface="Courier New" panose="02070309020205020404" pitchFamily="49" charset="0"/>
-              </a:rPr>
-              <a:t> slicing returns a new list</a:t>
-            </a:r>
-            <a:r>
-              <a:rPr lang="en-US" sz="2400" dirty="0">
-                <a:latin typeface="Courier New" panose="02070309020205020404" pitchFamily="49" charset="0"/>
-                <a:cs typeface="Courier New" panose="02070309020205020404" pitchFamily="49" charset="0"/>
-              </a:rPr>
-              <a:t> </a:t>
-            </a:r>
-            <a:r>
-              <a:rPr lang="en-US" sz="2400" dirty="0">
-                <a:effectLst/>
-                <a:latin typeface="Courier New" panose="02070309020205020404" pitchFamily="49" charset="0"/>
-                <a:cs typeface="Courier New" panose="02070309020205020404" pitchFamily="49" charset="0"/>
-              </a:rPr>
-              <a:t>[4, 9, 25]</a:t>
-            </a:r>
-          </a:p>
-          <a:p>
-            <a:pPr marL="0" indent="0">
-              <a:buNone/>
-            </a:pPr>
-            <a:r>
-              <a:rPr lang="en-US" sz="2400" dirty="0">
-                <a:latin typeface="Courier New" panose="02070309020205020404" pitchFamily="49" charset="0"/>
-                <a:cs typeface="Courier New" panose="02070309020205020404" pitchFamily="49" charset="0"/>
-              </a:rPr>
-              <a:t>squares + [36, 49] # [1, 4, 9, 25, 36, 49]</a:t>
-            </a:r>
-          </a:p>
-          <a:p>
-            <a:pPr marL="0" indent="0">
-              <a:buNone/>
-            </a:pPr>
-            <a:endParaRPr lang="en-US" sz="2400" dirty="0">
-              <a:effectLst/>
-              <a:latin typeface="Courier New" panose="02070309020205020404" pitchFamily="49" charset="0"/>
-              <a:cs typeface="Courier New" panose="02070309020205020404" pitchFamily="49" charset="0"/>
-            </a:endParaRPr>
-          </a:p>
-        </p:txBody>
-      </p:sp>
-      <p:sp>
-        <p:nvSpPr>
-          <p:cNvPr id="4" name="Content Placeholder 2">
-            <a:extLst>
-              <a:ext uri="{FF2B5EF4-FFF2-40B4-BE49-F238E27FC236}">
-                <a16:creationId xmlns:a16="http://schemas.microsoft.com/office/drawing/2014/main" id="{96660918-A204-2A29-56EE-E7182190176F}"/>
-              </a:ext>
-            </a:extLst>
-          </p:cNvPr>
-          <p:cNvSpPr txBox="1">
-            <a:spLocks/>
-          </p:cNvSpPr>
-          <p:nvPr/>
-        </p:nvSpPr>
-        <p:spPr>
-          <a:xfrm>
-            <a:off x="838200" y="4658229"/>
-            <a:ext cx="11292840" cy="984557"/>
-          </a:xfrm>
-          <a:prstGeom prst="rect">
-            <a:avLst/>
-          </a:prstGeom>
-        </p:spPr>
-        <p:txBody>
-          <a:bodyPr vert="horz" lIns="91440" tIns="45720" rIns="91440" bIns="45720" rtlCol="0">
-            <a:normAutofit/>
-          </a:bodyPr>
-          <a:lstStyle>
-            <a:lvl1pPr marL="228600" indent="-228600" algn="l" defTabSz="914400" rtl="0" eaLnBrk="1" latinLnBrk="0" hangingPunct="1">
-              <a:lnSpc>
-                <a:spcPct val="90000"/>
-              </a:lnSpc>
-              <a:spcBef>
-                <a:spcPts val="1000"/>
-              </a:spcBef>
-              <a:buFont typeface="Arial" panose="020B0604020202020204" pitchFamily="34" charset="0"/>
-              <a:buChar char="•"/>
-              <a:defRPr sz="2800" kern="1200">
-                <a:solidFill>
-                  <a:schemeClr val="tx1"/>
-                </a:solidFill>
-                <a:latin typeface="+mn-lt"/>
-                <a:ea typeface="+mn-ea"/>
-                <a:cs typeface="+mn-cs"/>
-              </a:defRPr>
-            </a:lvl1pPr>
-            <a:lvl2pPr marL="685800" indent="-228600" algn="l" defTabSz="914400" rtl="0" eaLnBrk="1" latinLnBrk="0" hangingPunct="1">
-              <a:lnSpc>
-                <a:spcPct val="90000"/>
-              </a:lnSpc>
-              <a:spcBef>
-                <a:spcPts val="500"/>
-              </a:spcBef>
-              <a:buFont typeface="Arial" panose="020B0604020202020204" pitchFamily="34" charset="0"/>
-              <a:buChar char="•"/>
-              <a:defRPr sz="2400" kern="1200">
-                <a:solidFill>
-                  <a:schemeClr val="tx1"/>
-                </a:solidFill>
-                <a:latin typeface="+mn-lt"/>
-                <a:ea typeface="+mn-ea"/>
-                <a:cs typeface="+mn-cs"/>
-              </a:defRPr>
-            </a:lvl2pPr>
-            <a:lvl3pPr marL="1143000" indent="-228600" algn="l" defTabSz="914400" rtl="0" eaLnBrk="1" latinLnBrk="0" hangingPunct="1">
-              <a:lnSpc>
-                <a:spcPct val="90000"/>
-              </a:lnSpc>
-              <a:spcBef>
-                <a:spcPts val="500"/>
-              </a:spcBef>
-              <a:buFont typeface="Arial" panose="020B0604020202020204" pitchFamily="34" charset="0"/>
-              <a:buChar char="•"/>
-              <a:defRPr sz="2000" kern="1200">
-                <a:solidFill>
-                  <a:schemeClr val="tx1"/>
-                </a:solidFill>
-                <a:latin typeface="+mn-lt"/>
-                <a:ea typeface="+mn-ea"/>
-                <a:cs typeface="+mn-cs"/>
-              </a:defRPr>
-            </a:lvl3pPr>
-            <a:lvl4pPr marL="1600200" indent="-228600" algn="l" defTabSz="914400" rtl="0" eaLnBrk="1" latinLnBrk="0" hangingPunct="1">
-              <a:lnSpc>
-                <a:spcPct val="90000"/>
-              </a:lnSpc>
-              <a:spcBef>
-                <a:spcPts val="500"/>
-              </a:spcBef>
-              <a:buFont typeface="Arial" panose="020B0604020202020204" pitchFamily="34" charset="0"/>
-              <a:buChar char="•"/>
-              <a:defRPr sz="1800" kern="1200">
-                <a:solidFill>
-                  <a:schemeClr val="tx1"/>
-                </a:solidFill>
-                <a:latin typeface="+mn-lt"/>
-                <a:ea typeface="+mn-ea"/>
-                <a:cs typeface="+mn-cs"/>
-              </a:defRPr>
-            </a:lvl4pPr>
-            <a:lvl5pPr marL="2057400" indent="-228600" algn="l" defTabSz="914400" rtl="0" eaLnBrk="1" latinLnBrk="0" hangingPunct="1">
-              <a:lnSpc>
-                <a:spcPct val="90000"/>
-              </a:lnSpc>
-              <a:spcBef>
-                <a:spcPts val="500"/>
-              </a:spcBef>
-              <a:buFont typeface="Arial" panose="020B0604020202020204" pitchFamily="34" charset="0"/>
-              <a:buChar char="•"/>
-              <a:defRPr sz="1800" kern="1200">
-                <a:solidFill>
-                  <a:schemeClr val="tx1"/>
-                </a:solidFill>
-                <a:latin typeface="+mn-lt"/>
-                <a:ea typeface="+mn-ea"/>
-                <a:cs typeface="+mn-cs"/>
-              </a:defRPr>
-            </a:lvl5pPr>
-            <a:lvl6pPr marL="2514600" indent="-228600" algn="l" defTabSz="914400" rtl="0" eaLnBrk="1" latinLnBrk="0" hangingPunct="1">
-              <a:lnSpc>
-                <a:spcPct val="90000"/>
-              </a:lnSpc>
-              <a:spcBef>
-                <a:spcPts val="500"/>
-              </a:spcBef>
-              <a:buFont typeface="Arial" panose="020B0604020202020204" pitchFamily="34" charset="0"/>
-              <a:buChar char="•"/>
-              <a:defRPr sz="1800" kern="1200">
-                <a:solidFill>
-                  <a:schemeClr val="tx1"/>
-                </a:solidFill>
-                <a:latin typeface="+mn-lt"/>
-                <a:ea typeface="+mn-ea"/>
-                <a:cs typeface="+mn-cs"/>
-              </a:defRPr>
-            </a:lvl6pPr>
-            <a:lvl7pPr marL="2971800" indent="-228600" algn="l" defTabSz="914400" rtl="0" eaLnBrk="1" latinLnBrk="0" hangingPunct="1">
-              <a:lnSpc>
-                <a:spcPct val="90000"/>
-              </a:lnSpc>
-              <a:spcBef>
-                <a:spcPts val="500"/>
-              </a:spcBef>
-              <a:buFont typeface="Arial" panose="020B0604020202020204" pitchFamily="34" charset="0"/>
-              <a:buChar char="•"/>
-              <a:defRPr sz="1800" kern="1200">
-                <a:solidFill>
-                  <a:schemeClr val="tx1"/>
-                </a:solidFill>
-                <a:latin typeface="+mn-lt"/>
-                <a:ea typeface="+mn-ea"/>
-                <a:cs typeface="+mn-cs"/>
-              </a:defRPr>
-            </a:lvl7pPr>
-            <a:lvl8pPr marL="3429000" indent="-228600" algn="l" defTabSz="914400" rtl="0" eaLnBrk="1" latinLnBrk="0" hangingPunct="1">
-              <a:lnSpc>
-                <a:spcPct val="90000"/>
-              </a:lnSpc>
-              <a:spcBef>
-                <a:spcPts val="500"/>
-              </a:spcBef>
-              <a:buFont typeface="Arial" panose="020B0604020202020204" pitchFamily="34" charset="0"/>
-              <a:buChar char="•"/>
-              <a:defRPr sz="1800" kern="1200">
-                <a:solidFill>
-                  <a:schemeClr val="tx1"/>
-                </a:solidFill>
-                <a:latin typeface="+mn-lt"/>
-                <a:ea typeface="+mn-ea"/>
-                <a:cs typeface="+mn-cs"/>
-              </a:defRPr>
-            </a:lvl8pPr>
-            <a:lvl9pPr marL="3886200" indent="-228600" algn="l" defTabSz="914400" rtl="0" eaLnBrk="1" latinLnBrk="0" hangingPunct="1">
-              <a:lnSpc>
-                <a:spcPct val="90000"/>
-              </a:lnSpc>
-              <a:spcBef>
-                <a:spcPts val="500"/>
-              </a:spcBef>
-              <a:buFont typeface="Arial" panose="020B0604020202020204" pitchFamily="34" charset="0"/>
-              <a:buChar char="•"/>
-              <a:defRPr sz="1800" kern="1200">
-                <a:solidFill>
-                  <a:schemeClr val="tx1"/>
-                </a:solidFill>
-                <a:latin typeface="+mn-lt"/>
-                <a:ea typeface="+mn-ea"/>
-                <a:cs typeface="+mn-cs"/>
-              </a:defRPr>
-            </a:lvl9pPr>
-          </a:lstStyle>
-          <a:p>
-            <a:pPr marL="0" indent="0">
-              <a:buNone/>
-            </a:pPr>
-            <a:r>
-              <a:rPr lang="en-US" sz="2400" dirty="0">
-                <a:latin typeface="Courier New" panose="02070309020205020404" pitchFamily="49" charset="0"/>
-                <a:cs typeface="Courier New" panose="02070309020205020404" pitchFamily="49" charset="0"/>
-              </a:rPr>
-              <a:t>squares[2] = 100 # [</a:t>
-            </a:r>
-            <a:r>
-              <a:rPr lang="en-US" sz="2400" dirty="0">
-                <a:effectLst/>
-                <a:latin typeface="Courier New" panose="02070309020205020404" pitchFamily="49" charset="0"/>
-                <a:cs typeface="Courier New" panose="02070309020205020404" pitchFamily="49" charset="0"/>
-              </a:rPr>
-              <a:t>1</a:t>
-            </a:r>
-            <a:r>
-              <a:rPr lang="en-US" sz="2400" dirty="0">
-                <a:latin typeface="Courier New" panose="02070309020205020404" pitchFamily="49" charset="0"/>
-                <a:cs typeface="Courier New" panose="02070309020205020404" pitchFamily="49" charset="0"/>
-              </a:rPr>
-              <a:t>, 100, </a:t>
-            </a:r>
-            <a:r>
-              <a:rPr lang="en-US" sz="2400" dirty="0">
-                <a:effectLst/>
-                <a:latin typeface="Courier New" panose="02070309020205020404" pitchFamily="49" charset="0"/>
-                <a:cs typeface="Courier New" panose="02070309020205020404" pitchFamily="49" charset="0"/>
-              </a:rPr>
-              <a:t>9</a:t>
-            </a:r>
-            <a:r>
-              <a:rPr lang="en-US" sz="2400" dirty="0">
-                <a:latin typeface="Courier New" panose="02070309020205020404" pitchFamily="49" charset="0"/>
-                <a:cs typeface="Courier New" panose="02070309020205020404" pitchFamily="49" charset="0"/>
-              </a:rPr>
-              <a:t>, </a:t>
-            </a:r>
-            <a:r>
-              <a:rPr lang="en-US" sz="2400" dirty="0">
-                <a:effectLst/>
-                <a:latin typeface="Courier New" panose="02070309020205020404" pitchFamily="49" charset="0"/>
-                <a:cs typeface="Courier New" panose="02070309020205020404" pitchFamily="49" charset="0"/>
-              </a:rPr>
-              <a:t>25</a:t>
-            </a:r>
-            <a:r>
-              <a:rPr lang="en-US" sz="2400" dirty="0">
-                <a:latin typeface="Courier New" panose="02070309020205020404" pitchFamily="49" charset="0"/>
-                <a:cs typeface="Courier New" panose="02070309020205020404" pitchFamily="49" charset="0"/>
-              </a:rPr>
-              <a:t>]</a:t>
-            </a:r>
-          </a:p>
-          <a:p>
-            <a:pPr marL="0" indent="0">
-              <a:buNone/>
-            </a:pPr>
-            <a:r>
-              <a:rPr lang="en-US" sz="2400" dirty="0" err="1">
-                <a:latin typeface="Courier New" panose="02070309020205020404" pitchFamily="49" charset="0"/>
-                <a:cs typeface="Courier New" panose="02070309020205020404" pitchFamily="49" charset="0"/>
-              </a:rPr>
-              <a:t>squares.append</a:t>
-            </a:r>
-            <a:r>
-              <a:rPr lang="en-US" sz="2400" dirty="0">
-                <a:latin typeface="Courier New" panose="02070309020205020404" pitchFamily="49" charset="0"/>
-                <a:cs typeface="Courier New" panose="02070309020205020404" pitchFamily="49" charset="0"/>
-              </a:rPr>
-              <a:t>(36) # [</a:t>
-            </a:r>
-            <a:r>
-              <a:rPr lang="en-US" sz="2400" dirty="0">
-                <a:effectLst/>
-                <a:latin typeface="Courier New" panose="02070309020205020404" pitchFamily="49" charset="0"/>
-                <a:cs typeface="Courier New" panose="02070309020205020404" pitchFamily="49" charset="0"/>
-              </a:rPr>
-              <a:t>1</a:t>
-            </a:r>
-            <a:r>
-              <a:rPr lang="en-US" sz="2400" dirty="0">
-                <a:latin typeface="Courier New" panose="02070309020205020404" pitchFamily="49" charset="0"/>
-                <a:cs typeface="Courier New" panose="02070309020205020404" pitchFamily="49" charset="0"/>
-              </a:rPr>
-              <a:t>, 100, </a:t>
-            </a:r>
-            <a:r>
-              <a:rPr lang="en-US" sz="2400" dirty="0">
-                <a:effectLst/>
-                <a:latin typeface="Courier New" panose="02070309020205020404" pitchFamily="49" charset="0"/>
-                <a:cs typeface="Courier New" panose="02070309020205020404" pitchFamily="49" charset="0"/>
-              </a:rPr>
-              <a:t>9</a:t>
-            </a:r>
-            <a:r>
-              <a:rPr lang="en-US" sz="2400" dirty="0">
-                <a:latin typeface="Courier New" panose="02070309020205020404" pitchFamily="49" charset="0"/>
-                <a:cs typeface="Courier New" panose="02070309020205020404" pitchFamily="49" charset="0"/>
-              </a:rPr>
-              <a:t>, </a:t>
-            </a:r>
-            <a:r>
-              <a:rPr lang="en-US" sz="2400" dirty="0">
-                <a:effectLst/>
-                <a:latin typeface="Courier New" panose="02070309020205020404" pitchFamily="49" charset="0"/>
-                <a:cs typeface="Courier New" panose="02070309020205020404" pitchFamily="49" charset="0"/>
-              </a:rPr>
-              <a:t>25, 36</a:t>
-            </a:r>
-            <a:r>
-              <a:rPr lang="en-US" sz="2400" dirty="0">
-                <a:latin typeface="Courier New" panose="02070309020205020404" pitchFamily="49" charset="0"/>
-                <a:cs typeface="Courier New" panose="02070309020205020404" pitchFamily="49" charset="0"/>
-              </a:rPr>
-              <a:t>]</a:t>
-            </a:r>
-          </a:p>
-        </p:txBody>
-      </p:sp>
-      <p:sp>
-        <p:nvSpPr>
-          <p:cNvPr id="5" name="TextBox 4">
-            <a:extLst>
-              <a:ext uri="{FF2B5EF4-FFF2-40B4-BE49-F238E27FC236}">
-                <a16:creationId xmlns:a16="http://schemas.microsoft.com/office/drawing/2014/main" id="{C888C9FF-B64B-C5FC-0C4F-2D258A6B32A4}"/>
+                <a16:creationId xmlns:a16="http://schemas.microsoft.com/office/drawing/2014/main" id="{84AC5E10-A253-04F1-72B1-84A4E6B996C3}"/>
               </a:ext>
             </a:extLst>
           </p:cNvPr>
@@ -11176,8 +12380,8 @@
         </p:nvSpPr>
         <p:spPr>
           <a:xfrm>
-            <a:off x="729342" y="3891993"/>
-            <a:ext cx="2337499" cy="523220"/>
+            <a:off x="838199" y="1320980"/>
+            <a:ext cx="8662639" cy="523220"/>
           </a:xfrm>
           <a:prstGeom prst="rect">
             <a:avLst/>
@@ -11185,17 +12389,17 @@
           <a:noFill/>
         </p:spPr>
         <p:txBody>
-          <a:bodyPr wrap="none" rtlCol="0">
+          <a:bodyPr wrap="square">
             <a:spAutoFit/>
           </a:bodyPr>
           <a:lstStyle/>
           <a:p>
             <a:r>
               <a:rPr lang="en-US" sz="2800" dirty="0">
-                <a:latin typeface="Calibri Light" panose="020F0302020204030204" pitchFamily="34" charset="0"/>
-                <a:cs typeface="Calibri Light" panose="020F0302020204030204" pitchFamily="34" charset="0"/>
-              </a:rPr>
-              <a:t>List is mutable:</a:t>
+                <a:latin typeface="Calibri" panose="020F0502020204030204" pitchFamily="34" charset="0"/>
+                <a:cs typeface="Calibri" panose="020F0502020204030204" pitchFamily="34" charset="0"/>
+              </a:rPr>
+              <a:t>A tuple consists of a collection of elements like a list </a:t>
             </a:r>
           </a:p>
         </p:txBody>
@@ -11203,440 +12407,7 @@
     </p:spTree>
     <p:extLst>
       <p:ext uri="{BB962C8B-B14F-4D97-AF65-F5344CB8AC3E}">
-        <p14:creationId xmlns:p14="http://schemas.microsoft.com/office/powerpoint/2010/main" val="3757105038"/>
-      </p:ext>
-    </p:extLst>
-  </p:cSld>
-  <p:clrMapOvr>
-    <a:masterClrMapping/>
-  </p:clrMapOvr>
-</p:sld>
-</file>
-
-<file path=ppt/slides/slide9.xml><?xml version="1.0" encoding="utf-8"?>
-<p:sld xmlns:a="http://schemas.openxmlformats.org/drawingml/2006/main" xmlns:r="http://schemas.openxmlformats.org/officeDocument/2006/relationships" xmlns:p="http://schemas.openxmlformats.org/presentationml/2006/main">
-  <p:cSld>
-    <p:spTree>
-      <p:nvGrpSpPr>
-        <p:cNvPr id="1" name="">
-          <a:extLst>
-            <a:ext uri="{FF2B5EF4-FFF2-40B4-BE49-F238E27FC236}">
-              <a16:creationId xmlns:a16="http://schemas.microsoft.com/office/drawing/2014/main" id="{16BBBCFF-D419-17B4-EE47-B88775013C4F}"/>
-            </a:ext>
-          </a:extLst>
-        </p:cNvPr>
-        <p:cNvGrpSpPr/>
-        <p:nvPr/>
-      </p:nvGrpSpPr>
-      <p:grpSpPr>
-        <a:xfrm>
-          <a:off x="0" y="0"/>
-          <a:ext cx="0" cy="0"/>
-          <a:chOff x="0" y="0"/>
-          <a:chExt cx="0" cy="0"/>
-        </a:xfrm>
-      </p:grpSpPr>
-      <p:sp>
-        <p:nvSpPr>
-          <p:cNvPr id="2" name="Title 1">
-            <a:extLst>
-              <a:ext uri="{FF2B5EF4-FFF2-40B4-BE49-F238E27FC236}">
-                <a16:creationId xmlns:a16="http://schemas.microsoft.com/office/drawing/2014/main" id="{466B0696-E2E5-E15D-574A-E9C15336F4D7}"/>
-              </a:ext>
-            </a:extLst>
-          </p:cNvPr>
-          <p:cNvSpPr>
-            <a:spLocks noGrp="1"/>
-          </p:cNvSpPr>
-          <p:nvPr>
-            <p:ph type="title"/>
-          </p:nvPr>
-        </p:nvSpPr>
-        <p:spPr>
-          <a:xfrm>
-            <a:off x="838200" y="365126"/>
-            <a:ext cx="10515600" cy="637410"/>
-          </a:xfrm>
-        </p:spPr>
-        <p:txBody>
-          <a:bodyPr>
-            <a:normAutofit/>
-          </a:bodyPr>
-          <a:lstStyle/>
-          <a:p>
-            <a:r>
-              <a:rPr lang="en-US" sz="3200" dirty="0"/>
-              <a:t>List - (II)</a:t>
-            </a:r>
-          </a:p>
-        </p:txBody>
-      </p:sp>
-      <p:sp>
-        <p:nvSpPr>
-          <p:cNvPr id="3" name="Content Placeholder 2">
-            <a:extLst>
-              <a:ext uri="{FF2B5EF4-FFF2-40B4-BE49-F238E27FC236}">
-                <a16:creationId xmlns:a16="http://schemas.microsoft.com/office/drawing/2014/main" id="{C7FF0753-5E5C-4B08-2743-51ED94509276}"/>
-              </a:ext>
-            </a:extLst>
-          </p:cNvPr>
-          <p:cNvSpPr>
-            <a:spLocks noGrp="1"/>
-          </p:cNvSpPr>
-          <p:nvPr>
-            <p:ph idx="1"/>
-          </p:nvPr>
-        </p:nvSpPr>
-        <p:spPr>
-          <a:xfrm>
-            <a:off x="838199" y="1311007"/>
-            <a:ext cx="10331245" cy="3644169"/>
-          </a:xfrm>
-        </p:spPr>
-        <p:txBody>
-          <a:bodyPr>
-            <a:noAutofit/>
-          </a:bodyPr>
-          <a:lstStyle/>
-          <a:p>
-            <a:pPr marL="0" indent="0">
-              <a:buNone/>
-            </a:pPr>
-            <a:r>
-              <a:rPr lang="en-US" dirty="0">
-                <a:latin typeface="Courier New" panose="02070309020205020404" pitchFamily="49" charset="0"/>
-                <a:cs typeface="Courier New" panose="02070309020205020404" pitchFamily="49" charset="0"/>
-              </a:rPr>
-              <a:t>a </a:t>
-            </a:r>
-            <a:r>
-              <a:rPr lang="en-US" dirty="0">
-                <a:solidFill>
-                  <a:srgbClr val="666666"/>
-                </a:solidFill>
-                <a:effectLst/>
-                <a:latin typeface="Courier New" panose="02070309020205020404" pitchFamily="49" charset="0"/>
-                <a:cs typeface="Courier New" panose="02070309020205020404" pitchFamily="49" charset="0"/>
-              </a:rPr>
-              <a:t>=</a:t>
-            </a:r>
-            <a:r>
-              <a:rPr lang="en-US" dirty="0">
-                <a:latin typeface="Courier New" panose="02070309020205020404" pitchFamily="49" charset="0"/>
-                <a:cs typeface="Courier New" panose="02070309020205020404" pitchFamily="49" charset="0"/>
-              </a:rPr>
-              <a:t> [</a:t>
-            </a:r>
-            <a:r>
-              <a:rPr lang="en-US" dirty="0">
-                <a:solidFill>
-                  <a:srgbClr val="BA2121"/>
-                </a:solidFill>
-                <a:effectLst/>
-                <a:latin typeface="Courier New" panose="02070309020205020404" pitchFamily="49" charset="0"/>
-                <a:cs typeface="Courier New" panose="02070309020205020404" pitchFamily="49" charset="0"/>
-              </a:rPr>
-              <a:t>'a'</a:t>
-            </a:r>
-            <a:r>
-              <a:rPr lang="en-US" dirty="0">
-                <a:latin typeface="Courier New" panose="02070309020205020404" pitchFamily="49" charset="0"/>
-                <a:cs typeface="Courier New" panose="02070309020205020404" pitchFamily="49" charset="0"/>
-              </a:rPr>
-              <a:t>, </a:t>
-            </a:r>
-            <a:r>
-              <a:rPr lang="en-US" dirty="0">
-                <a:solidFill>
-                  <a:srgbClr val="BA2121"/>
-                </a:solidFill>
-                <a:effectLst/>
-                <a:latin typeface="Courier New" panose="02070309020205020404" pitchFamily="49" charset="0"/>
-                <a:cs typeface="Courier New" panose="02070309020205020404" pitchFamily="49" charset="0"/>
-              </a:rPr>
-              <a:t>'b'</a:t>
-            </a:r>
-            <a:r>
-              <a:rPr lang="en-US" dirty="0">
-                <a:latin typeface="Courier New" panose="02070309020205020404" pitchFamily="49" charset="0"/>
-                <a:cs typeface="Courier New" panose="02070309020205020404" pitchFamily="49" charset="0"/>
-              </a:rPr>
-              <a:t>, </a:t>
-            </a:r>
-            <a:r>
-              <a:rPr lang="en-US" dirty="0">
-                <a:solidFill>
-                  <a:srgbClr val="BA2121"/>
-                </a:solidFill>
-                <a:effectLst/>
-                <a:latin typeface="Courier New" panose="02070309020205020404" pitchFamily="49" charset="0"/>
-                <a:cs typeface="Courier New" panose="02070309020205020404" pitchFamily="49" charset="0"/>
-              </a:rPr>
-              <a:t>'c'</a:t>
-            </a:r>
-            <a:r>
-              <a:rPr lang="en-US" dirty="0">
-                <a:latin typeface="Courier New" panose="02070309020205020404" pitchFamily="49" charset="0"/>
-                <a:cs typeface="Courier New" panose="02070309020205020404" pitchFamily="49" charset="0"/>
-              </a:rPr>
-              <a:t>] </a:t>
-            </a:r>
-            <a:endParaRPr lang="en-US" b="1" dirty="0">
-              <a:solidFill>
-                <a:srgbClr val="000080"/>
-              </a:solidFill>
-              <a:latin typeface="Courier New" panose="02070309020205020404" pitchFamily="49" charset="0"/>
-              <a:cs typeface="Courier New" panose="02070309020205020404" pitchFamily="49" charset="0"/>
-            </a:endParaRPr>
-          </a:p>
-          <a:p>
-            <a:pPr marL="0" indent="0">
-              <a:buNone/>
-            </a:pPr>
-            <a:r>
-              <a:rPr lang="en-US" dirty="0">
-                <a:latin typeface="Courier New" panose="02070309020205020404" pitchFamily="49" charset="0"/>
-                <a:cs typeface="Courier New" panose="02070309020205020404" pitchFamily="49" charset="0"/>
-              </a:rPr>
-              <a:t>n </a:t>
-            </a:r>
-            <a:r>
-              <a:rPr lang="en-US" dirty="0">
-                <a:solidFill>
-                  <a:srgbClr val="666666"/>
-                </a:solidFill>
-                <a:effectLst/>
-                <a:latin typeface="Courier New" panose="02070309020205020404" pitchFamily="49" charset="0"/>
-                <a:cs typeface="Courier New" panose="02070309020205020404" pitchFamily="49" charset="0"/>
-              </a:rPr>
-              <a:t>=</a:t>
-            </a:r>
-            <a:r>
-              <a:rPr lang="en-US" dirty="0">
-                <a:latin typeface="Courier New" panose="02070309020205020404" pitchFamily="49" charset="0"/>
-                <a:cs typeface="Courier New" panose="02070309020205020404" pitchFamily="49" charset="0"/>
-              </a:rPr>
-              <a:t> [</a:t>
-            </a:r>
-            <a:r>
-              <a:rPr lang="en-US" dirty="0">
-                <a:solidFill>
-                  <a:srgbClr val="666666"/>
-                </a:solidFill>
-                <a:effectLst/>
-                <a:latin typeface="Courier New" panose="02070309020205020404" pitchFamily="49" charset="0"/>
-                <a:cs typeface="Courier New" panose="02070309020205020404" pitchFamily="49" charset="0"/>
-              </a:rPr>
-              <a:t>1</a:t>
-            </a:r>
-            <a:r>
-              <a:rPr lang="en-US" dirty="0">
-                <a:latin typeface="Courier New" panose="02070309020205020404" pitchFamily="49" charset="0"/>
-                <a:cs typeface="Courier New" panose="02070309020205020404" pitchFamily="49" charset="0"/>
-              </a:rPr>
-              <a:t>, </a:t>
-            </a:r>
-            <a:r>
-              <a:rPr lang="en-US" dirty="0">
-                <a:solidFill>
-                  <a:srgbClr val="666666"/>
-                </a:solidFill>
-                <a:effectLst/>
-                <a:latin typeface="Courier New" panose="02070309020205020404" pitchFamily="49" charset="0"/>
-                <a:cs typeface="Courier New" panose="02070309020205020404" pitchFamily="49" charset="0"/>
-              </a:rPr>
-              <a:t>2</a:t>
-            </a:r>
-            <a:r>
-              <a:rPr lang="en-US" dirty="0">
-                <a:latin typeface="Courier New" panose="02070309020205020404" pitchFamily="49" charset="0"/>
-                <a:cs typeface="Courier New" panose="02070309020205020404" pitchFamily="49" charset="0"/>
-              </a:rPr>
-              <a:t>, </a:t>
-            </a:r>
-            <a:r>
-              <a:rPr lang="en-US" dirty="0">
-                <a:solidFill>
-                  <a:srgbClr val="666666"/>
-                </a:solidFill>
-                <a:effectLst/>
-                <a:latin typeface="Courier New" panose="02070309020205020404" pitchFamily="49" charset="0"/>
-                <a:cs typeface="Courier New" panose="02070309020205020404" pitchFamily="49" charset="0"/>
-              </a:rPr>
-              <a:t>3</a:t>
-            </a:r>
-            <a:r>
-              <a:rPr lang="en-US" dirty="0">
-                <a:latin typeface="Courier New" panose="02070309020205020404" pitchFamily="49" charset="0"/>
-                <a:cs typeface="Courier New" panose="02070309020205020404" pitchFamily="49" charset="0"/>
-              </a:rPr>
-              <a:t>]</a:t>
-            </a:r>
-          </a:p>
-          <a:p>
-            <a:pPr marL="0" indent="0">
-              <a:buNone/>
-            </a:pPr>
-            <a:r>
-              <a:rPr lang="en-US" dirty="0">
-                <a:latin typeface="Courier New" panose="02070309020205020404" pitchFamily="49" charset="0"/>
-                <a:cs typeface="Courier New" panose="02070309020205020404" pitchFamily="49" charset="0"/>
-              </a:rPr>
-              <a:t>x </a:t>
-            </a:r>
-            <a:r>
-              <a:rPr lang="en-US" dirty="0">
-                <a:solidFill>
-                  <a:srgbClr val="666666"/>
-                </a:solidFill>
-                <a:effectLst/>
-                <a:latin typeface="Courier New" panose="02070309020205020404" pitchFamily="49" charset="0"/>
-                <a:cs typeface="Courier New" panose="02070309020205020404" pitchFamily="49" charset="0"/>
-              </a:rPr>
-              <a:t>=</a:t>
-            </a:r>
-            <a:r>
-              <a:rPr lang="en-US" dirty="0">
-                <a:latin typeface="Courier New" panose="02070309020205020404" pitchFamily="49" charset="0"/>
-                <a:cs typeface="Courier New" panose="02070309020205020404" pitchFamily="49" charset="0"/>
-              </a:rPr>
-              <a:t> [a, n]</a:t>
-            </a:r>
-          </a:p>
-          <a:p>
-            <a:pPr marL="0" indent="0">
-              <a:buNone/>
-            </a:pPr>
-            <a:r>
-              <a:rPr lang="en-US" dirty="0">
-                <a:latin typeface="Courier New" panose="02070309020205020404" pitchFamily="49" charset="0"/>
-                <a:cs typeface="Courier New" panose="02070309020205020404" pitchFamily="49" charset="0"/>
-              </a:rPr>
-              <a:t>x            # </a:t>
-            </a:r>
-            <a:r>
-              <a:rPr lang="en-US" dirty="0">
-                <a:solidFill>
-                  <a:srgbClr val="717171"/>
-                </a:solidFill>
-                <a:effectLst/>
-                <a:latin typeface="Courier New" panose="02070309020205020404" pitchFamily="49" charset="0"/>
-                <a:cs typeface="Courier New" panose="02070309020205020404" pitchFamily="49" charset="0"/>
-              </a:rPr>
-              <a:t>[['a', 'b', 'c'], [1, 2, 3]]</a:t>
-            </a:r>
-          </a:p>
-          <a:p>
-            <a:pPr marL="0" indent="0">
-              <a:buNone/>
-            </a:pPr>
-            <a:r>
-              <a:rPr lang="en-US" dirty="0">
-                <a:latin typeface="Courier New" panose="02070309020205020404" pitchFamily="49" charset="0"/>
-                <a:cs typeface="Courier New" panose="02070309020205020404" pitchFamily="49" charset="0"/>
-              </a:rPr>
-              <a:t>x[</a:t>
-            </a:r>
-            <a:r>
-              <a:rPr lang="en-US" dirty="0">
-                <a:solidFill>
-                  <a:srgbClr val="666666"/>
-                </a:solidFill>
-                <a:effectLst/>
-                <a:latin typeface="Courier New" panose="02070309020205020404" pitchFamily="49" charset="0"/>
-                <a:cs typeface="Courier New" panose="02070309020205020404" pitchFamily="49" charset="0"/>
-              </a:rPr>
-              <a:t>0</a:t>
-            </a:r>
-            <a:r>
-              <a:rPr lang="en-US" dirty="0">
-                <a:latin typeface="Courier New" panose="02070309020205020404" pitchFamily="49" charset="0"/>
-                <a:cs typeface="Courier New" panose="02070309020205020404" pitchFamily="49" charset="0"/>
-              </a:rPr>
-              <a:t>]         # </a:t>
-            </a:r>
-            <a:r>
-              <a:rPr lang="en-US" dirty="0">
-                <a:solidFill>
-                  <a:srgbClr val="717171"/>
-                </a:solidFill>
-                <a:effectLst/>
-                <a:latin typeface="Courier New" panose="02070309020205020404" pitchFamily="49" charset="0"/>
-                <a:cs typeface="Courier New" panose="02070309020205020404" pitchFamily="49" charset="0"/>
-              </a:rPr>
-              <a:t>['a', 'b', 'c’]</a:t>
-            </a:r>
-          </a:p>
-          <a:p>
-            <a:pPr marL="0" indent="0">
-              <a:buNone/>
-            </a:pPr>
-            <a:r>
-              <a:rPr lang="en-US" dirty="0">
-                <a:latin typeface="Courier New" panose="02070309020205020404" pitchFamily="49" charset="0"/>
-                <a:cs typeface="Courier New" panose="02070309020205020404" pitchFamily="49" charset="0"/>
-              </a:rPr>
-              <a:t>x[</a:t>
-            </a:r>
-            <a:r>
-              <a:rPr lang="en-US" dirty="0">
-                <a:solidFill>
-                  <a:srgbClr val="666666"/>
-                </a:solidFill>
-                <a:effectLst/>
-                <a:latin typeface="Courier New" panose="02070309020205020404" pitchFamily="49" charset="0"/>
-                <a:cs typeface="Courier New" panose="02070309020205020404" pitchFamily="49" charset="0"/>
-              </a:rPr>
-              <a:t>0</a:t>
-            </a:r>
-            <a:r>
-              <a:rPr lang="en-US" dirty="0">
-                <a:latin typeface="Courier New" panose="02070309020205020404" pitchFamily="49" charset="0"/>
-                <a:cs typeface="Courier New" panose="02070309020205020404" pitchFamily="49" charset="0"/>
-              </a:rPr>
-              <a:t>][</a:t>
-            </a:r>
-            <a:r>
-              <a:rPr lang="en-US" dirty="0">
-                <a:solidFill>
-                  <a:srgbClr val="666666"/>
-                </a:solidFill>
-                <a:effectLst/>
-                <a:latin typeface="Courier New" panose="02070309020205020404" pitchFamily="49" charset="0"/>
-                <a:cs typeface="Courier New" panose="02070309020205020404" pitchFamily="49" charset="0"/>
-              </a:rPr>
-              <a:t>1</a:t>
-            </a:r>
-            <a:r>
-              <a:rPr lang="en-US" dirty="0">
-                <a:latin typeface="Courier New" panose="02070309020205020404" pitchFamily="49" charset="0"/>
-                <a:cs typeface="Courier New" panose="02070309020205020404" pitchFamily="49" charset="0"/>
-              </a:rPr>
-              <a:t>]      # </a:t>
-            </a:r>
-            <a:r>
-              <a:rPr lang="en-US" dirty="0">
-                <a:solidFill>
-                  <a:srgbClr val="717171"/>
-                </a:solidFill>
-                <a:effectLst/>
-                <a:latin typeface="Courier New" panose="02070309020205020404" pitchFamily="49" charset="0"/>
-                <a:cs typeface="Courier New" panose="02070309020205020404" pitchFamily="49" charset="0"/>
-              </a:rPr>
-              <a:t>'b'</a:t>
-            </a:r>
-            <a:endParaRPr lang="en-US" dirty="0">
-              <a:effectLst/>
-              <a:latin typeface="Courier New" panose="02070309020205020404" pitchFamily="49" charset="0"/>
-              <a:cs typeface="Courier New" panose="02070309020205020404" pitchFamily="49" charset="0"/>
-            </a:endParaRPr>
-          </a:p>
-        </p:txBody>
-      </p:sp>
-    </p:spTree>
-    <p:extLst>
-      <p:ext uri="{BB962C8B-B14F-4D97-AF65-F5344CB8AC3E}">
-        <p14:creationId xmlns:p14="http://schemas.microsoft.com/office/powerpoint/2010/main" val="1255526196"/>
+        <p14:creationId xmlns:p14="http://schemas.microsoft.com/office/powerpoint/2010/main" val="2429681990"/>
       </p:ext>
     </p:extLst>
   </p:cSld>

--- a/PLPTH813Bioinformatis/2025/1_lecture/lecture16_Python.pptx
+++ b/PLPTH813Bioinformatis/2025/1_lecture/lecture16_Python.pptx
@@ -219,7 +219,7 @@
           <a:p>
             <a:fld id="{62C1716D-6DBE-2245-85DC-A0B7399F0CF5}" type="datetimeFigureOut">
               <a:rPr lang="en-US" smtClean="0"/>
-              <a:t>4/1/25</a:t>
+              <a:t>4/3/25</a:t>
             </a:fld>
             <a:endParaRPr lang="en-US"/>
           </a:p>
@@ -950,7 +950,7 @@
           <a:p>
             <a:fld id="{5FA2F87E-77D9-BC41-97B1-7088E35EFBEF}" type="datetimeFigureOut">
               <a:rPr lang="en-US" smtClean="0"/>
-              <a:t>4/1/25</a:t>
+              <a:t>4/3/25</a:t>
             </a:fld>
             <a:endParaRPr lang="en-US"/>
           </a:p>
@@ -1148,7 +1148,7 @@
           <a:p>
             <a:fld id="{5FA2F87E-77D9-BC41-97B1-7088E35EFBEF}" type="datetimeFigureOut">
               <a:rPr lang="en-US" smtClean="0"/>
-              <a:t>4/1/25</a:t>
+              <a:t>4/3/25</a:t>
             </a:fld>
             <a:endParaRPr lang="en-US"/>
           </a:p>
@@ -1356,7 +1356,7 @@
           <a:p>
             <a:fld id="{5FA2F87E-77D9-BC41-97B1-7088E35EFBEF}" type="datetimeFigureOut">
               <a:rPr lang="en-US" smtClean="0"/>
-              <a:t>4/1/25</a:t>
+              <a:t>4/3/25</a:t>
             </a:fld>
             <a:endParaRPr lang="en-US"/>
           </a:p>
@@ -1554,7 +1554,7 @@
           <a:p>
             <a:fld id="{5FA2F87E-77D9-BC41-97B1-7088E35EFBEF}" type="datetimeFigureOut">
               <a:rPr lang="en-US" smtClean="0"/>
-              <a:t>4/1/25</a:t>
+              <a:t>4/3/25</a:t>
             </a:fld>
             <a:endParaRPr lang="en-US"/>
           </a:p>
@@ -1829,7 +1829,7 @@
           <a:p>
             <a:fld id="{5FA2F87E-77D9-BC41-97B1-7088E35EFBEF}" type="datetimeFigureOut">
               <a:rPr lang="en-US" smtClean="0"/>
-              <a:t>4/1/25</a:t>
+              <a:t>4/3/25</a:t>
             </a:fld>
             <a:endParaRPr lang="en-US"/>
           </a:p>
@@ -2094,7 +2094,7 @@
           <a:p>
             <a:fld id="{5FA2F87E-77D9-BC41-97B1-7088E35EFBEF}" type="datetimeFigureOut">
               <a:rPr lang="en-US" smtClean="0"/>
-              <a:t>4/1/25</a:t>
+              <a:t>4/3/25</a:t>
             </a:fld>
             <a:endParaRPr lang="en-US"/>
           </a:p>
@@ -2506,7 +2506,7 @@
           <a:p>
             <a:fld id="{5FA2F87E-77D9-BC41-97B1-7088E35EFBEF}" type="datetimeFigureOut">
               <a:rPr lang="en-US" smtClean="0"/>
-              <a:t>4/1/25</a:t>
+              <a:t>4/3/25</a:t>
             </a:fld>
             <a:endParaRPr lang="en-US"/>
           </a:p>
@@ -2647,7 +2647,7 @@
           <a:p>
             <a:fld id="{5FA2F87E-77D9-BC41-97B1-7088E35EFBEF}" type="datetimeFigureOut">
               <a:rPr lang="en-US" smtClean="0"/>
-              <a:t>4/1/25</a:t>
+              <a:t>4/3/25</a:t>
             </a:fld>
             <a:endParaRPr lang="en-US"/>
           </a:p>
@@ -2760,7 +2760,7 @@
           <a:p>
             <a:fld id="{5FA2F87E-77D9-BC41-97B1-7088E35EFBEF}" type="datetimeFigureOut">
               <a:rPr lang="en-US" smtClean="0"/>
-              <a:t>4/1/25</a:t>
+              <a:t>4/3/25</a:t>
             </a:fld>
             <a:endParaRPr lang="en-US"/>
           </a:p>
@@ -3071,7 +3071,7 @@
           <a:p>
             <a:fld id="{5FA2F87E-77D9-BC41-97B1-7088E35EFBEF}" type="datetimeFigureOut">
               <a:rPr lang="en-US" smtClean="0"/>
-              <a:t>4/1/25</a:t>
+              <a:t>4/3/25</a:t>
             </a:fld>
             <a:endParaRPr lang="en-US"/>
           </a:p>
@@ -3359,7 +3359,7 @@
           <a:p>
             <a:fld id="{5FA2F87E-77D9-BC41-97B1-7088E35EFBEF}" type="datetimeFigureOut">
               <a:rPr lang="en-US" smtClean="0"/>
-              <a:t>4/1/25</a:t>
+              <a:t>4/3/25</a:t>
             </a:fld>
             <a:endParaRPr lang="en-US"/>
           </a:p>
@@ -3600,7 +3600,7 @@
           <a:p>
             <a:fld id="{5FA2F87E-77D9-BC41-97B1-7088E35EFBEF}" type="datetimeFigureOut">
               <a:rPr lang="en-US" smtClean="0"/>
-              <a:t>4/1/25</a:t>
+              <a:t>4/3/25</a:t>
             </a:fld>
             <a:endParaRPr lang="en-US"/>
           </a:p>
@@ -8845,22 +8845,13 @@
               <a:t> words with at least 2 </a:t>
             </a:r>
             <a:r>
-              <a:rPr lang="en-US" dirty="0" err="1">
+              <a:rPr lang="en-US" dirty="0">
                 <a:solidFill>
                   <a:srgbClr val="404040"/>
                 </a:solidFill>
                 <a:latin typeface="DeepSeek-CJK-patch"/>
               </a:rPr>
-              <a:t>occurrencies</a:t>
-            </a:r>
-            <a:r>
-              <a:rPr lang="en-US" dirty="0">
-                <a:solidFill>
-                  <a:srgbClr val="404040"/>
-                </a:solidFill>
-                <a:latin typeface="DeepSeek-CJK-patch"/>
-              </a:rPr>
-              <a:t> by using "</a:t>
+              <a:t>occurrences by using "</a:t>
             </a:r>
             <a:r>
               <a:rPr lang="en-US" dirty="0" err="1">
